--- a/Презентация.pptx
+++ b/Презентация.pptx
@@ -2,18 +2,24 @@
 <file path=ppt/presentation.xml><?xml version="1.0" encoding="utf-8"?>
 <p:presentation xmlns:a="http://schemas.openxmlformats.org/drawingml/2006/main" xmlns:r="http://schemas.openxmlformats.org/officeDocument/2006/relationships" xmlns:p="http://schemas.openxmlformats.org/presentationml/2006/main" saveSubsetFonts="1">
   <p:sldMasterIdLst>
-    <p:sldMasterId id="2147483648" r:id="rId1"/>
+    <p:sldMasterId id="2147483660" r:id="rId1"/>
   </p:sldMasterIdLst>
   <p:sldIdLst>
     <p:sldId id="256" r:id="rId2"/>
+    <p:sldId id="258" r:id="rId3"/>
+    <p:sldId id="257" r:id="rId4"/>
+    <p:sldId id="259" r:id="rId5"/>
+    <p:sldId id="260" r:id="rId6"/>
+    <p:sldId id="261" r:id="rId7"/>
+    <p:sldId id="262" r:id="rId8"/>
   </p:sldIdLst>
   <p:sldSz cx="12192000" cy="6858000"/>
   <p:notesSz cx="6858000" cy="9144000"/>
   <p:defaultTextStyle>
     <a:defPPr>
-      <a:defRPr lang="ru-RU"/>
+      <a:defRPr lang="en-US"/>
     </a:defPPr>
-    <a:lvl1pPr marL="0" algn="l" defTabSz="914400" rtl="0" eaLnBrk="1" latinLnBrk="0" hangingPunct="1">
+    <a:lvl1pPr marL="0" algn="l" defTabSz="457200" rtl="0" eaLnBrk="1" latinLnBrk="0" hangingPunct="1">
       <a:defRPr sz="1800" kern="1200">
         <a:solidFill>
           <a:schemeClr val="tx1"/>
@@ -23,7 +29,7 @@
         <a:cs typeface="+mn-cs"/>
       </a:defRPr>
     </a:lvl1pPr>
-    <a:lvl2pPr marL="457200" algn="l" defTabSz="914400" rtl="0" eaLnBrk="1" latinLnBrk="0" hangingPunct="1">
+    <a:lvl2pPr marL="457200" algn="l" defTabSz="457200" rtl="0" eaLnBrk="1" latinLnBrk="0" hangingPunct="1">
       <a:defRPr sz="1800" kern="1200">
         <a:solidFill>
           <a:schemeClr val="tx1"/>
@@ -33,7 +39,7 @@
         <a:cs typeface="+mn-cs"/>
       </a:defRPr>
     </a:lvl2pPr>
-    <a:lvl3pPr marL="914400" algn="l" defTabSz="914400" rtl="0" eaLnBrk="1" latinLnBrk="0" hangingPunct="1">
+    <a:lvl3pPr marL="914400" algn="l" defTabSz="457200" rtl="0" eaLnBrk="1" latinLnBrk="0" hangingPunct="1">
       <a:defRPr sz="1800" kern="1200">
         <a:solidFill>
           <a:schemeClr val="tx1"/>
@@ -43,7 +49,7 @@
         <a:cs typeface="+mn-cs"/>
       </a:defRPr>
     </a:lvl3pPr>
-    <a:lvl4pPr marL="1371600" algn="l" defTabSz="914400" rtl="0" eaLnBrk="1" latinLnBrk="0" hangingPunct="1">
+    <a:lvl4pPr marL="1371600" algn="l" defTabSz="457200" rtl="0" eaLnBrk="1" latinLnBrk="0" hangingPunct="1">
       <a:defRPr sz="1800" kern="1200">
         <a:solidFill>
           <a:schemeClr val="tx1"/>
@@ -53,7 +59,7 @@
         <a:cs typeface="+mn-cs"/>
       </a:defRPr>
     </a:lvl4pPr>
-    <a:lvl5pPr marL="1828800" algn="l" defTabSz="914400" rtl="0" eaLnBrk="1" latinLnBrk="0" hangingPunct="1">
+    <a:lvl5pPr marL="1828800" algn="l" defTabSz="457200" rtl="0" eaLnBrk="1" latinLnBrk="0" hangingPunct="1">
       <a:defRPr sz="1800" kern="1200">
         <a:solidFill>
           <a:schemeClr val="tx1"/>
@@ -63,7 +69,7 @@
         <a:cs typeface="+mn-cs"/>
       </a:defRPr>
     </a:lvl5pPr>
-    <a:lvl6pPr marL="2286000" algn="l" defTabSz="914400" rtl="0" eaLnBrk="1" latinLnBrk="0" hangingPunct="1">
+    <a:lvl6pPr marL="2286000" algn="l" defTabSz="457200" rtl="0" eaLnBrk="1" latinLnBrk="0" hangingPunct="1">
       <a:defRPr sz="1800" kern="1200">
         <a:solidFill>
           <a:schemeClr val="tx1"/>
@@ -73,7 +79,7 @@
         <a:cs typeface="+mn-cs"/>
       </a:defRPr>
     </a:lvl6pPr>
-    <a:lvl7pPr marL="2743200" algn="l" defTabSz="914400" rtl="0" eaLnBrk="1" latinLnBrk="0" hangingPunct="1">
+    <a:lvl7pPr marL="2743200" algn="l" defTabSz="457200" rtl="0" eaLnBrk="1" latinLnBrk="0" hangingPunct="1">
       <a:defRPr sz="1800" kern="1200">
         <a:solidFill>
           <a:schemeClr val="tx1"/>
@@ -83,7 +89,7 @@
         <a:cs typeface="+mn-cs"/>
       </a:defRPr>
     </a:lvl7pPr>
-    <a:lvl8pPr marL="3200400" algn="l" defTabSz="914400" rtl="0" eaLnBrk="1" latinLnBrk="0" hangingPunct="1">
+    <a:lvl8pPr marL="3200400" algn="l" defTabSz="457200" rtl="0" eaLnBrk="1" latinLnBrk="0" hangingPunct="1">
       <a:defRPr sz="1800" kern="1200">
         <a:solidFill>
           <a:schemeClr val="tx1"/>
@@ -93,7 +99,7 @@
         <a:cs typeface="+mn-cs"/>
       </a:defRPr>
     </a:lvl8pPr>
-    <a:lvl9pPr marL="3657600" algn="l" defTabSz="914400" rtl="0" eaLnBrk="1" latinLnBrk="0" hangingPunct="1">
+    <a:lvl9pPr marL="3657600" algn="l" defTabSz="457200" rtl="0" eaLnBrk="1" latinLnBrk="0" hangingPunct="1">
       <a:defRPr sz="1800" kern="1200">
         <a:solidFill>
           <a:schemeClr val="tx1"/>
@@ -104,12 +110,22 @@
       </a:defRPr>
     </a:lvl9pPr>
   </p:defaultTextStyle>
+  <p:extLst>
+    <p:ext uri="{EFAFB233-063F-42B5-8137-9DF3F51BA10A}">
+      <p15:sldGuideLst xmlns:p15="http://schemas.microsoft.com/office/powerpoint/2012/main"/>
+    </p:ext>
+  </p:extLst>
 </p:presentation>
 </file>
 
 <file path=ppt/slideLayouts/slideLayout1.xml><?xml version="1.0" encoding="utf-8"?>
 <p:sldLayout xmlns:a="http://schemas.openxmlformats.org/drawingml/2006/main" xmlns:r="http://schemas.openxmlformats.org/officeDocument/2006/relationships" xmlns:p="http://schemas.openxmlformats.org/presentationml/2006/main" type="title" preserve="1">
   <p:cSld name="Титульный слайд">
+    <p:bg>
+      <p:bgRef idx="1003">
+        <a:schemeClr val="bg2"/>
+      </p:bgRef>
+    </p:bg>
     <p:spTree>
       <p:nvGrpSpPr>
         <p:cNvPr id="1" name=""/>
@@ -124,33 +140,61 @@
           <a:chExt cx="0" cy="0"/>
         </a:xfrm>
       </p:grpSpPr>
-      <p:sp>
-        <p:nvSpPr>
-          <p:cNvPr id="2" name="Заголовок 1">
+      <p:pic>
+        <p:nvPicPr>
+          <p:cNvPr id="7" name="Picture 6" descr="Celestia-R1---OverlayTitleHD.png"/>
+          <p:cNvPicPr>
+            <a:picLocks noChangeAspect="1"/>
+          </p:cNvPicPr>
+          <p:nvPr/>
+        </p:nvPicPr>
+        <p:blipFill>
+          <a:blip r:embed="rId2">
             <a:extLst>
-              <a:ext uri="{FF2B5EF4-FFF2-40B4-BE49-F238E27FC236}">
-                <a16:creationId xmlns:a16="http://schemas.microsoft.com/office/drawing/2014/main" id="{B2912928-0DCF-4211-95CA-72D37E86DCA0}"/>
+              <a:ext uri="{28A0092B-C50C-407E-A947-70E740481C1C}">
+                <a14:useLocalDpi xmlns:a14="http://schemas.microsoft.com/office/drawing/2010/main" val="0"/>
               </a:ext>
             </a:extLst>
-          </p:cNvPr>
-          <p:cNvSpPr>
-            <a:spLocks noGrp="1"/>
-          </p:cNvSpPr>
-          <p:nvPr>
-            <p:ph type="ctrTitle"/>
-          </p:nvPr>
-        </p:nvSpPr>
+          </a:blip>
+          <a:stretch>
+            <a:fillRect/>
+          </a:stretch>
+        </p:blipFill>
         <p:spPr>
           <a:xfrm>
-            <a:off x="1524000" y="1122363"/>
-            <a:ext cx="9144000" cy="2387600"/>
+            <a:off x="0" y="0"/>
+            <a:ext cx="12188825" cy="6856214"/>
+          </a:xfrm>
+          <a:prstGeom prst="rect">
+            <a:avLst/>
+          </a:prstGeom>
+        </p:spPr>
+      </p:pic>
+      <p:sp>
+        <p:nvSpPr>
+          <p:cNvPr id="2" name="Title 1"/>
+          <p:cNvSpPr>
+            <a:spLocks noGrp="1"/>
+          </p:cNvSpPr>
+          <p:nvPr>
+            <p:ph type="ctrTitle"/>
+          </p:nvPr>
+        </p:nvSpPr>
+        <p:spPr>
+          <a:xfrm>
+            <a:off x="3962399" y="1964267"/>
+            <a:ext cx="7197726" cy="2421464"/>
           </a:xfrm>
         </p:spPr>
         <p:txBody>
-          <a:bodyPr anchor="b"/>
+          <a:bodyPr anchor="b">
+            <a:normAutofit/>
+          </a:bodyPr>
           <a:lstStyle>
-            <a:lvl1pPr algn="ctr">
-              <a:defRPr sz="6000"/>
+            <a:lvl1pPr algn="r">
+              <a:defRPr sz="4800">
+                <a:effectLst/>
+              </a:defRPr>
             </a:lvl1pPr>
           </a:lstStyle>
           <a:p>
@@ -158,18 +202,13 @@
               <a:rPr lang="ru-RU"/>
               <a:t>Образец заголовка</a:t>
             </a:r>
-          </a:p>
-        </p:txBody>
-      </p:sp>
-      <p:sp>
-        <p:nvSpPr>
-          <p:cNvPr id="3" name="Подзаголовок 2">
-            <a:extLst>
-              <a:ext uri="{FF2B5EF4-FFF2-40B4-BE49-F238E27FC236}">
-                <a16:creationId xmlns:a16="http://schemas.microsoft.com/office/drawing/2014/main" id="{D80B1549-D2A5-4A80-AA00-19F7454BFF6C}"/>
-              </a:ext>
-            </a:extLst>
-          </p:cNvPr>
+            <a:endParaRPr lang="en-US" dirty="0"/>
+          </a:p>
+        </p:txBody>
+      </p:sp>
+      <p:sp>
+        <p:nvSpPr>
+          <p:cNvPr id="3" name="Subtitle 2"/>
           <p:cNvSpPr>
             <a:spLocks noGrp="1"/>
           </p:cNvSpPr>
@@ -179,48 +218,102 @@
         </p:nvSpPr>
         <p:spPr>
           <a:xfrm>
-            <a:off x="1524000" y="3602038"/>
-            <a:ext cx="9144000" cy="1655762"/>
+            <a:off x="3962399" y="4385732"/>
+            <a:ext cx="7197726" cy="1405467"/>
           </a:xfrm>
         </p:spPr>
         <p:txBody>
-          <a:bodyPr/>
+          <a:bodyPr anchor="t">
+            <a:normAutofit/>
+          </a:bodyPr>
           <a:lstStyle>
-            <a:lvl1pPr marL="0" indent="0" algn="ctr">
-              <a:buNone/>
-              <a:defRPr sz="2400"/>
+            <a:lvl1pPr marL="0" indent="0" algn="r">
+              <a:buNone/>
+              <a:defRPr sz="1800" cap="all">
+                <a:solidFill>
+                  <a:schemeClr val="tx1"/>
+                </a:solidFill>
+              </a:defRPr>
             </a:lvl1pPr>
             <a:lvl2pPr marL="457200" indent="0" algn="ctr">
               <a:buNone/>
-              <a:defRPr sz="2000"/>
+              <a:defRPr>
+                <a:solidFill>
+                  <a:schemeClr val="tx1">
+                    <a:tint val="75000"/>
+                  </a:schemeClr>
+                </a:solidFill>
+              </a:defRPr>
             </a:lvl2pPr>
             <a:lvl3pPr marL="914400" indent="0" algn="ctr">
               <a:buNone/>
-              <a:defRPr sz="1800"/>
+              <a:defRPr>
+                <a:solidFill>
+                  <a:schemeClr val="tx1">
+                    <a:tint val="75000"/>
+                  </a:schemeClr>
+                </a:solidFill>
+              </a:defRPr>
             </a:lvl3pPr>
             <a:lvl4pPr marL="1371600" indent="0" algn="ctr">
               <a:buNone/>
-              <a:defRPr sz="1600"/>
+              <a:defRPr>
+                <a:solidFill>
+                  <a:schemeClr val="tx1">
+                    <a:tint val="75000"/>
+                  </a:schemeClr>
+                </a:solidFill>
+              </a:defRPr>
             </a:lvl4pPr>
             <a:lvl5pPr marL="1828800" indent="0" algn="ctr">
               <a:buNone/>
-              <a:defRPr sz="1600"/>
+              <a:defRPr>
+                <a:solidFill>
+                  <a:schemeClr val="tx1">
+                    <a:tint val="75000"/>
+                  </a:schemeClr>
+                </a:solidFill>
+              </a:defRPr>
             </a:lvl5pPr>
             <a:lvl6pPr marL="2286000" indent="0" algn="ctr">
               <a:buNone/>
-              <a:defRPr sz="1600"/>
+              <a:defRPr>
+                <a:solidFill>
+                  <a:schemeClr val="tx1">
+                    <a:tint val="75000"/>
+                  </a:schemeClr>
+                </a:solidFill>
+              </a:defRPr>
             </a:lvl6pPr>
             <a:lvl7pPr marL="2743200" indent="0" algn="ctr">
               <a:buNone/>
-              <a:defRPr sz="1600"/>
+              <a:defRPr>
+                <a:solidFill>
+                  <a:schemeClr val="tx1">
+                    <a:tint val="75000"/>
+                  </a:schemeClr>
+                </a:solidFill>
+              </a:defRPr>
             </a:lvl7pPr>
             <a:lvl8pPr marL="3200400" indent="0" algn="ctr">
               <a:buNone/>
-              <a:defRPr sz="1600"/>
+              <a:defRPr>
+                <a:solidFill>
+                  <a:schemeClr val="tx1">
+                    <a:tint val="75000"/>
+                  </a:schemeClr>
+                </a:solidFill>
+              </a:defRPr>
             </a:lvl8pPr>
             <a:lvl9pPr marL="3657600" indent="0" algn="ctr">
               <a:buNone/>
-              <a:defRPr sz="1600"/>
+              <a:defRPr>
+                <a:solidFill>
+                  <a:schemeClr val="tx1">
+                    <a:tint val="75000"/>
+                  </a:schemeClr>
+                </a:solidFill>
+              </a:defRPr>
             </a:lvl9pPr>
           </a:lstStyle>
           <a:p>
@@ -228,18 +321,13 @@
               <a:rPr lang="ru-RU"/>
               <a:t>Образец подзаголовка</a:t>
             </a:r>
-          </a:p>
-        </p:txBody>
-      </p:sp>
-      <p:sp>
-        <p:nvSpPr>
-          <p:cNvPr id="4" name="Дата 3">
-            <a:extLst>
-              <a:ext uri="{FF2B5EF4-FFF2-40B4-BE49-F238E27FC236}">
-                <a16:creationId xmlns:a16="http://schemas.microsoft.com/office/drawing/2014/main" id="{9EE67FD9-B41F-4AA5-93AE-5BFDD9B88EA9}"/>
-              </a:ext>
-            </a:extLst>
-          </p:cNvPr>
+            <a:endParaRPr lang="en-US" dirty="0"/>
+          </a:p>
+        </p:txBody>
+      </p:sp>
+      <p:sp>
+        <p:nvSpPr>
+          <p:cNvPr id="4" name="Date Placeholder 3"/>
           <p:cNvSpPr>
             <a:spLocks noGrp="1"/>
           </p:cNvSpPr>
@@ -247,14 +335,19 @@
             <p:ph type="dt" sz="half" idx="10"/>
           </p:nvPr>
         </p:nvSpPr>
-        <p:spPr/>
+        <p:spPr>
+          <a:xfrm>
+            <a:off x="8932558" y="5870575"/>
+            <a:ext cx="1600200" cy="377825"/>
+          </a:xfrm>
+        </p:spPr>
         <p:txBody>
           <a:bodyPr/>
           <a:lstStyle/>
           <a:p>
             <a:fld id="{46FE7FA2-437C-4797-917E-FA5D56212DDE}" type="datetimeFigureOut">
               <a:rPr lang="ru-RU" smtClean="0"/>
-              <a:t>05.01.2022</a:t>
+              <a:t>07.01.2022</a:t>
             </a:fld>
             <a:endParaRPr lang="ru-RU"/>
           </a:p>
@@ -262,13 +355,7 @@
       </p:sp>
       <p:sp>
         <p:nvSpPr>
-          <p:cNvPr id="5" name="Нижний колонтитул 4">
-            <a:extLst>
-              <a:ext uri="{FF2B5EF4-FFF2-40B4-BE49-F238E27FC236}">
-                <a16:creationId xmlns:a16="http://schemas.microsoft.com/office/drawing/2014/main" id="{1C8979B5-055B-4079-93FA-4632628B2405}"/>
-              </a:ext>
-            </a:extLst>
-          </p:cNvPr>
+          <p:cNvPr id="5" name="Footer Placeholder 4"/>
           <p:cNvSpPr>
             <a:spLocks noGrp="1"/>
           </p:cNvSpPr>
@@ -276,7 +363,12 @@
             <p:ph type="ftr" sz="quarter" idx="11"/>
           </p:nvPr>
         </p:nvSpPr>
-        <p:spPr/>
+        <p:spPr>
+          <a:xfrm>
+            <a:off x="3962399" y="5870575"/>
+            <a:ext cx="4893958" cy="377825"/>
+          </a:xfrm>
+        </p:spPr>
         <p:txBody>
           <a:bodyPr/>
           <a:lstStyle/>
@@ -287,13 +379,7 @@
       </p:sp>
       <p:sp>
         <p:nvSpPr>
-          <p:cNvPr id="6" name="Номер слайда 5">
-            <a:extLst>
-              <a:ext uri="{FF2B5EF4-FFF2-40B4-BE49-F238E27FC236}">
-                <a16:creationId xmlns:a16="http://schemas.microsoft.com/office/drawing/2014/main" id="{BF871113-6DAF-47F2-B922-5D23F60F40FB}"/>
-              </a:ext>
-            </a:extLst>
-          </p:cNvPr>
+          <p:cNvPr id="6" name="Slide Number Placeholder 5"/>
           <p:cNvSpPr>
             <a:spLocks noGrp="1"/>
           </p:cNvSpPr>
@@ -301,7 +387,12 @@
             <p:ph type="sldNum" sz="quarter" idx="12"/>
           </p:nvPr>
         </p:nvSpPr>
-        <p:spPr/>
+        <p:spPr>
+          <a:xfrm>
+            <a:off x="10608958" y="5870575"/>
+            <a:ext cx="551167" cy="377825"/>
+          </a:xfrm>
+        </p:spPr>
         <p:txBody>
           <a:bodyPr/>
           <a:lstStyle/>
@@ -317,7 +408,331 @@
     </p:spTree>
     <p:extLst>
       <p:ext uri="{BB962C8B-B14F-4D97-AF65-F5344CB8AC3E}">
-        <p14:creationId xmlns:p14="http://schemas.microsoft.com/office/powerpoint/2010/main" val="1113919233"/>
+        <p14:creationId xmlns:p14="http://schemas.microsoft.com/office/powerpoint/2010/main" val="1760638218"/>
+      </p:ext>
+    </p:extLst>
+  </p:cSld>
+  <p:clrMapOvr>
+    <a:overrideClrMapping bg1="dk1" tx1="lt1" bg2="dk2" tx2="lt2" accent1="accent1" accent2="accent2" accent3="accent3" accent4="accent4" accent5="accent5" accent6="accent6" hlink="hlink" folHlink="folHlink"/>
+  </p:clrMapOvr>
+</p:sldLayout>
+</file>
+
+<file path=ppt/slideLayouts/slideLayout10.xml><?xml version="1.0" encoding="utf-8"?>
+<p:sldLayout xmlns:a="http://schemas.openxmlformats.org/drawingml/2006/main" xmlns:r="http://schemas.openxmlformats.org/officeDocument/2006/relationships" xmlns:p="http://schemas.openxmlformats.org/presentationml/2006/main" preserve="1">
+  <p:cSld name="Панорамная фотография с подписью">
+    <p:spTree>
+      <p:nvGrpSpPr>
+        <p:cNvPr id="1" name=""/>
+        <p:cNvGrpSpPr/>
+        <p:nvPr/>
+      </p:nvGrpSpPr>
+      <p:grpSpPr>
+        <a:xfrm>
+          <a:off x="0" y="0"/>
+          <a:ext cx="0" cy="0"/>
+          <a:chOff x="0" y="0"/>
+          <a:chExt cx="0" cy="0"/>
+        </a:xfrm>
+      </p:grpSpPr>
+      <p:pic>
+        <p:nvPicPr>
+          <p:cNvPr id="8" name="Picture 7" descr="Celestia-R1---OverlayContentHD.png"/>
+          <p:cNvPicPr>
+            <a:picLocks noChangeAspect="1"/>
+          </p:cNvPicPr>
+          <p:nvPr/>
+        </p:nvPicPr>
+        <p:blipFill>
+          <a:blip r:embed="rId2">
+            <a:extLst>
+              <a:ext uri="{28A0092B-C50C-407E-A947-70E740481C1C}">
+                <a14:useLocalDpi xmlns:a14="http://schemas.microsoft.com/office/drawing/2010/main" val="0"/>
+              </a:ext>
+            </a:extLst>
+          </a:blip>
+          <a:stretch>
+            <a:fillRect/>
+          </a:stretch>
+        </p:blipFill>
+        <p:spPr>
+          <a:xfrm>
+            <a:off x="0" y="0"/>
+            <a:ext cx="12188825" cy="6856214"/>
+          </a:xfrm>
+          <a:prstGeom prst="rect">
+            <a:avLst/>
+          </a:prstGeom>
+        </p:spPr>
+      </p:pic>
+      <p:sp>
+        <p:nvSpPr>
+          <p:cNvPr id="2" name="Title 1"/>
+          <p:cNvSpPr>
+            <a:spLocks noGrp="1"/>
+          </p:cNvSpPr>
+          <p:nvPr>
+            <p:ph type="title"/>
+          </p:nvPr>
+        </p:nvSpPr>
+        <p:spPr>
+          <a:xfrm>
+            <a:off x="685800" y="4732865"/>
+            <a:ext cx="10131427" cy="566738"/>
+          </a:xfrm>
+        </p:spPr>
+        <p:txBody>
+          <a:bodyPr anchor="b">
+            <a:normAutofit/>
+          </a:bodyPr>
+          <a:lstStyle>
+            <a:lvl1pPr algn="l">
+              <a:defRPr sz="2400" b="0"/>
+            </a:lvl1pPr>
+          </a:lstStyle>
+          <a:p>
+            <a:r>
+              <a:rPr lang="ru-RU"/>
+              <a:t>Образец заголовка</a:t>
+            </a:r>
+            <a:endParaRPr lang="en-US" dirty="0"/>
+          </a:p>
+        </p:txBody>
+      </p:sp>
+      <p:sp>
+        <p:nvSpPr>
+          <p:cNvPr id="3" name="Picture Placeholder 2"/>
+          <p:cNvSpPr>
+            <a:spLocks noGrp="1" noChangeAspect="1"/>
+          </p:cNvSpPr>
+          <p:nvPr>
+            <p:ph type="pic" idx="1"/>
+          </p:nvPr>
+        </p:nvSpPr>
+        <p:spPr>
+          <a:xfrm>
+            <a:off x="1371600" y="932112"/>
+            <a:ext cx="8759827" cy="3164976"/>
+          </a:xfrm>
+          <a:prstGeom prst="roundRect">
+            <a:avLst>
+              <a:gd name="adj" fmla="val 4380"/>
+            </a:avLst>
+          </a:prstGeom>
+          <a:ln w="50800" cap="sq" cmpd="dbl">
+            <a:gradFill flip="none" rotWithShape="1">
+              <a:gsLst>
+                <a:gs pos="0">
+                  <a:srgbClr val="FFFFFF"/>
+                </a:gs>
+                <a:gs pos="100000">
+                  <a:schemeClr val="tx1">
+                    <a:alpha val="0"/>
+                  </a:schemeClr>
+                </a:gs>
+              </a:gsLst>
+              <a:path path="circle">
+                <a:fillToRect l="50000" t="50000" r="50000" b="50000"/>
+              </a:path>
+              <a:tileRect/>
+            </a:gradFill>
+            <a:miter lim="800000"/>
+          </a:ln>
+          <a:effectLst>
+            <a:outerShdw blurRad="254000" algn="tl" rotWithShape="0">
+              <a:srgbClr val="000000">
+                <a:alpha val="43000"/>
+              </a:srgbClr>
+            </a:outerShdw>
+          </a:effectLst>
+        </p:spPr>
+        <p:txBody>
+          <a:bodyPr anchor="t">
+            <a:normAutofit/>
+          </a:bodyPr>
+          <a:lstStyle>
+            <a:lvl1pPr marL="0" indent="0" algn="ctr">
+              <a:buNone/>
+              <a:defRPr sz="1600"/>
+            </a:lvl1pPr>
+            <a:lvl2pPr marL="457200" indent="0">
+              <a:buNone/>
+              <a:defRPr sz="1600"/>
+            </a:lvl2pPr>
+            <a:lvl3pPr marL="914400" indent="0">
+              <a:buNone/>
+              <a:defRPr sz="1600"/>
+            </a:lvl3pPr>
+            <a:lvl4pPr marL="1371600" indent="0">
+              <a:buNone/>
+              <a:defRPr sz="1600"/>
+            </a:lvl4pPr>
+            <a:lvl5pPr marL="1828800" indent="0">
+              <a:buNone/>
+              <a:defRPr sz="1600"/>
+            </a:lvl5pPr>
+            <a:lvl6pPr marL="2286000" indent="0">
+              <a:buNone/>
+              <a:defRPr sz="1600"/>
+            </a:lvl6pPr>
+            <a:lvl7pPr marL="2743200" indent="0">
+              <a:buNone/>
+              <a:defRPr sz="1600"/>
+            </a:lvl7pPr>
+            <a:lvl8pPr marL="3200400" indent="0">
+              <a:buNone/>
+              <a:defRPr sz="1600"/>
+            </a:lvl8pPr>
+            <a:lvl9pPr marL="3657600" indent="0">
+              <a:buNone/>
+              <a:defRPr sz="1600"/>
+            </a:lvl9pPr>
+          </a:lstStyle>
+          <a:p>
+            <a:r>
+              <a:rPr lang="ru-RU"/>
+              <a:t>Вставка рисунка</a:t>
+            </a:r>
+            <a:endParaRPr lang="en-US" dirty="0"/>
+          </a:p>
+        </p:txBody>
+      </p:sp>
+      <p:sp>
+        <p:nvSpPr>
+          <p:cNvPr id="4" name="Text Placeholder 3"/>
+          <p:cNvSpPr>
+            <a:spLocks noGrp="1"/>
+          </p:cNvSpPr>
+          <p:nvPr>
+            <p:ph type="body" sz="half" idx="2"/>
+          </p:nvPr>
+        </p:nvSpPr>
+        <p:spPr>
+          <a:xfrm>
+            <a:off x="685800" y="5299603"/>
+            <a:ext cx="10131427" cy="493712"/>
+          </a:xfrm>
+        </p:spPr>
+        <p:txBody>
+          <a:bodyPr anchor="t">
+            <a:normAutofit/>
+          </a:bodyPr>
+          <a:lstStyle>
+            <a:lvl1pPr marL="0" indent="0">
+              <a:buNone/>
+              <a:defRPr sz="1400"/>
+            </a:lvl1pPr>
+            <a:lvl2pPr marL="457200" indent="0">
+              <a:buNone/>
+              <a:defRPr sz="1200"/>
+            </a:lvl2pPr>
+            <a:lvl3pPr marL="914400" indent="0">
+              <a:buNone/>
+              <a:defRPr sz="1000"/>
+            </a:lvl3pPr>
+            <a:lvl4pPr marL="1371600" indent="0">
+              <a:buNone/>
+              <a:defRPr sz="900"/>
+            </a:lvl4pPr>
+            <a:lvl5pPr marL="1828800" indent="0">
+              <a:buNone/>
+              <a:defRPr sz="900"/>
+            </a:lvl5pPr>
+            <a:lvl6pPr marL="2286000" indent="0">
+              <a:buNone/>
+              <a:defRPr sz="900"/>
+            </a:lvl6pPr>
+            <a:lvl7pPr marL="2743200" indent="0">
+              <a:buNone/>
+              <a:defRPr sz="900"/>
+            </a:lvl7pPr>
+            <a:lvl8pPr marL="3200400" indent="0">
+              <a:buNone/>
+              <a:defRPr sz="900"/>
+            </a:lvl8pPr>
+            <a:lvl9pPr marL="3657600" indent="0">
+              <a:buNone/>
+              <a:defRPr sz="900"/>
+            </a:lvl9pPr>
+          </a:lstStyle>
+          <a:p>
+            <a:pPr lvl="0"/>
+            <a:r>
+              <a:rPr lang="ru-RU"/>
+              <a:t>Образец текста</a:t>
+            </a:r>
+          </a:p>
+        </p:txBody>
+      </p:sp>
+      <p:sp>
+        <p:nvSpPr>
+          <p:cNvPr id="5" name="Date Placeholder 4"/>
+          <p:cNvSpPr>
+            <a:spLocks noGrp="1"/>
+          </p:cNvSpPr>
+          <p:nvPr>
+            <p:ph type="dt" sz="half" idx="10"/>
+          </p:nvPr>
+        </p:nvSpPr>
+        <p:spPr/>
+        <p:txBody>
+          <a:bodyPr/>
+          <a:lstStyle/>
+          <a:p>
+            <a:fld id="{46FE7FA2-437C-4797-917E-FA5D56212DDE}" type="datetimeFigureOut">
+              <a:rPr lang="ru-RU" smtClean="0"/>
+              <a:t>07.01.2022</a:t>
+            </a:fld>
+            <a:endParaRPr lang="ru-RU"/>
+          </a:p>
+        </p:txBody>
+      </p:sp>
+      <p:sp>
+        <p:nvSpPr>
+          <p:cNvPr id="6" name="Footer Placeholder 5"/>
+          <p:cNvSpPr>
+            <a:spLocks noGrp="1"/>
+          </p:cNvSpPr>
+          <p:nvPr>
+            <p:ph type="ftr" sz="quarter" idx="11"/>
+          </p:nvPr>
+        </p:nvSpPr>
+        <p:spPr/>
+        <p:txBody>
+          <a:bodyPr/>
+          <a:lstStyle/>
+          <a:p>
+            <a:endParaRPr lang="ru-RU"/>
+          </a:p>
+        </p:txBody>
+      </p:sp>
+      <p:sp>
+        <p:nvSpPr>
+          <p:cNvPr id="7" name="Slide Number Placeholder 6"/>
+          <p:cNvSpPr>
+            <a:spLocks noGrp="1"/>
+          </p:cNvSpPr>
+          <p:nvPr>
+            <p:ph type="sldNum" sz="quarter" idx="12"/>
+          </p:nvPr>
+        </p:nvSpPr>
+        <p:spPr/>
+        <p:txBody>
+          <a:bodyPr/>
+          <a:lstStyle/>
+          <a:p>
+            <a:fld id="{1BAE393F-BE7C-480E-B436-704E22CD6547}" type="slidenum">
+              <a:rPr lang="ru-RU" smtClean="0"/>
+              <a:t>‹#›</a:t>
+            </a:fld>
+            <a:endParaRPr lang="ru-RU"/>
+          </a:p>
+        </p:txBody>
+      </p:sp>
+    </p:spTree>
+    <p:extLst>
+      <p:ext uri="{BB962C8B-B14F-4D97-AF65-F5344CB8AC3E}">
+        <p14:creationId xmlns:p14="http://schemas.microsoft.com/office/powerpoint/2010/main" val="3273131466"/>
       </p:ext>
     </p:extLst>
   </p:cSld>
@@ -327,7 +742,2020 @@
 </p:sldLayout>
 </file>
 
-<file path=ppt/slideLayouts/slideLayout10.xml><?xml version="1.0" encoding="utf-8"?>
+<file path=ppt/slideLayouts/slideLayout11.xml><?xml version="1.0" encoding="utf-8"?>
+<p:sldLayout xmlns:a="http://schemas.openxmlformats.org/drawingml/2006/main" xmlns:r="http://schemas.openxmlformats.org/officeDocument/2006/relationships" xmlns:p="http://schemas.openxmlformats.org/presentationml/2006/main" preserve="1">
+  <p:cSld name="Заголовок и подпись">
+    <p:spTree>
+      <p:nvGrpSpPr>
+        <p:cNvPr id="1" name=""/>
+        <p:cNvGrpSpPr/>
+        <p:nvPr/>
+      </p:nvGrpSpPr>
+      <p:grpSpPr>
+        <a:xfrm>
+          <a:off x="0" y="0"/>
+          <a:ext cx="0" cy="0"/>
+          <a:chOff x="0" y="0"/>
+          <a:chExt cx="0" cy="0"/>
+        </a:xfrm>
+      </p:grpSpPr>
+      <p:pic>
+        <p:nvPicPr>
+          <p:cNvPr id="7" name="Picture 6" descr="Celestia-R1---OverlayContentHD.png"/>
+          <p:cNvPicPr>
+            <a:picLocks noChangeAspect="1"/>
+          </p:cNvPicPr>
+          <p:nvPr/>
+        </p:nvPicPr>
+        <p:blipFill>
+          <a:blip r:embed="rId2">
+            <a:extLst>
+              <a:ext uri="{28A0092B-C50C-407E-A947-70E740481C1C}">
+                <a14:useLocalDpi xmlns:a14="http://schemas.microsoft.com/office/drawing/2010/main" val="0"/>
+              </a:ext>
+            </a:extLst>
+          </a:blip>
+          <a:stretch>
+            <a:fillRect/>
+          </a:stretch>
+        </p:blipFill>
+        <p:spPr>
+          <a:xfrm>
+            <a:off x="0" y="0"/>
+            <a:ext cx="12188825" cy="6856214"/>
+          </a:xfrm>
+          <a:prstGeom prst="rect">
+            <a:avLst/>
+          </a:prstGeom>
+        </p:spPr>
+      </p:pic>
+      <p:sp>
+        <p:nvSpPr>
+          <p:cNvPr id="2" name="Title 1"/>
+          <p:cNvSpPr>
+            <a:spLocks noGrp="1"/>
+          </p:cNvSpPr>
+          <p:nvPr>
+            <p:ph type="title"/>
+          </p:nvPr>
+        </p:nvSpPr>
+        <p:spPr>
+          <a:xfrm>
+            <a:off x="685801" y="609601"/>
+            <a:ext cx="10131427" cy="3124199"/>
+          </a:xfrm>
+        </p:spPr>
+        <p:txBody>
+          <a:bodyPr anchor="ctr">
+            <a:normAutofit/>
+          </a:bodyPr>
+          <a:lstStyle>
+            <a:lvl1pPr algn="l">
+              <a:defRPr sz="3200" b="0" cap="none"/>
+            </a:lvl1pPr>
+          </a:lstStyle>
+          <a:p>
+            <a:r>
+              <a:rPr lang="ru-RU"/>
+              <a:t>Образец заголовка</a:t>
+            </a:r>
+            <a:endParaRPr lang="en-US" dirty="0"/>
+          </a:p>
+        </p:txBody>
+      </p:sp>
+      <p:sp>
+        <p:nvSpPr>
+          <p:cNvPr id="3" name="Text Placeholder 2"/>
+          <p:cNvSpPr>
+            <a:spLocks noGrp="1"/>
+          </p:cNvSpPr>
+          <p:nvPr>
+            <p:ph type="body" idx="1"/>
+          </p:nvPr>
+        </p:nvSpPr>
+        <p:spPr>
+          <a:xfrm>
+            <a:off x="685800" y="4343400"/>
+            <a:ext cx="10131428" cy="1447800"/>
+          </a:xfrm>
+        </p:spPr>
+        <p:txBody>
+          <a:bodyPr anchor="ctr">
+            <a:normAutofit/>
+          </a:bodyPr>
+          <a:lstStyle>
+            <a:lvl1pPr marL="0" indent="0" algn="l">
+              <a:buNone/>
+              <a:defRPr sz="2000">
+                <a:solidFill>
+                  <a:schemeClr val="tx1"/>
+                </a:solidFill>
+              </a:defRPr>
+            </a:lvl1pPr>
+            <a:lvl2pPr marL="457200" indent="0">
+              <a:buNone/>
+              <a:defRPr sz="1800">
+                <a:solidFill>
+                  <a:schemeClr val="tx1">
+                    <a:tint val="75000"/>
+                  </a:schemeClr>
+                </a:solidFill>
+              </a:defRPr>
+            </a:lvl2pPr>
+            <a:lvl3pPr marL="914400" indent="0">
+              <a:buNone/>
+              <a:defRPr sz="1600">
+                <a:solidFill>
+                  <a:schemeClr val="tx1">
+                    <a:tint val="75000"/>
+                  </a:schemeClr>
+                </a:solidFill>
+              </a:defRPr>
+            </a:lvl3pPr>
+            <a:lvl4pPr marL="1371600" indent="0">
+              <a:buNone/>
+              <a:defRPr sz="1400">
+                <a:solidFill>
+                  <a:schemeClr val="tx1">
+                    <a:tint val="75000"/>
+                  </a:schemeClr>
+                </a:solidFill>
+              </a:defRPr>
+            </a:lvl4pPr>
+            <a:lvl5pPr marL="1828800" indent="0">
+              <a:buNone/>
+              <a:defRPr sz="1400">
+                <a:solidFill>
+                  <a:schemeClr val="tx1">
+                    <a:tint val="75000"/>
+                  </a:schemeClr>
+                </a:solidFill>
+              </a:defRPr>
+            </a:lvl5pPr>
+            <a:lvl6pPr marL="2286000" indent="0">
+              <a:buNone/>
+              <a:defRPr sz="1400">
+                <a:solidFill>
+                  <a:schemeClr val="tx1">
+                    <a:tint val="75000"/>
+                  </a:schemeClr>
+                </a:solidFill>
+              </a:defRPr>
+            </a:lvl6pPr>
+            <a:lvl7pPr marL="2743200" indent="0">
+              <a:buNone/>
+              <a:defRPr sz="1400">
+                <a:solidFill>
+                  <a:schemeClr val="tx1">
+                    <a:tint val="75000"/>
+                  </a:schemeClr>
+                </a:solidFill>
+              </a:defRPr>
+            </a:lvl7pPr>
+            <a:lvl8pPr marL="3200400" indent="0">
+              <a:buNone/>
+              <a:defRPr sz="1400">
+                <a:solidFill>
+                  <a:schemeClr val="tx1">
+                    <a:tint val="75000"/>
+                  </a:schemeClr>
+                </a:solidFill>
+              </a:defRPr>
+            </a:lvl8pPr>
+            <a:lvl9pPr marL="3657600" indent="0">
+              <a:buNone/>
+              <a:defRPr sz="1400">
+                <a:solidFill>
+                  <a:schemeClr val="tx1">
+                    <a:tint val="75000"/>
+                  </a:schemeClr>
+                </a:solidFill>
+              </a:defRPr>
+            </a:lvl9pPr>
+          </a:lstStyle>
+          <a:p>
+            <a:pPr lvl="0"/>
+            <a:r>
+              <a:rPr lang="ru-RU"/>
+              <a:t>Образец текста</a:t>
+            </a:r>
+          </a:p>
+        </p:txBody>
+      </p:sp>
+      <p:sp>
+        <p:nvSpPr>
+          <p:cNvPr id="4" name="Date Placeholder 3"/>
+          <p:cNvSpPr>
+            <a:spLocks noGrp="1"/>
+          </p:cNvSpPr>
+          <p:nvPr>
+            <p:ph type="dt" sz="half" idx="10"/>
+          </p:nvPr>
+        </p:nvSpPr>
+        <p:spPr/>
+        <p:txBody>
+          <a:bodyPr/>
+          <a:lstStyle/>
+          <a:p>
+            <a:fld id="{46FE7FA2-437C-4797-917E-FA5D56212DDE}" type="datetimeFigureOut">
+              <a:rPr lang="ru-RU" smtClean="0"/>
+              <a:t>07.01.2022</a:t>
+            </a:fld>
+            <a:endParaRPr lang="ru-RU"/>
+          </a:p>
+        </p:txBody>
+      </p:sp>
+      <p:sp>
+        <p:nvSpPr>
+          <p:cNvPr id="5" name="Footer Placeholder 4"/>
+          <p:cNvSpPr>
+            <a:spLocks noGrp="1"/>
+          </p:cNvSpPr>
+          <p:nvPr>
+            <p:ph type="ftr" sz="quarter" idx="11"/>
+          </p:nvPr>
+        </p:nvSpPr>
+        <p:spPr/>
+        <p:txBody>
+          <a:bodyPr/>
+          <a:lstStyle/>
+          <a:p>
+            <a:endParaRPr lang="ru-RU"/>
+          </a:p>
+        </p:txBody>
+      </p:sp>
+      <p:sp>
+        <p:nvSpPr>
+          <p:cNvPr id="6" name="Slide Number Placeholder 5"/>
+          <p:cNvSpPr>
+            <a:spLocks noGrp="1"/>
+          </p:cNvSpPr>
+          <p:nvPr>
+            <p:ph type="sldNum" sz="quarter" idx="12"/>
+          </p:nvPr>
+        </p:nvSpPr>
+        <p:spPr/>
+        <p:txBody>
+          <a:bodyPr/>
+          <a:lstStyle/>
+          <a:p>
+            <a:fld id="{1BAE393F-BE7C-480E-B436-704E22CD6547}" type="slidenum">
+              <a:rPr lang="ru-RU" smtClean="0"/>
+              <a:t>‹#›</a:t>
+            </a:fld>
+            <a:endParaRPr lang="ru-RU"/>
+          </a:p>
+        </p:txBody>
+      </p:sp>
+    </p:spTree>
+    <p:extLst>
+      <p:ext uri="{BB962C8B-B14F-4D97-AF65-F5344CB8AC3E}">
+        <p14:creationId xmlns:p14="http://schemas.microsoft.com/office/powerpoint/2010/main" val="2874638005"/>
+      </p:ext>
+    </p:extLst>
+  </p:cSld>
+  <p:clrMapOvr>
+    <a:masterClrMapping/>
+  </p:clrMapOvr>
+</p:sldLayout>
+</file>
+
+<file path=ppt/slideLayouts/slideLayout12.xml><?xml version="1.0" encoding="utf-8"?>
+<p:sldLayout xmlns:a="http://schemas.openxmlformats.org/drawingml/2006/main" xmlns:r="http://schemas.openxmlformats.org/officeDocument/2006/relationships" xmlns:p="http://schemas.openxmlformats.org/presentationml/2006/main" preserve="1">
+  <p:cSld name="Цитата с подписью">
+    <p:spTree>
+      <p:nvGrpSpPr>
+        <p:cNvPr id="1" name=""/>
+        <p:cNvGrpSpPr/>
+        <p:nvPr/>
+      </p:nvGrpSpPr>
+      <p:grpSpPr>
+        <a:xfrm>
+          <a:off x="0" y="0"/>
+          <a:ext cx="0" cy="0"/>
+          <a:chOff x="0" y="0"/>
+          <a:chExt cx="0" cy="0"/>
+        </a:xfrm>
+      </p:grpSpPr>
+      <p:pic>
+        <p:nvPicPr>
+          <p:cNvPr id="16" name="Picture 15" descr="Celestia-R1---OverlayContentHD.png"/>
+          <p:cNvPicPr>
+            <a:picLocks noChangeAspect="1"/>
+          </p:cNvPicPr>
+          <p:nvPr/>
+        </p:nvPicPr>
+        <p:blipFill>
+          <a:blip r:embed="rId2">
+            <a:extLst>
+              <a:ext uri="{28A0092B-C50C-407E-A947-70E740481C1C}">
+                <a14:useLocalDpi xmlns:a14="http://schemas.microsoft.com/office/drawing/2010/main" val="0"/>
+              </a:ext>
+            </a:extLst>
+          </a:blip>
+          <a:stretch>
+            <a:fillRect/>
+          </a:stretch>
+        </p:blipFill>
+        <p:spPr>
+          <a:xfrm>
+            <a:off x="0" y="0"/>
+            <a:ext cx="12188825" cy="6856214"/>
+          </a:xfrm>
+          <a:prstGeom prst="rect">
+            <a:avLst/>
+          </a:prstGeom>
+        </p:spPr>
+      </p:pic>
+      <p:sp>
+        <p:nvSpPr>
+          <p:cNvPr id="15" name="TextBox 14"/>
+          <p:cNvSpPr txBox="1"/>
+          <p:nvPr/>
+        </p:nvSpPr>
+        <p:spPr>
+          <a:xfrm>
+            <a:off x="10237867" y="2743200"/>
+            <a:ext cx="609600" cy="584776"/>
+          </a:xfrm>
+          <a:prstGeom prst="rect">
+            <a:avLst/>
+          </a:prstGeom>
+        </p:spPr>
+        <p:txBody>
+          <a:bodyPr vert="horz" lIns="91440" tIns="45720" rIns="91440" bIns="45720" rtlCol="0" anchor="ctr">
+            <a:noAutofit/>
+          </a:bodyPr>
+          <a:lstStyle>
+            <a:lvl1pPr>
+              <a:spcBef>
+                <a:spcPct val="0"/>
+              </a:spcBef>
+              <a:buNone/>
+              <a:defRPr sz="3200" b="0" cap="all">
+                <a:ln w="3175" cmpd="sng">
+                  <a:noFill/>
+                </a:ln>
+                <a:effectLst>
+                  <a:glow rad="38100">
+                    <a:schemeClr val="bg1">
+                      <a:lumMod val="65000"/>
+                      <a:lumOff val="35000"/>
+                      <a:alpha val="40000"/>
+                    </a:schemeClr>
+                  </a:glow>
+                  <a:outerShdw blurRad="28575" dist="38100" dir="14040000" algn="tl" rotWithShape="0">
+                    <a:srgbClr val="000000">
+                      <a:alpha val="25000"/>
+                    </a:srgbClr>
+                  </a:outerShdw>
+                </a:effectLst>
+              </a:defRPr>
+            </a:lvl1pPr>
+            <a:lvl2pPr>
+              <a:defRPr>
+                <a:solidFill>
+                  <a:schemeClr val="tx2"/>
+                </a:solidFill>
+              </a:defRPr>
+            </a:lvl2pPr>
+            <a:lvl3pPr>
+              <a:defRPr>
+                <a:solidFill>
+                  <a:schemeClr val="tx2"/>
+                </a:solidFill>
+              </a:defRPr>
+            </a:lvl3pPr>
+            <a:lvl4pPr>
+              <a:defRPr>
+                <a:solidFill>
+                  <a:schemeClr val="tx2"/>
+                </a:solidFill>
+              </a:defRPr>
+            </a:lvl4pPr>
+            <a:lvl5pPr>
+              <a:defRPr>
+                <a:solidFill>
+                  <a:schemeClr val="tx2"/>
+                </a:solidFill>
+              </a:defRPr>
+            </a:lvl5pPr>
+            <a:lvl6pPr>
+              <a:defRPr>
+                <a:solidFill>
+                  <a:schemeClr val="tx2"/>
+                </a:solidFill>
+              </a:defRPr>
+            </a:lvl6pPr>
+            <a:lvl7pPr>
+              <a:defRPr>
+                <a:solidFill>
+                  <a:schemeClr val="tx2"/>
+                </a:solidFill>
+              </a:defRPr>
+            </a:lvl7pPr>
+            <a:lvl8pPr>
+              <a:defRPr>
+                <a:solidFill>
+                  <a:schemeClr val="tx2"/>
+                </a:solidFill>
+              </a:defRPr>
+            </a:lvl8pPr>
+            <a:lvl9pPr>
+              <a:defRPr>
+                <a:solidFill>
+                  <a:schemeClr val="tx2"/>
+                </a:solidFill>
+              </a:defRPr>
+            </a:lvl9pPr>
+          </a:lstStyle>
+          <a:p>
+            <a:pPr lvl="0" algn="r"/>
+            <a:r>
+              <a:rPr lang="en-US" sz="8000" dirty="0">
+                <a:solidFill>
+                  <a:schemeClr val="tx1"/>
+                </a:solidFill>
+                <a:effectLst/>
+              </a:rPr>
+              <a:t>”</a:t>
+            </a:r>
+          </a:p>
+        </p:txBody>
+      </p:sp>
+      <p:sp>
+        <p:nvSpPr>
+          <p:cNvPr id="11" name="TextBox 10"/>
+          <p:cNvSpPr txBox="1"/>
+          <p:nvPr/>
+        </p:nvSpPr>
+        <p:spPr>
+          <a:xfrm>
+            <a:off x="488275" y="823337"/>
+            <a:ext cx="609600" cy="584776"/>
+          </a:xfrm>
+          <a:prstGeom prst="rect">
+            <a:avLst/>
+          </a:prstGeom>
+        </p:spPr>
+        <p:txBody>
+          <a:bodyPr vert="horz" lIns="91440" tIns="45720" rIns="91440" bIns="45720" rtlCol="0" anchor="ctr">
+            <a:noAutofit/>
+          </a:bodyPr>
+          <a:lstStyle>
+            <a:lvl1pPr>
+              <a:spcBef>
+                <a:spcPct val="0"/>
+              </a:spcBef>
+              <a:buNone/>
+              <a:defRPr sz="3200" b="0" cap="all">
+                <a:ln w="3175" cmpd="sng">
+                  <a:noFill/>
+                </a:ln>
+                <a:effectLst>
+                  <a:glow rad="38100">
+                    <a:schemeClr val="bg1">
+                      <a:lumMod val="65000"/>
+                      <a:lumOff val="35000"/>
+                      <a:alpha val="40000"/>
+                    </a:schemeClr>
+                  </a:glow>
+                  <a:outerShdw blurRad="28575" dist="38100" dir="14040000" algn="tl" rotWithShape="0">
+                    <a:srgbClr val="000000">
+                      <a:alpha val="25000"/>
+                    </a:srgbClr>
+                  </a:outerShdw>
+                </a:effectLst>
+              </a:defRPr>
+            </a:lvl1pPr>
+            <a:lvl2pPr>
+              <a:defRPr>
+                <a:solidFill>
+                  <a:schemeClr val="tx2"/>
+                </a:solidFill>
+              </a:defRPr>
+            </a:lvl2pPr>
+            <a:lvl3pPr>
+              <a:defRPr>
+                <a:solidFill>
+                  <a:schemeClr val="tx2"/>
+                </a:solidFill>
+              </a:defRPr>
+            </a:lvl3pPr>
+            <a:lvl4pPr>
+              <a:defRPr>
+                <a:solidFill>
+                  <a:schemeClr val="tx2"/>
+                </a:solidFill>
+              </a:defRPr>
+            </a:lvl4pPr>
+            <a:lvl5pPr>
+              <a:defRPr>
+                <a:solidFill>
+                  <a:schemeClr val="tx2"/>
+                </a:solidFill>
+              </a:defRPr>
+            </a:lvl5pPr>
+            <a:lvl6pPr>
+              <a:defRPr>
+                <a:solidFill>
+                  <a:schemeClr val="tx2"/>
+                </a:solidFill>
+              </a:defRPr>
+            </a:lvl6pPr>
+            <a:lvl7pPr>
+              <a:defRPr>
+                <a:solidFill>
+                  <a:schemeClr val="tx2"/>
+                </a:solidFill>
+              </a:defRPr>
+            </a:lvl7pPr>
+            <a:lvl8pPr>
+              <a:defRPr>
+                <a:solidFill>
+                  <a:schemeClr val="tx2"/>
+                </a:solidFill>
+              </a:defRPr>
+            </a:lvl8pPr>
+            <a:lvl9pPr>
+              <a:defRPr>
+                <a:solidFill>
+                  <a:schemeClr val="tx2"/>
+                </a:solidFill>
+              </a:defRPr>
+            </a:lvl9pPr>
+          </a:lstStyle>
+          <a:p>
+            <a:pPr lvl="0" algn="r"/>
+            <a:r>
+              <a:rPr lang="en-US" sz="8000" dirty="0">
+                <a:solidFill>
+                  <a:schemeClr val="tx1"/>
+                </a:solidFill>
+                <a:effectLst/>
+              </a:rPr>
+              <a:t>“</a:t>
+            </a:r>
+          </a:p>
+        </p:txBody>
+      </p:sp>
+      <p:sp>
+        <p:nvSpPr>
+          <p:cNvPr id="2" name="Title 1"/>
+          <p:cNvSpPr>
+            <a:spLocks noGrp="1"/>
+          </p:cNvSpPr>
+          <p:nvPr>
+            <p:ph type="title"/>
+          </p:nvPr>
+        </p:nvSpPr>
+        <p:spPr>
+          <a:xfrm>
+            <a:off x="992267" y="609601"/>
+            <a:ext cx="9550399" cy="2743199"/>
+          </a:xfrm>
+        </p:spPr>
+        <p:txBody>
+          <a:bodyPr anchor="ctr">
+            <a:normAutofit/>
+          </a:bodyPr>
+          <a:lstStyle>
+            <a:lvl1pPr algn="l">
+              <a:defRPr sz="3200" b="0" cap="none">
+                <a:solidFill>
+                  <a:schemeClr val="tx1"/>
+                </a:solidFill>
+              </a:defRPr>
+            </a:lvl1pPr>
+          </a:lstStyle>
+          <a:p>
+            <a:r>
+              <a:rPr lang="ru-RU"/>
+              <a:t>Образец заголовка</a:t>
+            </a:r>
+            <a:endParaRPr lang="en-US" dirty="0"/>
+          </a:p>
+        </p:txBody>
+      </p:sp>
+      <p:sp>
+        <p:nvSpPr>
+          <p:cNvPr id="10" name="Text Placeholder 9"/>
+          <p:cNvSpPr>
+            <a:spLocks noGrp="1"/>
+          </p:cNvSpPr>
+          <p:nvPr>
+            <p:ph type="body" sz="quarter" idx="13"/>
+          </p:nvPr>
+        </p:nvSpPr>
+        <p:spPr>
+          <a:xfrm>
+            <a:off x="1097875" y="3352800"/>
+            <a:ext cx="9339184" cy="381000"/>
+          </a:xfrm>
+        </p:spPr>
+        <p:txBody>
+          <a:bodyPr anchor="ctr"/>
+          <a:lstStyle>
+            <a:lvl1pPr marL="0" indent="0">
+              <a:buFontTx/>
+              <a:buNone/>
+              <a:defRPr/>
+            </a:lvl1pPr>
+            <a:lvl2pPr marL="457200" indent="0">
+              <a:buFontTx/>
+              <a:buNone/>
+              <a:defRPr/>
+            </a:lvl2pPr>
+            <a:lvl3pPr marL="914400" indent="0">
+              <a:buFontTx/>
+              <a:buNone/>
+              <a:defRPr/>
+            </a:lvl3pPr>
+            <a:lvl4pPr marL="1371600" indent="0">
+              <a:buFontTx/>
+              <a:buNone/>
+              <a:defRPr/>
+            </a:lvl4pPr>
+            <a:lvl5pPr marL="1828800" indent="0">
+              <a:buFontTx/>
+              <a:buNone/>
+              <a:defRPr/>
+            </a:lvl5pPr>
+          </a:lstStyle>
+          <a:p>
+            <a:pPr lvl="0"/>
+            <a:r>
+              <a:rPr lang="ru-RU"/>
+              <a:t>Образец текста</a:t>
+            </a:r>
+          </a:p>
+        </p:txBody>
+      </p:sp>
+      <p:sp>
+        <p:nvSpPr>
+          <p:cNvPr id="3" name="Text Placeholder 2"/>
+          <p:cNvSpPr>
+            <a:spLocks noGrp="1"/>
+          </p:cNvSpPr>
+          <p:nvPr>
+            <p:ph type="body" idx="1"/>
+          </p:nvPr>
+        </p:nvSpPr>
+        <p:spPr>
+          <a:xfrm>
+            <a:off x="687465" y="4343400"/>
+            <a:ext cx="10152367" cy="1447800"/>
+          </a:xfrm>
+        </p:spPr>
+        <p:txBody>
+          <a:bodyPr anchor="ctr">
+            <a:normAutofit/>
+          </a:bodyPr>
+          <a:lstStyle>
+            <a:lvl1pPr marL="0" indent="0" algn="l">
+              <a:buNone/>
+              <a:defRPr sz="2000">
+                <a:solidFill>
+                  <a:schemeClr val="tx1"/>
+                </a:solidFill>
+              </a:defRPr>
+            </a:lvl1pPr>
+            <a:lvl2pPr marL="457200" indent="0">
+              <a:buNone/>
+              <a:defRPr sz="1800">
+                <a:solidFill>
+                  <a:schemeClr val="tx1">
+                    <a:tint val="75000"/>
+                  </a:schemeClr>
+                </a:solidFill>
+              </a:defRPr>
+            </a:lvl2pPr>
+            <a:lvl3pPr marL="914400" indent="0">
+              <a:buNone/>
+              <a:defRPr sz="1600">
+                <a:solidFill>
+                  <a:schemeClr val="tx1">
+                    <a:tint val="75000"/>
+                  </a:schemeClr>
+                </a:solidFill>
+              </a:defRPr>
+            </a:lvl3pPr>
+            <a:lvl4pPr marL="1371600" indent="0">
+              <a:buNone/>
+              <a:defRPr sz="1400">
+                <a:solidFill>
+                  <a:schemeClr val="tx1">
+                    <a:tint val="75000"/>
+                  </a:schemeClr>
+                </a:solidFill>
+              </a:defRPr>
+            </a:lvl4pPr>
+            <a:lvl5pPr marL="1828800" indent="0">
+              <a:buNone/>
+              <a:defRPr sz="1400">
+                <a:solidFill>
+                  <a:schemeClr val="tx1">
+                    <a:tint val="75000"/>
+                  </a:schemeClr>
+                </a:solidFill>
+              </a:defRPr>
+            </a:lvl5pPr>
+            <a:lvl6pPr marL="2286000" indent="0">
+              <a:buNone/>
+              <a:defRPr sz="1400">
+                <a:solidFill>
+                  <a:schemeClr val="tx1">
+                    <a:tint val="75000"/>
+                  </a:schemeClr>
+                </a:solidFill>
+              </a:defRPr>
+            </a:lvl6pPr>
+            <a:lvl7pPr marL="2743200" indent="0">
+              <a:buNone/>
+              <a:defRPr sz="1400">
+                <a:solidFill>
+                  <a:schemeClr val="tx1">
+                    <a:tint val="75000"/>
+                  </a:schemeClr>
+                </a:solidFill>
+              </a:defRPr>
+            </a:lvl7pPr>
+            <a:lvl8pPr marL="3200400" indent="0">
+              <a:buNone/>
+              <a:defRPr sz="1400">
+                <a:solidFill>
+                  <a:schemeClr val="tx1">
+                    <a:tint val="75000"/>
+                  </a:schemeClr>
+                </a:solidFill>
+              </a:defRPr>
+            </a:lvl8pPr>
+            <a:lvl9pPr marL="3657600" indent="0">
+              <a:buNone/>
+              <a:defRPr sz="1400">
+                <a:solidFill>
+                  <a:schemeClr val="tx1">
+                    <a:tint val="75000"/>
+                  </a:schemeClr>
+                </a:solidFill>
+              </a:defRPr>
+            </a:lvl9pPr>
+          </a:lstStyle>
+          <a:p>
+            <a:pPr lvl="0"/>
+            <a:r>
+              <a:rPr lang="ru-RU"/>
+              <a:t>Образец текста</a:t>
+            </a:r>
+          </a:p>
+        </p:txBody>
+      </p:sp>
+      <p:sp>
+        <p:nvSpPr>
+          <p:cNvPr id="4" name="Date Placeholder 3"/>
+          <p:cNvSpPr>
+            <a:spLocks noGrp="1"/>
+          </p:cNvSpPr>
+          <p:nvPr>
+            <p:ph type="dt" sz="half" idx="10"/>
+          </p:nvPr>
+        </p:nvSpPr>
+        <p:spPr/>
+        <p:txBody>
+          <a:bodyPr/>
+          <a:lstStyle/>
+          <a:p>
+            <a:fld id="{46FE7FA2-437C-4797-917E-FA5D56212DDE}" type="datetimeFigureOut">
+              <a:rPr lang="ru-RU" smtClean="0"/>
+              <a:t>07.01.2022</a:t>
+            </a:fld>
+            <a:endParaRPr lang="ru-RU"/>
+          </a:p>
+        </p:txBody>
+      </p:sp>
+      <p:sp>
+        <p:nvSpPr>
+          <p:cNvPr id="5" name="Footer Placeholder 4"/>
+          <p:cNvSpPr>
+            <a:spLocks noGrp="1"/>
+          </p:cNvSpPr>
+          <p:nvPr>
+            <p:ph type="ftr" sz="quarter" idx="11"/>
+          </p:nvPr>
+        </p:nvSpPr>
+        <p:spPr/>
+        <p:txBody>
+          <a:bodyPr/>
+          <a:lstStyle/>
+          <a:p>
+            <a:endParaRPr lang="ru-RU"/>
+          </a:p>
+        </p:txBody>
+      </p:sp>
+      <p:sp>
+        <p:nvSpPr>
+          <p:cNvPr id="6" name="Slide Number Placeholder 5"/>
+          <p:cNvSpPr>
+            <a:spLocks noGrp="1"/>
+          </p:cNvSpPr>
+          <p:nvPr>
+            <p:ph type="sldNum" sz="quarter" idx="12"/>
+          </p:nvPr>
+        </p:nvSpPr>
+        <p:spPr/>
+        <p:txBody>
+          <a:bodyPr/>
+          <a:lstStyle/>
+          <a:p>
+            <a:fld id="{1BAE393F-BE7C-480E-B436-704E22CD6547}" type="slidenum">
+              <a:rPr lang="ru-RU" smtClean="0"/>
+              <a:t>‹#›</a:t>
+            </a:fld>
+            <a:endParaRPr lang="ru-RU"/>
+          </a:p>
+        </p:txBody>
+      </p:sp>
+    </p:spTree>
+    <p:extLst>
+      <p:ext uri="{BB962C8B-B14F-4D97-AF65-F5344CB8AC3E}">
+        <p14:creationId xmlns:p14="http://schemas.microsoft.com/office/powerpoint/2010/main" val="4132420135"/>
+      </p:ext>
+    </p:extLst>
+  </p:cSld>
+  <p:clrMapOvr>
+    <a:masterClrMapping/>
+  </p:clrMapOvr>
+</p:sldLayout>
+</file>
+
+<file path=ppt/slideLayouts/slideLayout13.xml><?xml version="1.0" encoding="utf-8"?>
+<p:sldLayout xmlns:a="http://schemas.openxmlformats.org/drawingml/2006/main" xmlns:r="http://schemas.openxmlformats.org/officeDocument/2006/relationships" xmlns:p="http://schemas.openxmlformats.org/presentationml/2006/main" preserve="1">
+  <p:cSld name="Карточка имени">
+    <p:spTree>
+      <p:nvGrpSpPr>
+        <p:cNvPr id="1" name=""/>
+        <p:cNvGrpSpPr/>
+        <p:nvPr/>
+      </p:nvGrpSpPr>
+      <p:grpSpPr>
+        <a:xfrm>
+          <a:off x="0" y="0"/>
+          <a:ext cx="0" cy="0"/>
+          <a:chOff x="0" y="0"/>
+          <a:chExt cx="0" cy="0"/>
+        </a:xfrm>
+      </p:grpSpPr>
+      <p:pic>
+        <p:nvPicPr>
+          <p:cNvPr id="8" name="Picture 7" descr="Celestia-R1---OverlayContentHD.png"/>
+          <p:cNvPicPr>
+            <a:picLocks noChangeAspect="1"/>
+          </p:cNvPicPr>
+          <p:nvPr/>
+        </p:nvPicPr>
+        <p:blipFill>
+          <a:blip r:embed="rId2">
+            <a:extLst>
+              <a:ext uri="{28A0092B-C50C-407E-A947-70E740481C1C}">
+                <a14:useLocalDpi xmlns:a14="http://schemas.microsoft.com/office/drawing/2010/main" val="0"/>
+              </a:ext>
+            </a:extLst>
+          </a:blip>
+          <a:stretch>
+            <a:fillRect/>
+          </a:stretch>
+        </p:blipFill>
+        <p:spPr>
+          <a:xfrm>
+            <a:off x="0" y="0"/>
+            <a:ext cx="12188825" cy="6856214"/>
+          </a:xfrm>
+          <a:prstGeom prst="rect">
+            <a:avLst/>
+          </a:prstGeom>
+        </p:spPr>
+      </p:pic>
+      <p:sp>
+        <p:nvSpPr>
+          <p:cNvPr id="2" name="Title 1"/>
+          <p:cNvSpPr>
+            <a:spLocks noGrp="1"/>
+          </p:cNvSpPr>
+          <p:nvPr>
+            <p:ph type="title"/>
+          </p:nvPr>
+        </p:nvSpPr>
+        <p:spPr>
+          <a:xfrm>
+            <a:off x="685802" y="3308581"/>
+            <a:ext cx="10131425" cy="1468800"/>
+          </a:xfrm>
+        </p:spPr>
+        <p:txBody>
+          <a:bodyPr anchor="b">
+            <a:normAutofit/>
+          </a:bodyPr>
+          <a:lstStyle>
+            <a:lvl1pPr algn="l">
+              <a:defRPr sz="3200" b="0" cap="none"/>
+            </a:lvl1pPr>
+          </a:lstStyle>
+          <a:p>
+            <a:r>
+              <a:rPr lang="ru-RU"/>
+              <a:t>Образец заголовка</a:t>
+            </a:r>
+            <a:endParaRPr lang="en-US" dirty="0"/>
+          </a:p>
+        </p:txBody>
+      </p:sp>
+      <p:sp>
+        <p:nvSpPr>
+          <p:cNvPr id="3" name="Text Placeholder 2"/>
+          <p:cNvSpPr>
+            <a:spLocks noGrp="1"/>
+          </p:cNvSpPr>
+          <p:nvPr>
+            <p:ph type="body" idx="1"/>
+          </p:nvPr>
+        </p:nvSpPr>
+        <p:spPr>
+          <a:xfrm>
+            <a:off x="685801" y="4777381"/>
+            <a:ext cx="10131426" cy="860400"/>
+          </a:xfrm>
+        </p:spPr>
+        <p:txBody>
+          <a:bodyPr anchor="t">
+            <a:normAutofit/>
+          </a:bodyPr>
+          <a:lstStyle>
+            <a:lvl1pPr marL="0" indent="0" algn="l">
+              <a:buNone/>
+              <a:defRPr sz="2000">
+                <a:solidFill>
+                  <a:schemeClr val="tx1"/>
+                </a:solidFill>
+              </a:defRPr>
+            </a:lvl1pPr>
+            <a:lvl2pPr marL="457200" indent="0">
+              <a:buNone/>
+              <a:defRPr sz="1800">
+                <a:solidFill>
+                  <a:schemeClr val="tx1">
+                    <a:tint val="75000"/>
+                  </a:schemeClr>
+                </a:solidFill>
+              </a:defRPr>
+            </a:lvl2pPr>
+            <a:lvl3pPr marL="914400" indent="0">
+              <a:buNone/>
+              <a:defRPr sz="1600">
+                <a:solidFill>
+                  <a:schemeClr val="tx1">
+                    <a:tint val="75000"/>
+                  </a:schemeClr>
+                </a:solidFill>
+              </a:defRPr>
+            </a:lvl3pPr>
+            <a:lvl4pPr marL="1371600" indent="0">
+              <a:buNone/>
+              <a:defRPr sz="1400">
+                <a:solidFill>
+                  <a:schemeClr val="tx1">
+                    <a:tint val="75000"/>
+                  </a:schemeClr>
+                </a:solidFill>
+              </a:defRPr>
+            </a:lvl4pPr>
+            <a:lvl5pPr marL="1828800" indent="0">
+              <a:buNone/>
+              <a:defRPr sz="1400">
+                <a:solidFill>
+                  <a:schemeClr val="tx1">
+                    <a:tint val="75000"/>
+                  </a:schemeClr>
+                </a:solidFill>
+              </a:defRPr>
+            </a:lvl5pPr>
+            <a:lvl6pPr marL="2286000" indent="0">
+              <a:buNone/>
+              <a:defRPr sz="1400">
+                <a:solidFill>
+                  <a:schemeClr val="tx1">
+                    <a:tint val="75000"/>
+                  </a:schemeClr>
+                </a:solidFill>
+              </a:defRPr>
+            </a:lvl6pPr>
+            <a:lvl7pPr marL="2743200" indent="0">
+              <a:buNone/>
+              <a:defRPr sz="1400">
+                <a:solidFill>
+                  <a:schemeClr val="tx1">
+                    <a:tint val="75000"/>
+                  </a:schemeClr>
+                </a:solidFill>
+              </a:defRPr>
+            </a:lvl7pPr>
+            <a:lvl8pPr marL="3200400" indent="0">
+              <a:buNone/>
+              <a:defRPr sz="1400">
+                <a:solidFill>
+                  <a:schemeClr val="tx1">
+                    <a:tint val="75000"/>
+                  </a:schemeClr>
+                </a:solidFill>
+              </a:defRPr>
+            </a:lvl8pPr>
+            <a:lvl9pPr marL="3657600" indent="0">
+              <a:buNone/>
+              <a:defRPr sz="1400">
+                <a:solidFill>
+                  <a:schemeClr val="tx1">
+                    <a:tint val="75000"/>
+                  </a:schemeClr>
+                </a:solidFill>
+              </a:defRPr>
+            </a:lvl9pPr>
+          </a:lstStyle>
+          <a:p>
+            <a:pPr lvl="0"/>
+            <a:r>
+              <a:rPr lang="ru-RU"/>
+              <a:t>Образец текста</a:t>
+            </a:r>
+          </a:p>
+        </p:txBody>
+      </p:sp>
+      <p:sp>
+        <p:nvSpPr>
+          <p:cNvPr id="4" name="Date Placeholder 3"/>
+          <p:cNvSpPr>
+            <a:spLocks noGrp="1"/>
+          </p:cNvSpPr>
+          <p:nvPr>
+            <p:ph type="dt" sz="half" idx="10"/>
+          </p:nvPr>
+        </p:nvSpPr>
+        <p:spPr/>
+        <p:txBody>
+          <a:bodyPr/>
+          <a:lstStyle/>
+          <a:p>
+            <a:fld id="{46FE7FA2-437C-4797-917E-FA5D56212DDE}" type="datetimeFigureOut">
+              <a:rPr lang="ru-RU" smtClean="0"/>
+              <a:t>07.01.2022</a:t>
+            </a:fld>
+            <a:endParaRPr lang="ru-RU"/>
+          </a:p>
+        </p:txBody>
+      </p:sp>
+      <p:sp>
+        <p:nvSpPr>
+          <p:cNvPr id="5" name="Footer Placeholder 4"/>
+          <p:cNvSpPr>
+            <a:spLocks noGrp="1"/>
+          </p:cNvSpPr>
+          <p:nvPr>
+            <p:ph type="ftr" sz="quarter" idx="11"/>
+          </p:nvPr>
+        </p:nvSpPr>
+        <p:spPr/>
+        <p:txBody>
+          <a:bodyPr/>
+          <a:lstStyle/>
+          <a:p>
+            <a:endParaRPr lang="ru-RU"/>
+          </a:p>
+        </p:txBody>
+      </p:sp>
+      <p:sp>
+        <p:nvSpPr>
+          <p:cNvPr id="6" name="Slide Number Placeholder 5"/>
+          <p:cNvSpPr>
+            <a:spLocks noGrp="1"/>
+          </p:cNvSpPr>
+          <p:nvPr>
+            <p:ph type="sldNum" sz="quarter" idx="12"/>
+          </p:nvPr>
+        </p:nvSpPr>
+        <p:spPr/>
+        <p:txBody>
+          <a:bodyPr/>
+          <a:lstStyle/>
+          <a:p>
+            <a:fld id="{1BAE393F-BE7C-480E-B436-704E22CD6547}" type="slidenum">
+              <a:rPr lang="ru-RU" smtClean="0"/>
+              <a:t>‹#›</a:t>
+            </a:fld>
+            <a:endParaRPr lang="ru-RU"/>
+          </a:p>
+        </p:txBody>
+      </p:sp>
+    </p:spTree>
+    <p:extLst>
+      <p:ext uri="{BB962C8B-B14F-4D97-AF65-F5344CB8AC3E}">
+        <p14:creationId xmlns:p14="http://schemas.microsoft.com/office/powerpoint/2010/main" val="1617671916"/>
+      </p:ext>
+    </p:extLst>
+  </p:cSld>
+  <p:clrMapOvr>
+    <a:masterClrMapping/>
+  </p:clrMapOvr>
+</p:sldLayout>
+</file>
+
+<file path=ppt/slideLayouts/slideLayout14.xml><?xml version="1.0" encoding="utf-8"?>
+<p:sldLayout xmlns:a="http://schemas.openxmlformats.org/drawingml/2006/main" xmlns:r="http://schemas.openxmlformats.org/officeDocument/2006/relationships" xmlns:p="http://schemas.openxmlformats.org/presentationml/2006/main" preserve="1">
+  <p:cSld name="Цитата карточки имени">
+    <p:spTree>
+      <p:nvGrpSpPr>
+        <p:cNvPr id="1" name=""/>
+        <p:cNvGrpSpPr/>
+        <p:nvPr/>
+      </p:nvGrpSpPr>
+      <p:grpSpPr>
+        <a:xfrm>
+          <a:off x="0" y="0"/>
+          <a:ext cx="0" cy="0"/>
+          <a:chOff x="0" y="0"/>
+          <a:chExt cx="0" cy="0"/>
+        </a:xfrm>
+      </p:grpSpPr>
+      <p:pic>
+        <p:nvPicPr>
+          <p:cNvPr id="11" name="Picture 10" descr="Celestia-R1---OverlayContentHD.png"/>
+          <p:cNvPicPr>
+            <a:picLocks noChangeAspect="1"/>
+          </p:cNvPicPr>
+          <p:nvPr/>
+        </p:nvPicPr>
+        <p:blipFill>
+          <a:blip r:embed="rId2">
+            <a:extLst>
+              <a:ext uri="{28A0092B-C50C-407E-A947-70E740481C1C}">
+                <a14:useLocalDpi xmlns:a14="http://schemas.microsoft.com/office/drawing/2010/main" val="0"/>
+              </a:ext>
+            </a:extLst>
+          </a:blip>
+          <a:stretch>
+            <a:fillRect/>
+          </a:stretch>
+        </p:blipFill>
+        <p:spPr>
+          <a:xfrm>
+            <a:off x="0" y="0"/>
+            <a:ext cx="12188825" cy="6856214"/>
+          </a:xfrm>
+          <a:prstGeom prst="rect">
+            <a:avLst/>
+          </a:prstGeom>
+        </p:spPr>
+      </p:pic>
+      <p:sp>
+        <p:nvSpPr>
+          <p:cNvPr id="13" name="TextBox 12"/>
+          <p:cNvSpPr txBox="1"/>
+          <p:nvPr/>
+        </p:nvSpPr>
+        <p:spPr>
+          <a:xfrm>
+            <a:off x="10237867" y="2743200"/>
+            <a:ext cx="609600" cy="584776"/>
+          </a:xfrm>
+          <a:prstGeom prst="rect">
+            <a:avLst/>
+          </a:prstGeom>
+        </p:spPr>
+        <p:txBody>
+          <a:bodyPr vert="horz" lIns="91440" tIns="45720" rIns="91440" bIns="45720" rtlCol="0" anchor="ctr">
+            <a:noAutofit/>
+          </a:bodyPr>
+          <a:lstStyle>
+            <a:lvl1pPr>
+              <a:spcBef>
+                <a:spcPct val="0"/>
+              </a:spcBef>
+              <a:buNone/>
+              <a:defRPr sz="3200" b="0" cap="all">
+                <a:ln w="3175" cmpd="sng">
+                  <a:noFill/>
+                </a:ln>
+                <a:effectLst>
+                  <a:glow rad="38100">
+                    <a:schemeClr val="bg1">
+                      <a:lumMod val="65000"/>
+                      <a:lumOff val="35000"/>
+                      <a:alpha val="40000"/>
+                    </a:schemeClr>
+                  </a:glow>
+                  <a:outerShdw blurRad="28575" dist="38100" dir="14040000" algn="tl" rotWithShape="0">
+                    <a:srgbClr val="000000">
+                      <a:alpha val="25000"/>
+                    </a:srgbClr>
+                  </a:outerShdw>
+                </a:effectLst>
+              </a:defRPr>
+            </a:lvl1pPr>
+            <a:lvl2pPr>
+              <a:defRPr>
+                <a:solidFill>
+                  <a:schemeClr val="tx2"/>
+                </a:solidFill>
+              </a:defRPr>
+            </a:lvl2pPr>
+            <a:lvl3pPr>
+              <a:defRPr>
+                <a:solidFill>
+                  <a:schemeClr val="tx2"/>
+                </a:solidFill>
+              </a:defRPr>
+            </a:lvl3pPr>
+            <a:lvl4pPr>
+              <a:defRPr>
+                <a:solidFill>
+                  <a:schemeClr val="tx2"/>
+                </a:solidFill>
+              </a:defRPr>
+            </a:lvl4pPr>
+            <a:lvl5pPr>
+              <a:defRPr>
+                <a:solidFill>
+                  <a:schemeClr val="tx2"/>
+                </a:solidFill>
+              </a:defRPr>
+            </a:lvl5pPr>
+            <a:lvl6pPr>
+              <a:defRPr>
+                <a:solidFill>
+                  <a:schemeClr val="tx2"/>
+                </a:solidFill>
+              </a:defRPr>
+            </a:lvl6pPr>
+            <a:lvl7pPr>
+              <a:defRPr>
+                <a:solidFill>
+                  <a:schemeClr val="tx2"/>
+                </a:solidFill>
+              </a:defRPr>
+            </a:lvl7pPr>
+            <a:lvl8pPr>
+              <a:defRPr>
+                <a:solidFill>
+                  <a:schemeClr val="tx2"/>
+                </a:solidFill>
+              </a:defRPr>
+            </a:lvl8pPr>
+            <a:lvl9pPr>
+              <a:defRPr>
+                <a:solidFill>
+                  <a:schemeClr val="tx2"/>
+                </a:solidFill>
+              </a:defRPr>
+            </a:lvl9pPr>
+          </a:lstStyle>
+          <a:p>
+            <a:pPr lvl="0" algn="r"/>
+            <a:r>
+              <a:rPr lang="en-US" sz="8000" dirty="0">
+                <a:solidFill>
+                  <a:schemeClr val="tx1"/>
+                </a:solidFill>
+                <a:effectLst/>
+              </a:rPr>
+              <a:t>”</a:t>
+            </a:r>
+          </a:p>
+        </p:txBody>
+      </p:sp>
+      <p:sp>
+        <p:nvSpPr>
+          <p:cNvPr id="14" name="TextBox 13"/>
+          <p:cNvSpPr txBox="1"/>
+          <p:nvPr/>
+        </p:nvSpPr>
+        <p:spPr>
+          <a:xfrm>
+            <a:off x="488275" y="823337"/>
+            <a:ext cx="609600" cy="584776"/>
+          </a:xfrm>
+          <a:prstGeom prst="rect">
+            <a:avLst/>
+          </a:prstGeom>
+        </p:spPr>
+        <p:txBody>
+          <a:bodyPr vert="horz" lIns="91440" tIns="45720" rIns="91440" bIns="45720" rtlCol="0" anchor="ctr">
+            <a:noAutofit/>
+          </a:bodyPr>
+          <a:lstStyle>
+            <a:lvl1pPr>
+              <a:spcBef>
+                <a:spcPct val="0"/>
+              </a:spcBef>
+              <a:buNone/>
+              <a:defRPr sz="3200" b="0" cap="all">
+                <a:ln w="3175" cmpd="sng">
+                  <a:noFill/>
+                </a:ln>
+                <a:effectLst>
+                  <a:glow rad="38100">
+                    <a:schemeClr val="bg1">
+                      <a:lumMod val="65000"/>
+                      <a:lumOff val="35000"/>
+                      <a:alpha val="40000"/>
+                    </a:schemeClr>
+                  </a:glow>
+                  <a:outerShdw blurRad="28575" dist="38100" dir="14040000" algn="tl" rotWithShape="0">
+                    <a:srgbClr val="000000">
+                      <a:alpha val="25000"/>
+                    </a:srgbClr>
+                  </a:outerShdw>
+                </a:effectLst>
+              </a:defRPr>
+            </a:lvl1pPr>
+            <a:lvl2pPr>
+              <a:defRPr>
+                <a:solidFill>
+                  <a:schemeClr val="tx2"/>
+                </a:solidFill>
+              </a:defRPr>
+            </a:lvl2pPr>
+            <a:lvl3pPr>
+              <a:defRPr>
+                <a:solidFill>
+                  <a:schemeClr val="tx2"/>
+                </a:solidFill>
+              </a:defRPr>
+            </a:lvl3pPr>
+            <a:lvl4pPr>
+              <a:defRPr>
+                <a:solidFill>
+                  <a:schemeClr val="tx2"/>
+                </a:solidFill>
+              </a:defRPr>
+            </a:lvl4pPr>
+            <a:lvl5pPr>
+              <a:defRPr>
+                <a:solidFill>
+                  <a:schemeClr val="tx2"/>
+                </a:solidFill>
+              </a:defRPr>
+            </a:lvl5pPr>
+            <a:lvl6pPr>
+              <a:defRPr>
+                <a:solidFill>
+                  <a:schemeClr val="tx2"/>
+                </a:solidFill>
+              </a:defRPr>
+            </a:lvl6pPr>
+            <a:lvl7pPr>
+              <a:defRPr>
+                <a:solidFill>
+                  <a:schemeClr val="tx2"/>
+                </a:solidFill>
+              </a:defRPr>
+            </a:lvl7pPr>
+            <a:lvl8pPr>
+              <a:defRPr>
+                <a:solidFill>
+                  <a:schemeClr val="tx2"/>
+                </a:solidFill>
+              </a:defRPr>
+            </a:lvl8pPr>
+            <a:lvl9pPr>
+              <a:defRPr>
+                <a:solidFill>
+                  <a:schemeClr val="tx2"/>
+                </a:solidFill>
+              </a:defRPr>
+            </a:lvl9pPr>
+          </a:lstStyle>
+          <a:p>
+            <a:pPr lvl="0" algn="r"/>
+            <a:r>
+              <a:rPr lang="en-US" sz="8000" dirty="0">
+                <a:solidFill>
+                  <a:schemeClr val="tx1"/>
+                </a:solidFill>
+                <a:effectLst/>
+              </a:rPr>
+              <a:t>“</a:t>
+            </a:r>
+          </a:p>
+        </p:txBody>
+      </p:sp>
+      <p:sp>
+        <p:nvSpPr>
+          <p:cNvPr id="16" name="Title 1"/>
+          <p:cNvSpPr>
+            <a:spLocks noGrp="1"/>
+          </p:cNvSpPr>
+          <p:nvPr>
+            <p:ph type="title"/>
+          </p:nvPr>
+        </p:nvSpPr>
+        <p:spPr>
+          <a:xfrm>
+            <a:off x="992267" y="609601"/>
+            <a:ext cx="9550399" cy="2743199"/>
+          </a:xfrm>
+        </p:spPr>
+        <p:txBody>
+          <a:bodyPr anchor="ctr">
+            <a:normAutofit/>
+          </a:bodyPr>
+          <a:lstStyle>
+            <a:lvl1pPr algn="l">
+              <a:defRPr sz="3200" b="0" cap="none">
+                <a:solidFill>
+                  <a:schemeClr val="tx1"/>
+                </a:solidFill>
+              </a:defRPr>
+            </a:lvl1pPr>
+          </a:lstStyle>
+          <a:p>
+            <a:r>
+              <a:rPr lang="ru-RU"/>
+              <a:t>Образец заголовка</a:t>
+            </a:r>
+            <a:endParaRPr lang="en-US" dirty="0"/>
+          </a:p>
+        </p:txBody>
+      </p:sp>
+      <p:sp>
+        <p:nvSpPr>
+          <p:cNvPr id="10" name="Text Placeholder 9"/>
+          <p:cNvSpPr>
+            <a:spLocks noGrp="1"/>
+          </p:cNvSpPr>
+          <p:nvPr>
+            <p:ph type="body" sz="quarter" idx="13"/>
+          </p:nvPr>
+        </p:nvSpPr>
+        <p:spPr>
+          <a:xfrm>
+            <a:off x="685800" y="3886200"/>
+            <a:ext cx="10135436" cy="889000"/>
+          </a:xfrm>
+        </p:spPr>
+        <p:txBody>
+          <a:bodyPr vert="horz" lIns="91440" tIns="45720" rIns="91440" bIns="45720" rtlCol="0" anchor="b">
+            <a:normAutofit/>
+          </a:bodyPr>
+          <a:lstStyle>
+            <a:lvl1pPr>
+              <a:buNone/>
+              <a:defRPr lang="en-US" sz="2400" b="0" cap="none" dirty="0">
+                <a:ln w="3175" cmpd="sng">
+                  <a:noFill/>
+                </a:ln>
+                <a:solidFill>
+                  <a:schemeClr val="tx1"/>
+                </a:solidFill>
+                <a:effectLst/>
+              </a:defRPr>
+            </a:lvl1pPr>
+          </a:lstStyle>
+          <a:p>
+            <a:pPr marL="0" lvl="0">
+              <a:spcBef>
+                <a:spcPct val="0"/>
+              </a:spcBef>
+              <a:buNone/>
+            </a:pPr>
+            <a:r>
+              <a:rPr lang="ru-RU"/>
+              <a:t>Образец текста</a:t>
+            </a:r>
+          </a:p>
+        </p:txBody>
+      </p:sp>
+      <p:sp>
+        <p:nvSpPr>
+          <p:cNvPr id="3" name="Text Placeholder 2"/>
+          <p:cNvSpPr>
+            <a:spLocks noGrp="1"/>
+          </p:cNvSpPr>
+          <p:nvPr>
+            <p:ph type="body" idx="1"/>
+          </p:nvPr>
+        </p:nvSpPr>
+        <p:spPr>
+          <a:xfrm>
+            <a:off x="685799" y="4775200"/>
+            <a:ext cx="10135436" cy="1016000"/>
+          </a:xfrm>
+        </p:spPr>
+        <p:txBody>
+          <a:bodyPr anchor="t">
+            <a:normAutofit/>
+          </a:bodyPr>
+          <a:lstStyle>
+            <a:lvl1pPr marL="0" indent="0" algn="l">
+              <a:buNone/>
+              <a:defRPr sz="1800">
+                <a:solidFill>
+                  <a:schemeClr val="tx1"/>
+                </a:solidFill>
+              </a:defRPr>
+            </a:lvl1pPr>
+            <a:lvl2pPr marL="457200" indent="0">
+              <a:buNone/>
+              <a:defRPr sz="1800">
+                <a:solidFill>
+                  <a:schemeClr val="tx1">
+                    <a:tint val="75000"/>
+                  </a:schemeClr>
+                </a:solidFill>
+              </a:defRPr>
+            </a:lvl2pPr>
+            <a:lvl3pPr marL="914400" indent="0">
+              <a:buNone/>
+              <a:defRPr sz="1600">
+                <a:solidFill>
+                  <a:schemeClr val="tx1">
+                    <a:tint val="75000"/>
+                  </a:schemeClr>
+                </a:solidFill>
+              </a:defRPr>
+            </a:lvl3pPr>
+            <a:lvl4pPr marL="1371600" indent="0">
+              <a:buNone/>
+              <a:defRPr sz="1400">
+                <a:solidFill>
+                  <a:schemeClr val="tx1">
+                    <a:tint val="75000"/>
+                  </a:schemeClr>
+                </a:solidFill>
+              </a:defRPr>
+            </a:lvl4pPr>
+            <a:lvl5pPr marL="1828800" indent="0">
+              <a:buNone/>
+              <a:defRPr sz="1400">
+                <a:solidFill>
+                  <a:schemeClr val="tx1">
+                    <a:tint val="75000"/>
+                  </a:schemeClr>
+                </a:solidFill>
+              </a:defRPr>
+            </a:lvl5pPr>
+            <a:lvl6pPr marL="2286000" indent="0">
+              <a:buNone/>
+              <a:defRPr sz="1400">
+                <a:solidFill>
+                  <a:schemeClr val="tx1">
+                    <a:tint val="75000"/>
+                  </a:schemeClr>
+                </a:solidFill>
+              </a:defRPr>
+            </a:lvl6pPr>
+            <a:lvl7pPr marL="2743200" indent="0">
+              <a:buNone/>
+              <a:defRPr sz="1400">
+                <a:solidFill>
+                  <a:schemeClr val="tx1">
+                    <a:tint val="75000"/>
+                  </a:schemeClr>
+                </a:solidFill>
+              </a:defRPr>
+            </a:lvl7pPr>
+            <a:lvl8pPr marL="3200400" indent="0">
+              <a:buNone/>
+              <a:defRPr sz="1400">
+                <a:solidFill>
+                  <a:schemeClr val="tx1">
+                    <a:tint val="75000"/>
+                  </a:schemeClr>
+                </a:solidFill>
+              </a:defRPr>
+            </a:lvl8pPr>
+            <a:lvl9pPr marL="3657600" indent="0">
+              <a:buNone/>
+              <a:defRPr sz="1400">
+                <a:solidFill>
+                  <a:schemeClr val="tx1">
+                    <a:tint val="75000"/>
+                  </a:schemeClr>
+                </a:solidFill>
+              </a:defRPr>
+            </a:lvl9pPr>
+          </a:lstStyle>
+          <a:p>
+            <a:pPr lvl="0"/>
+            <a:r>
+              <a:rPr lang="ru-RU"/>
+              <a:t>Образец текста</a:t>
+            </a:r>
+          </a:p>
+        </p:txBody>
+      </p:sp>
+      <p:sp>
+        <p:nvSpPr>
+          <p:cNvPr id="4" name="Date Placeholder 3"/>
+          <p:cNvSpPr>
+            <a:spLocks noGrp="1"/>
+          </p:cNvSpPr>
+          <p:nvPr>
+            <p:ph type="dt" sz="half" idx="10"/>
+          </p:nvPr>
+        </p:nvSpPr>
+        <p:spPr/>
+        <p:txBody>
+          <a:bodyPr/>
+          <a:lstStyle/>
+          <a:p>
+            <a:fld id="{46FE7FA2-437C-4797-917E-FA5D56212DDE}" type="datetimeFigureOut">
+              <a:rPr lang="ru-RU" smtClean="0"/>
+              <a:t>07.01.2022</a:t>
+            </a:fld>
+            <a:endParaRPr lang="ru-RU"/>
+          </a:p>
+        </p:txBody>
+      </p:sp>
+      <p:sp>
+        <p:nvSpPr>
+          <p:cNvPr id="5" name="Footer Placeholder 4"/>
+          <p:cNvSpPr>
+            <a:spLocks noGrp="1"/>
+          </p:cNvSpPr>
+          <p:nvPr>
+            <p:ph type="ftr" sz="quarter" idx="11"/>
+          </p:nvPr>
+        </p:nvSpPr>
+        <p:spPr/>
+        <p:txBody>
+          <a:bodyPr/>
+          <a:lstStyle/>
+          <a:p>
+            <a:endParaRPr lang="ru-RU"/>
+          </a:p>
+        </p:txBody>
+      </p:sp>
+      <p:sp>
+        <p:nvSpPr>
+          <p:cNvPr id="6" name="Slide Number Placeholder 5"/>
+          <p:cNvSpPr>
+            <a:spLocks noGrp="1"/>
+          </p:cNvSpPr>
+          <p:nvPr>
+            <p:ph type="sldNum" sz="quarter" idx="12"/>
+          </p:nvPr>
+        </p:nvSpPr>
+        <p:spPr/>
+        <p:txBody>
+          <a:bodyPr/>
+          <a:lstStyle/>
+          <a:p>
+            <a:fld id="{1BAE393F-BE7C-480E-B436-704E22CD6547}" type="slidenum">
+              <a:rPr lang="ru-RU" smtClean="0"/>
+              <a:t>‹#›</a:t>
+            </a:fld>
+            <a:endParaRPr lang="ru-RU"/>
+          </a:p>
+        </p:txBody>
+      </p:sp>
+    </p:spTree>
+    <p:extLst>
+      <p:ext uri="{BB962C8B-B14F-4D97-AF65-F5344CB8AC3E}">
+        <p14:creationId xmlns:p14="http://schemas.microsoft.com/office/powerpoint/2010/main" val="756890981"/>
+      </p:ext>
+    </p:extLst>
+  </p:cSld>
+  <p:clrMapOvr>
+    <a:masterClrMapping/>
+  </p:clrMapOvr>
+</p:sldLayout>
+</file>
+
+<file path=ppt/slideLayouts/slideLayout15.xml><?xml version="1.0" encoding="utf-8"?>
+<p:sldLayout xmlns:a="http://schemas.openxmlformats.org/drawingml/2006/main" xmlns:r="http://schemas.openxmlformats.org/officeDocument/2006/relationships" xmlns:p="http://schemas.openxmlformats.org/presentationml/2006/main" preserve="1">
+  <p:cSld name="Истина или ложь">
+    <p:spTree>
+      <p:nvGrpSpPr>
+        <p:cNvPr id="1" name=""/>
+        <p:cNvGrpSpPr/>
+        <p:nvPr/>
+      </p:nvGrpSpPr>
+      <p:grpSpPr>
+        <a:xfrm>
+          <a:off x="0" y="0"/>
+          <a:ext cx="0" cy="0"/>
+          <a:chOff x="0" y="0"/>
+          <a:chExt cx="0" cy="0"/>
+        </a:xfrm>
+      </p:grpSpPr>
+      <p:pic>
+        <p:nvPicPr>
+          <p:cNvPr id="8" name="Picture 7" descr="Celestia-R1---OverlayContentHD.png"/>
+          <p:cNvPicPr>
+            <a:picLocks noChangeAspect="1"/>
+          </p:cNvPicPr>
+          <p:nvPr/>
+        </p:nvPicPr>
+        <p:blipFill>
+          <a:blip r:embed="rId2">
+            <a:extLst>
+              <a:ext uri="{28A0092B-C50C-407E-A947-70E740481C1C}">
+                <a14:useLocalDpi xmlns:a14="http://schemas.microsoft.com/office/drawing/2010/main" val="0"/>
+              </a:ext>
+            </a:extLst>
+          </a:blip>
+          <a:stretch>
+            <a:fillRect/>
+          </a:stretch>
+        </p:blipFill>
+        <p:spPr>
+          <a:xfrm>
+            <a:off x="0" y="0"/>
+            <a:ext cx="12188825" cy="6856214"/>
+          </a:xfrm>
+          <a:prstGeom prst="rect">
+            <a:avLst/>
+          </a:prstGeom>
+        </p:spPr>
+      </p:pic>
+      <p:sp>
+        <p:nvSpPr>
+          <p:cNvPr id="2" name="Title 1"/>
+          <p:cNvSpPr>
+            <a:spLocks noGrp="1"/>
+          </p:cNvSpPr>
+          <p:nvPr>
+            <p:ph type="title"/>
+          </p:nvPr>
+        </p:nvSpPr>
+        <p:spPr>
+          <a:xfrm>
+            <a:off x="685801" y="609601"/>
+            <a:ext cx="10131427" cy="2743199"/>
+          </a:xfrm>
+        </p:spPr>
+        <p:txBody>
+          <a:bodyPr vert="horz" lIns="91440" tIns="45720" rIns="91440" bIns="45720" rtlCol="0" anchor="ctr">
+            <a:normAutofit/>
+          </a:bodyPr>
+          <a:lstStyle>
+            <a:lvl1pPr>
+              <a:defRPr lang="en-US" b="0" dirty="0"/>
+            </a:lvl1pPr>
+          </a:lstStyle>
+          <a:p>
+            <a:pPr marL="0" lvl="0"/>
+            <a:r>
+              <a:rPr lang="ru-RU"/>
+              <a:t>Образец заголовка</a:t>
+            </a:r>
+            <a:endParaRPr lang="en-US" dirty="0"/>
+          </a:p>
+        </p:txBody>
+      </p:sp>
+      <p:sp>
+        <p:nvSpPr>
+          <p:cNvPr id="10" name="Text Placeholder 9"/>
+          <p:cNvSpPr>
+            <a:spLocks noGrp="1"/>
+          </p:cNvSpPr>
+          <p:nvPr>
+            <p:ph type="body" sz="quarter" idx="13"/>
+          </p:nvPr>
+        </p:nvSpPr>
+        <p:spPr>
+          <a:xfrm>
+            <a:off x="685801" y="3505200"/>
+            <a:ext cx="10131428" cy="838200"/>
+          </a:xfrm>
+        </p:spPr>
+        <p:txBody>
+          <a:bodyPr vert="horz" lIns="91440" tIns="45720" rIns="91440" bIns="45720" rtlCol="0" anchor="b">
+            <a:normAutofit/>
+          </a:bodyPr>
+          <a:lstStyle>
+            <a:lvl1pPr>
+              <a:buNone/>
+              <a:defRPr lang="en-US" sz="2800" b="0" cap="none" dirty="0">
+                <a:ln w="3175" cmpd="sng">
+                  <a:noFill/>
+                </a:ln>
+                <a:solidFill>
+                  <a:schemeClr val="tx1"/>
+                </a:solidFill>
+                <a:effectLst/>
+              </a:defRPr>
+            </a:lvl1pPr>
+          </a:lstStyle>
+          <a:p>
+            <a:pPr marL="0" lvl="0">
+              <a:spcBef>
+                <a:spcPct val="0"/>
+              </a:spcBef>
+              <a:buNone/>
+            </a:pPr>
+            <a:r>
+              <a:rPr lang="ru-RU"/>
+              <a:t>Образец текста</a:t>
+            </a:r>
+          </a:p>
+        </p:txBody>
+      </p:sp>
+      <p:sp>
+        <p:nvSpPr>
+          <p:cNvPr id="3" name="Text Placeholder 2"/>
+          <p:cNvSpPr>
+            <a:spLocks noGrp="1"/>
+          </p:cNvSpPr>
+          <p:nvPr>
+            <p:ph type="body" idx="1"/>
+          </p:nvPr>
+        </p:nvSpPr>
+        <p:spPr>
+          <a:xfrm>
+            <a:off x="685800" y="4343400"/>
+            <a:ext cx="10131428" cy="1447800"/>
+          </a:xfrm>
+        </p:spPr>
+        <p:txBody>
+          <a:bodyPr anchor="t">
+            <a:normAutofit/>
+          </a:bodyPr>
+          <a:lstStyle>
+            <a:lvl1pPr marL="0" indent="0" algn="l">
+              <a:buNone/>
+              <a:defRPr sz="1800">
+                <a:solidFill>
+                  <a:schemeClr val="tx1"/>
+                </a:solidFill>
+              </a:defRPr>
+            </a:lvl1pPr>
+            <a:lvl2pPr marL="457200" indent="0">
+              <a:buNone/>
+              <a:defRPr sz="1800">
+                <a:solidFill>
+                  <a:schemeClr val="tx1">
+                    <a:tint val="75000"/>
+                  </a:schemeClr>
+                </a:solidFill>
+              </a:defRPr>
+            </a:lvl2pPr>
+            <a:lvl3pPr marL="914400" indent="0">
+              <a:buNone/>
+              <a:defRPr sz="1600">
+                <a:solidFill>
+                  <a:schemeClr val="tx1">
+                    <a:tint val="75000"/>
+                  </a:schemeClr>
+                </a:solidFill>
+              </a:defRPr>
+            </a:lvl3pPr>
+            <a:lvl4pPr marL="1371600" indent="0">
+              <a:buNone/>
+              <a:defRPr sz="1400">
+                <a:solidFill>
+                  <a:schemeClr val="tx1">
+                    <a:tint val="75000"/>
+                  </a:schemeClr>
+                </a:solidFill>
+              </a:defRPr>
+            </a:lvl4pPr>
+            <a:lvl5pPr marL="1828800" indent="0">
+              <a:buNone/>
+              <a:defRPr sz="1400">
+                <a:solidFill>
+                  <a:schemeClr val="tx1">
+                    <a:tint val="75000"/>
+                  </a:schemeClr>
+                </a:solidFill>
+              </a:defRPr>
+            </a:lvl5pPr>
+            <a:lvl6pPr marL="2286000" indent="0">
+              <a:buNone/>
+              <a:defRPr sz="1400">
+                <a:solidFill>
+                  <a:schemeClr val="tx1">
+                    <a:tint val="75000"/>
+                  </a:schemeClr>
+                </a:solidFill>
+              </a:defRPr>
+            </a:lvl6pPr>
+            <a:lvl7pPr marL="2743200" indent="0">
+              <a:buNone/>
+              <a:defRPr sz="1400">
+                <a:solidFill>
+                  <a:schemeClr val="tx1">
+                    <a:tint val="75000"/>
+                  </a:schemeClr>
+                </a:solidFill>
+              </a:defRPr>
+            </a:lvl7pPr>
+            <a:lvl8pPr marL="3200400" indent="0">
+              <a:buNone/>
+              <a:defRPr sz="1400">
+                <a:solidFill>
+                  <a:schemeClr val="tx1">
+                    <a:tint val="75000"/>
+                  </a:schemeClr>
+                </a:solidFill>
+              </a:defRPr>
+            </a:lvl8pPr>
+            <a:lvl9pPr marL="3657600" indent="0">
+              <a:buNone/>
+              <a:defRPr sz="1400">
+                <a:solidFill>
+                  <a:schemeClr val="tx1">
+                    <a:tint val="75000"/>
+                  </a:schemeClr>
+                </a:solidFill>
+              </a:defRPr>
+            </a:lvl9pPr>
+          </a:lstStyle>
+          <a:p>
+            <a:pPr lvl="0"/>
+            <a:r>
+              <a:rPr lang="ru-RU"/>
+              <a:t>Образец текста</a:t>
+            </a:r>
+          </a:p>
+        </p:txBody>
+      </p:sp>
+      <p:sp>
+        <p:nvSpPr>
+          <p:cNvPr id="4" name="Date Placeholder 3"/>
+          <p:cNvSpPr>
+            <a:spLocks noGrp="1"/>
+          </p:cNvSpPr>
+          <p:nvPr>
+            <p:ph type="dt" sz="half" idx="10"/>
+          </p:nvPr>
+        </p:nvSpPr>
+        <p:spPr/>
+        <p:txBody>
+          <a:bodyPr/>
+          <a:lstStyle/>
+          <a:p>
+            <a:fld id="{46FE7FA2-437C-4797-917E-FA5D56212DDE}" type="datetimeFigureOut">
+              <a:rPr lang="ru-RU" smtClean="0"/>
+              <a:t>07.01.2022</a:t>
+            </a:fld>
+            <a:endParaRPr lang="ru-RU"/>
+          </a:p>
+        </p:txBody>
+      </p:sp>
+      <p:sp>
+        <p:nvSpPr>
+          <p:cNvPr id="5" name="Footer Placeholder 4"/>
+          <p:cNvSpPr>
+            <a:spLocks noGrp="1"/>
+          </p:cNvSpPr>
+          <p:nvPr>
+            <p:ph type="ftr" sz="quarter" idx="11"/>
+          </p:nvPr>
+        </p:nvSpPr>
+        <p:spPr/>
+        <p:txBody>
+          <a:bodyPr/>
+          <a:lstStyle/>
+          <a:p>
+            <a:endParaRPr lang="ru-RU"/>
+          </a:p>
+        </p:txBody>
+      </p:sp>
+      <p:sp>
+        <p:nvSpPr>
+          <p:cNvPr id="6" name="Slide Number Placeholder 5"/>
+          <p:cNvSpPr>
+            <a:spLocks noGrp="1"/>
+          </p:cNvSpPr>
+          <p:nvPr>
+            <p:ph type="sldNum" sz="quarter" idx="12"/>
+          </p:nvPr>
+        </p:nvSpPr>
+        <p:spPr/>
+        <p:txBody>
+          <a:bodyPr/>
+          <a:lstStyle/>
+          <a:p>
+            <a:fld id="{1BAE393F-BE7C-480E-B436-704E22CD6547}" type="slidenum">
+              <a:rPr lang="ru-RU" smtClean="0"/>
+              <a:t>‹#›</a:t>
+            </a:fld>
+            <a:endParaRPr lang="ru-RU"/>
+          </a:p>
+        </p:txBody>
+      </p:sp>
+    </p:spTree>
+    <p:extLst>
+      <p:ext uri="{BB962C8B-B14F-4D97-AF65-F5344CB8AC3E}">
+        <p14:creationId xmlns:p14="http://schemas.microsoft.com/office/powerpoint/2010/main" val="3700640918"/>
+      </p:ext>
+    </p:extLst>
+  </p:cSld>
+  <p:clrMapOvr>
+    <a:masterClrMapping/>
+  </p:clrMapOvr>
+</p:sldLayout>
+</file>
+
+<file path=ppt/slideLayouts/slideLayout16.xml><?xml version="1.0" encoding="utf-8"?>
 <p:sldLayout xmlns:a="http://schemas.openxmlformats.org/drawingml/2006/main" xmlns:r="http://schemas.openxmlformats.org/officeDocument/2006/relationships" xmlns:p="http://schemas.openxmlformats.org/presentationml/2006/main" type="vertTx" preserve="1">
   <p:cSld name="Заголовок и вертикальный текст">
     <p:spTree>
@@ -344,53 +2772,49 @@
           <a:chExt cx="0" cy="0"/>
         </a:xfrm>
       </p:grpSpPr>
-      <p:sp>
-        <p:nvSpPr>
-          <p:cNvPr id="2" name="Заголовок 1">
+      <p:pic>
+        <p:nvPicPr>
+          <p:cNvPr id="7" name="Picture 6" descr="Celestia-R1---OverlayContentHD.png"/>
+          <p:cNvPicPr>
+            <a:picLocks noChangeAspect="1"/>
+          </p:cNvPicPr>
+          <p:nvPr/>
+        </p:nvPicPr>
+        <p:blipFill>
+          <a:blip r:embed="rId2">
             <a:extLst>
-              <a:ext uri="{FF2B5EF4-FFF2-40B4-BE49-F238E27FC236}">
-                <a16:creationId xmlns:a16="http://schemas.microsoft.com/office/drawing/2014/main" id="{E1FFBB97-E0C3-4938-8D91-F03D4E0AF853}"/>
+              <a:ext uri="{28A0092B-C50C-407E-A947-70E740481C1C}">
+                <a14:useLocalDpi xmlns:a14="http://schemas.microsoft.com/office/drawing/2010/main" val="0"/>
               </a:ext>
             </a:extLst>
-          </p:cNvPr>
-          <p:cNvSpPr>
-            <a:spLocks noGrp="1"/>
-          </p:cNvSpPr>
-          <p:nvPr>
-            <p:ph type="title"/>
+          </a:blip>
+          <a:stretch>
+            <a:fillRect/>
+          </a:stretch>
+        </p:blipFill>
+        <p:spPr>
+          <a:xfrm>
+            <a:off x="0" y="0"/>
+            <a:ext cx="12188825" cy="6856214"/>
+          </a:xfrm>
+          <a:prstGeom prst="rect">
+            <a:avLst/>
+          </a:prstGeom>
+        </p:spPr>
+      </p:pic>
+      <p:sp>
+        <p:nvSpPr>
+          <p:cNvPr id="3" name="Vertical Text Placeholder 2"/>
+          <p:cNvSpPr>
+            <a:spLocks noGrp="1"/>
+          </p:cNvSpPr>
+          <p:nvPr>
+            <p:ph type="body" orient="vert" idx="1"/>
           </p:nvPr>
         </p:nvSpPr>
         <p:spPr/>
         <p:txBody>
-          <a:bodyPr/>
-          <a:lstStyle/>
-          <a:p>
-            <a:r>
-              <a:rPr lang="ru-RU"/>
-              <a:t>Образец заголовка</a:t>
-            </a:r>
-          </a:p>
-        </p:txBody>
-      </p:sp>
-      <p:sp>
-        <p:nvSpPr>
-          <p:cNvPr id="3" name="Вертикальный текст 2">
-            <a:extLst>
-              <a:ext uri="{FF2B5EF4-FFF2-40B4-BE49-F238E27FC236}">
-                <a16:creationId xmlns:a16="http://schemas.microsoft.com/office/drawing/2014/main" id="{B8E6EBC6-68BF-4FCE-A910-1217D9233EFF}"/>
-              </a:ext>
-            </a:extLst>
-          </p:cNvPr>
-          <p:cNvSpPr>
-            <a:spLocks noGrp="1"/>
-          </p:cNvSpPr>
-          <p:nvPr>
-            <p:ph type="body" orient="vert" idx="1"/>
-          </p:nvPr>
-        </p:nvSpPr>
-        <p:spPr/>
-        <p:txBody>
-          <a:bodyPr vert="eaVert"/>
+          <a:bodyPr vert="eaVert" anchor="t"/>
           <a:lstStyle/>
           <a:p>
             <a:pPr lvl="0"/>
@@ -426,18 +2850,13 @@
               <a:rPr lang="ru-RU"/>
               <a:t>Пятый уровень</a:t>
             </a:r>
-          </a:p>
-        </p:txBody>
-      </p:sp>
-      <p:sp>
-        <p:nvSpPr>
-          <p:cNvPr id="4" name="Дата 3">
-            <a:extLst>
-              <a:ext uri="{FF2B5EF4-FFF2-40B4-BE49-F238E27FC236}">
-                <a16:creationId xmlns:a16="http://schemas.microsoft.com/office/drawing/2014/main" id="{05FC58FE-370F-454A-8797-1D4F2D775FA9}"/>
-              </a:ext>
-            </a:extLst>
-          </p:cNvPr>
+            <a:endParaRPr lang="en-US" dirty="0"/>
+          </a:p>
+        </p:txBody>
+      </p:sp>
+      <p:sp>
+        <p:nvSpPr>
+          <p:cNvPr id="4" name="Date Placeholder 3"/>
           <p:cNvSpPr>
             <a:spLocks noGrp="1"/>
           </p:cNvSpPr>
@@ -452,7 +2871,7 @@
           <a:p>
             <a:fld id="{46FE7FA2-437C-4797-917E-FA5D56212DDE}" type="datetimeFigureOut">
               <a:rPr lang="ru-RU" smtClean="0"/>
-              <a:t>05.01.2022</a:t>
+              <a:t>07.01.2022</a:t>
             </a:fld>
             <a:endParaRPr lang="ru-RU"/>
           </a:p>
@@ -460,13 +2879,7 @@
       </p:sp>
       <p:sp>
         <p:nvSpPr>
-          <p:cNvPr id="5" name="Нижний колонтитул 4">
-            <a:extLst>
-              <a:ext uri="{FF2B5EF4-FFF2-40B4-BE49-F238E27FC236}">
-                <a16:creationId xmlns:a16="http://schemas.microsoft.com/office/drawing/2014/main" id="{47C9A4A8-FCCD-47ED-8142-E1442D0FF227}"/>
-              </a:ext>
-            </a:extLst>
-          </p:cNvPr>
+          <p:cNvPr id="5" name="Footer Placeholder 4"/>
           <p:cNvSpPr>
             <a:spLocks noGrp="1"/>
           </p:cNvSpPr>
@@ -485,13 +2898,7 @@
       </p:sp>
       <p:sp>
         <p:nvSpPr>
-          <p:cNvPr id="6" name="Номер слайда 5">
-            <a:extLst>
-              <a:ext uri="{FF2B5EF4-FFF2-40B4-BE49-F238E27FC236}">
-                <a16:creationId xmlns:a16="http://schemas.microsoft.com/office/drawing/2014/main" id="{630DF4BB-D273-4D56-BA97-5485B6FFB1D9}"/>
-              </a:ext>
-            </a:extLst>
-          </p:cNvPr>
+          <p:cNvPr id="6" name="Slide Number Placeholder 5"/>
           <p:cNvSpPr>
             <a:spLocks noGrp="1"/>
           </p:cNvSpPr>
@@ -512,10 +2919,38 @@
           </a:p>
         </p:txBody>
       </p:sp>
+      <p:sp>
+        <p:nvSpPr>
+          <p:cNvPr id="8" name="Title 1"/>
+          <p:cNvSpPr>
+            <a:spLocks noGrp="1"/>
+          </p:cNvSpPr>
+          <p:nvPr>
+            <p:ph type="title"/>
+          </p:nvPr>
+        </p:nvSpPr>
+        <p:spPr>
+          <a:xfrm>
+            <a:off x="685801" y="609600"/>
+            <a:ext cx="10131425" cy="1456267"/>
+          </a:xfrm>
+        </p:spPr>
+        <p:txBody>
+          <a:bodyPr/>
+          <a:lstStyle/>
+          <a:p>
+            <a:r>
+              <a:rPr lang="ru-RU"/>
+              <a:t>Образец заголовка</a:t>
+            </a:r>
+            <a:endParaRPr lang="en-US" dirty="0"/>
+          </a:p>
+        </p:txBody>
+      </p:sp>
     </p:spTree>
     <p:extLst>
       <p:ext uri="{BB962C8B-B14F-4D97-AF65-F5344CB8AC3E}">
-        <p14:creationId xmlns:p14="http://schemas.microsoft.com/office/powerpoint/2010/main" val="3745604951"/>
+        <p14:creationId xmlns:p14="http://schemas.microsoft.com/office/powerpoint/2010/main" val="1961467021"/>
       </p:ext>
     </p:extLst>
   </p:cSld>
@@ -525,7 +2960,7 @@
 </p:sldLayout>
 </file>
 
-<file path=ppt/slideLayouts/slideLayout11.xml><?xml version="1.0" encoding="utf-8"?>
+<file path=ppt/slideLayouts/slideLayout17.xml><?xml version="1.0" encoding="utf-8"?>
 <p:sldLayout xmlns:a="http://schemas.openxmlformats.org/drawingml/2006/main" xmlns:r="http://schemas.openxmlformats.org/officeDocument/2006/relationships" xmlns:p="http://schemas.openxmlformats.org/presentationml/2006/main" type="vertTitleAndTx" preserve="1">
   <p:cSld name="Вертикальный заголовок и текст">
     <p:spTree>
@@ -542,26 +2977,50 @@
           <a:chExt cx="0" cy="0"/>
         </a:xfrm>
       </p:grpSpPr>
-      <p:sp>
-        <p:nvSpPr>
-          <p:cNvPr id="2" name="Вертикальный заголовок 1">
+      <p:pic>
+        <p:nvPicPr>
+          <p:cNvPr id="7" name="Picture 6" descr="Celestia-R1---OverlayContentHD.png"/>
+          <p:cNvPicPr>
+            <a:picLocks noChangeAspect="1"/>
+          </p:cNvPicPr>
+          <p:nvPr/>
+        </p:nvPicPr>
+        <p:blipFill>
+          <a:blip r:embed="rId2">
             <a:extLst>
-              <a:ext uri="{FF2B5EF4-FFF2-40B4-BE49-F238E27FC236}">
-                <a16:creationId xmlns:a16="http://schemas.microsoft.com/office/drawing/2014/main" id="{31E317C9-59A3-4051-859E-D465749547B5}"/>
+              <a:ext uri="{28A0092B-C50C-407E-A947-70E740481C1C}">
+                <a14:useLocalDpi xmlns:a14="http://schemas.microsoft.com/office/drawing/2010/main" val="0"/>
               </a:ext>
             </a:extLst>
-          </p:cNvPr>
-          <p:cNvSpPr>
-            <a:spLocks noGrp="1"/>
-          </p:cNvSpPr>
-          <p:nvPr>
-            <p:ph type="title" orient="vert"/>
-          </p:nvPr>
-        </p:nvSpPr>
+          </a:blip>
+          <a:stretch>
+            <a:fillRect/>
+          </a:stretch>
+        </p:blipFill>
         <p:spPr>
           <a:xfrm>
-            <a:off x="8724900" y="365125"/>
-            <a:ext cx="2628900" cy="5811838"/>
+            <a:off x="0" y="0"/>
+            <a:ext cx="12188825" cy="6856214"/>
+          </a:xfrm>
+          <a:prstGeom prst="rect">
+            <a:avLst/>
+          </a:prstGeom>
+        </p:spPr>
+      </p:pic>
+      <p:sp>
+        <p:nvSpPr>
+          <p:cNvPr id="2" name="Vertical Title 1"/>
+          <p:cNvSpPr>
+            <a:spLocks noGrp="1"/>
+          </p:cNvSpPr>
+          <p:nvPr>
+            <p:ph type="title" orient="vert"/>
+          </p:nvPr>
+        </p:nvSpPr>
+        <p:spPr>
+          <a:xfrm>
+            <a:off x="8658675" y="609599"/>
+            <a:ext cx="2158552" cy="5181601"/>
           </a:xfrm>
         </p:spPr>
         <p:txBody>
@@ -572,18 +3031,13 @@
               <a:rPr lang="ru-RU"/>
               <a:t>Образец заголовка</a:t>
             </a:r>
-          </a:p>
-        </p:txBody>
-      </p:sp>
-      <p:sp>
-        <p:nvSpPr>
-          <p:cNvPr id="3" name="Вертикальный текст 2">
-            <a:extLst>
-              <a:ext uri="{FF2B5EF4-FFF2-40B4-BE49-F238E27FC236}">
-                <a16:creationId xmlns:a16="http://schemas.microsoft.com/office/drawing/2014/main" id="{EE3D5C23-4394-4878-ADED-517970DFF0BC}"/>
-              </a:ext>
-            </a:extLst>
-          </p:cNvPr>
+            <a:endParaRPr lang="en-US" dirty="0"/>
+          </a:p>
+        </p:txBody>
+      </p:sp>
+      <p:sp>
+        <p:nvSpPr>
+          <p:cNvPr id="3" name="Vertical Text Placeholder 2"/>
           <p:cNvSpPr>
             <a:spLocks noGrp="1"/>
           </p:cNvSpPr>
@@ -593,12 +3047,12 @@
         </p:nvSpPr>
         <p:spPr>
           <a:xfrm>
-            <a:off x="838200" y="365125"/>
-            <a:ext cx="7734300" cy="5811838"/>
+            <a:off x="685800" y="609600"/>
+            <a:ext cx="7832116" cy="5181600"/>
           </a:xfrm>
         </p:spPr>
         <p:txBody>
-          <a:bodyPr vert="eaVert"/>
+          <a:bodyPr vert="eaVert" anchor="t"/>
           <a:lstStyle/>
           <a:p>
             <a:pPr lvl="0"/>
@@ -634,18 +3088,13 @@
               <a:rPr lang="ru-RU"/>
               <a:t>Пятый уровень</a:t>
             </a:r>
-          </a:p>
-        </p:txBody>
-      </p:sp>
-      <p:sp>
-        <p:nvSpPr>
-          <p:cNvPr id="4" name="Дата 3">
-            <a:extLst>
-              <a:ext uri="{FF2B5EF4-FFF2-40B4-BE49-F238E27FC236}">
-                <a16:creationId xmlns:a16="http://schemas.microsoft.com/office/drawing/2014/main" id="{D8EDAAED-57DF-42F3-8873-C66051424986}"/>
-              </a:ext>
-            </a:extLst>
-          </p:cNvPr>
+            <a:endParaRPr lang="en-US" dirty="0"/>
+          </a:p>
+        </p:txBody>
+      </p:sp>
+      <p:sp>
+        <p:nvSpPr>
+          <p:cNvPr id="4" name="Date Placeholder 3"/>
           <p:cNvSpPr>
             <a:spLocks noGrp="1"/>
           </p:cNvSpPr>
@@ -660,7 +3109,7 @@
           <a:p>
             <a:fld id="{46FE7FA2-437C-4797-917E-FA5D56212DDE}" type="datetimeFigureOut">
               <a:rPr lang="ru-RU" smtClean="0"/>
-              <a:t>05.01.2022</a:t>
+              <a:t>07.01.2022</a:t>
             </a:fld>
             <a:endParaRPr lang="ru-RU"/>
           </a:p>
@@ -668,13 +3117,7 @@
       </p:sp>
       <p:sp>
         <p:nvSpPr>
-          <p:cNvPr id="5" name="Нижний колонтитул 4">
-            <a:extLst>
-              <a:ext uri="{FF2B5EF4-FFF2-40B4-BE49-F238E27FC236}">
-                <a16:creationId xmlns:a16="http://schemas.microsoft.com/office/drawing/2014/main" id="{05CD862A-05A6-4C39-B61A-AE65100040DF}"/>
-              </a:ext>
-            </a:extLst>
-          </p:cNvPr>
+          <p:cNvPr id="5" name="Footer Placeholder 4"/>
           <p:cNvSpPr>
             <a:spLocks noGrp="1"/>
           </p:cNvSpPr>
@@ -693,13 +3136,7 @@
       </p:sp>
       <p:sp>
         <p:nvSpPr>
-          <p:cNvPr id="6" name="Номер слайда 5">
-            <a:extLst>
-              <a:ext uri="{FF2B5EF4-FFF2-40B4-BE49-F238E27FC236}">
-                <a16:creationId xmlns:a16="http://schemas.microsoft.com/office/drawing/2014/main" id="{5B1DACBF-F3D4-49E0-AFAF-E834A832CCA4}"/>
-              </a:ext>
-            </a:extLst>
-          </p:cNvPr>
+          <p:cNvPr id="6" name="Slide Number Placeholder 5"/>
           <p:cNvSpPr>
             <a:spLocks noGrp="1"/>
           </p:cNvSpPr>
@@ -723,7 +3160,7 @@
     </p:spTree>
     <p:extLst>
       <p:ext uri="{BB962C8B-B14F-4D97-AF65-F5344CB8AC3E}">
-        <p14:creationId xmlns:p14="http://schemas.microsoft.com/office/powerpoint/2010/main" val="1310279362"/>
+        <p14:creationId xmlns:p14="http://schemas.microsoft.com/office/powerpoint/2010/main" val="1014608490"/>
       </p:ext>
     </p:extLst>
   </p:cSld>
@@ -750,15 +3187,39 @@
           <a:chExt cx="0" cy="0"/>
         </a:xfrm>
       </p:grpSpPr>
-      <p:sp>
-        <p:nvSpPr>
-          <p:cNvPr id="2" name="Заголовок 1">
+      <p:pic>
+        <p:nvPicPr>
+          <p:cNvPr id="7" name="Picture 6" descr="Celestia-R1---OverlayContentHD.png"/>
+          <p:cNvPicPr>
+            <a:picLocks noChangeAspect="1"/>
+          </p:cNvPicPr>
+          <p:nvPr/>
+        </p:nvPicPr>
+        <p:blipFill>
+          <a:blip r:embed="rId2">
             <a:extLst>
-              <a:ext uri="{FF2B5EF4-FFF2-40B4-BE49-F238E27FC236}">
-                <a16:creationId xmlns:a16="http://schemas.microsoft.com/office/drawing/2014/main" id="{FF9D7ED5-4B07-4DB3-A994-A03E98596D64}"/>
+              <a:ext uri="{28A0092B-C50C-407E-A947-70E740481C1C}">
+                <a14:useLocalDpi xmlns:a14="http://schemas.microsoft.com/office/drawing/2010/main" val="0"/>
               </a:ext>
             </a:extLst>
-          </p:cNvPr>
+          </a:blip>
+          <a:stretch>
+            <a:fillRect/>
+          </a:stretch>
+        </p:blipFill>
+        <p:spPr>
+          <a:xfrm>
+            <a:off x="0" y="0"/>
+            <a:ext cx="12188825" cy="6856214"/>
+          </a:xfrm>
+          <a:prstGeom prst="rect">
+            <a:avLst/>
+          </a:prstGeom>
+        </p:spPr>
+      </p:pic>
+      <p:sp>
+        <p:nvSpPr>
+          <p:cNvPr id="2" name="Title 1"/>
           <p:cNvSpPr>
             <a:spLocks noGrp="1"/>
           </p:cNvSpPr>
@@ -775,18 +3236,13 @@
               <a:rPr lang="ru-RU"/>
               <a:t>Образец заголовка</a:t>
             </a:r>
-          </a:p>
-        </p:txBody>
-      </p:sp>
-      <p:sp>
-        <p:nvSpPr>
-          <p:cNvPr id="3" name="Объект 2">
-            <a:extLst>
-              <a:ext uri="{FF2B5EF4-FFF2-40B4-BE49-F238E27FC236}">
-                <a16:creationId xmlns:a16="http://schemas.microsoft.com/office/drawing/2014/main" id="{3883D394-E2E2-46C6-AD06-DFB2B084150E}"/>
-              </a:ext>
-            </a:extLst>
-          </p:cNvPr>
+            <a:endParaRPr lang="en-US" dirty="0"/>
+          </a:p>
+        </p:txBody>
+      </p:sp>
+      <p:sp>
+        <p:nvSpPr>
+          <p:cNvPr id="3" name="Content Placeholder 2"/>
           <p:cNvSpPr>
             <a:spLocks noGrp="1"/>
           </p:cNvSpPr>
@@ -796,7 +3252,7 @@
         </p:nvSpPr>
         <p:spPr/>
         <p:txBody>
-          <a:bodyPr/>
+          <a:bodyPr anchor="ctr"/>
           <a:lstStyle/>
           <a:p>
             <a:pPr lvl="0"/>
@@ -832,18 +3288,13 @@
               <a:rPr lang="ru-RU"/>
               <a:t>Пятый уровень</a:t>
             </a:r>
-          </a:p>
-        </p:txBody>
-      </p:sp>
-      <p:sp>
-        <p:nvSpPr>
-          <p:cNvPr id="4" name="Дата 3">
-            <a:extLst>
-              <a:ext uri="{FF2B5EF4-FFF2-40B4-BE49-F238E27FC236}">
-                <a16:creationId xmlns:a16="http://schemas.microsoft.com/office/drawing/2014/main" id="{5973DBD6-DFDE-41B0-9056-F32119C639B2}"/>
-              </a:ext>
-            </a:extLst>
-          </p:cNvPr>
+            <a:endParaRPr lang="en-US" dirty="0"/>
+          </a:p>
+        </p:txBody>
+      </p:sp>
+      <p:sp>
+        <p:nvSpPr>
+          <p:cNvPr id="4" name="Date Placeholder 3"/>
           <p:cNvSpPr>
             <a:spLocks noGrp="1"/>
           </p:cNvSpPr>
@@ -858,7 +3309,7 @@
           <a:p>
             <a:fld id="{46FE7FA2-437C-4797-917E-FA5D56212DDE}" type="datetimeFigureOut">
               <a:rPr lang="ru-RU" smtClean="0"/>
-              <a:t>05.01.2022</a:t>
+              <a:t>07.01.2022</a:t>
             </a:fld>
             <a:endParaRPr lang="ru-RU"/>
           </a:p>
@@ -866,13 +3317,7 @@
       </p:sp>
       <p:sp>
         <p:nvSpPr>
-          <p:cNvPr id="5" name="Нижний колонтитул 4">
-            <a:extLst>
-              <a:ext uri="{FF2B5EF4-FFF2-40B4-BE49-F238E27FC236}">
-                <a16:creationId xmlns:a16="http://schemas.microsoft.com/office/drawing/2014/main" id="{BCDB9153-B03A-4EFE-8E89-70B78473675C}"/>
-              </a:ext>
-            </a:extLst>
-          </p:cNvPr>
+          <p:cNvPr id="5" name="Footer Placeholder 4"/>
           <p:cNvSpPr>
             <a:spLocks noGrp="1"/>
           </p:cNvSpPr>
@@ -891,13 +3336,7 @@
       </p:sp>
       <p:sp>
         <p:nvSpPr>
-          <p:cNvPr id="6" name="Номер слайда 5">
-            <a:extLst>
-              <a:ext uri="{FF2B5EF4-FFF2-40B4-BE49-F238E27FC236}">
-                <a16:creationId xmlns:a16="http://schemas.microsoft.com/office/drawing/2014/main" id="{D64089DD-E843-4B51-8972-73271C71D9FE}"/>
-              </a:ext>
-            </a:extLst>
-          </p:cNvPr>
+          <p:cNvPr id="6" name="Slide Number Placeholder 5"/>
           <p:cNvSpPr>
             <a:spLocks noGrp="1"/>
           </p:cNvSpPr>
@@ -921,7 +3360,7 @@
     </p:spTree>
     <p:extLst>
       <p:ext uri="{BB962C8B-B14F-4D97-AF65-F5344CB8AC3E}">
-        <p14:creationId xmlns:p14="http://schemas.microsoft.com/office/powerpoint/2010/main" val="2066591864"/>
+        <p14:creationId xmlns:p14="http://schemas.microsoft.com/office/powerpoint/2010/main" val="3774547326"/>
       </p:ext>
     </p:extLst>
   </p:cSld>
@@ -948,33 +3387,57 @@
           <a:chExt cx="0" cy="0"/>
         </a:xfrm>
       </p:grpSpPr>
-      <p:sp>
-        <p:nvSpPr>
-          <p:cNvPr id="2" name="Заголовок 1">
+      <p:pic>
+        <p:nvPicPr>
+          <p:cNvPr id="7" name="Picture 6" descr="Celestia-R1---OverlayContentHD.png"/>
+          <p:cNvPicPr>
+            <a:picLocks noChangeAspect="1"/>
+          </p:cNvPicPr>
+          <p:nvPr/>
+        </p:nvPicPr>
+        <p:blipFill>
+          <a:blip r:embed="rId2">
             <a:extLst>
-              <a:ext uri="{FF2B5EF4-FFF2-40B4-BE49-F238E27FC236}">
-                <a16:creationId xmlns:a16="http://schemas.microsoft.com/office/drawing/2014/main" id="{44099A65-8A86-4C0E-A96E-4518D5A5F799}"/>
+              <a:ext uri="{28A0092B-C50C-407E-A947-70E740481C1C}">
+                <a14:useLocalDpi xmlns:a14="http://schemas.microsoft.com/office/drawing/2010/main" val="0"/>
               </a:ext>
             </a:extLst>
-          </p:cNvPr>
-          <p:cNvSpPr>
-            <a:spLocks noGrp="1"/>
-          </p:cNvSpPr>
-          <p:nvPr>
-            <p:ph type="title"/>
-          </p:nvPr>
-        </p:nvSpPr>
+          </a:blip>
+          <a:stretch>
+            <a:fillRect/>
+          </a:stretch>
+        </p:blipFill>
         <p:spPr>
           <a:xfrm>
-            <a:off x="831850" y="1709738"/>
-            <a:ext cx="10515600" cy="2852737"/>
+            <a:off x="0" y="0"/>
+            <a:ext cx="12188825" cy="6856214"/>
+          </a:xfrm>
+          <a:prstGeom prst="rect">
+            <a:avLst/>
+          </a:prstGeom>
+        </p:spPr>
+      </p:pic>
+      <p:sp>
+        <p:nvSpPr>
+          <p:cNvPr id="2" name="Title 1"/>
+          <p:cNvSpPr>
+            <a:spLocks noGrp="1"/>
+          </p:cNvSpPr>
+          <p:nvPr>
+            <p:ph type="title"/>
+          </p:nvPr>
+        </p:nvSpPr>
+        <p:spPr>
+          <a:xfrm>
+            <a:off x="685800" y="3308581"/>
+            <a:ext cx="10131427" cy="1468800"/>
           </a:xfrm>
         </p:spPr>
         <p:txBody>
           <a:bodyPr anchor="b"/>
           <a:lstStyle>
-            <a:lvl1pPr>
-              <a:defRPr sz="6000"/>
+            <a:lvl1pPr algn="l">
+              <a:defRPr sz="4000" b="0" cap="all"/>
             </a:lvl1pPr>
           </a:lstStyle>
           <a:p>
@@ -982,18 +3445,13 @@
               <a:rPr lang="ru-RU"/>
               <a:t>Образец заголовка</a:t>
             </a:r>
-          </a:p>
-        </p:txBody>
-      </p:sp>
-      <p:sp>
-        <p:nvSpPr>
-          <p:cNvPr id="3" name="Текст 2">
-            <a:extLst>
-              <a:ext uri="{FF2B5EF4-FFF2-40B4-BE49-F238E27FC236}">
-                <a16:creationId xmlns:a16="http://schemas.microsoft.com/office/drawing/2014/main" id="{4C29B82F-4FFC-4A20-ACDD-075B0528568A}"/>
-              </a:ext>
-            </a:extLst>
-          </p:cNvPr>
+            <a:endParaRPr lang="en-US" dirty="0"/>
+          </a:p>
+        </p:txBody>
+      </p:sp>
+      <p:sp>
+        <p:nvSpPr>
+          <p:cNvPr id="3" name="Text Placeholder 2"/>
           <p:cNvSpPr>
             <a:spLocks noGrp="1"/>
           </p:cNvSpPr>
@@ -1003,102 +3461,102 @@
         </p:nvSpPr>
         <p:spPr>
           <a:xfrm>
-            <a:off x="831850" y="4589463"/>
-            <a:ext cx="10515600" cy="1500187"/>
+            <a:off x="685799" y="4777381"/>
+            <a:ext cx="10131428" cy="860400"/>
           </a:xfrm>
         </p:spPr>
         <p:txBody>
-          <a:bodyPr/>
+          <a:bodyPr anchor="t">
+            <a:normAutofit/>
+          </a:bodyPr>
           <a:lstStyle>
-            <a:lvl1pPr marL="0" indent="0">
-              <a:buNone/>
-              <a:defRPr sz="2400">
+            <a:lvl1pPr marL="0" indent="0" algn="l">
+              <a:buNone/>
+              <a:defRPr sz="2000" cap="all">
+                <a:solidFill>
+                  <a:schemeClr val="tx1"/>
+                </a:solidFill>
+              </a:defRPr>
+            </a:lvl1pPr>
+            <a:lvl2pPr marL="457200" indent="0">
+              <a:buNone/>
+              <a:defRPr sz="1800">
                 <a:solidFill>
                   <a:schemeClr val="tx1">
                     <a:tint val="75000"/>
                   </a:schemeClr>
                 </a:solidFill>
               </a:defRPr>
-            </a:lvl1pPr>
-            <a:lvl2pPr marL="457200" indent="0">
-              <a:buNone/>
-              <a:defRPr sz="2000">
+            </a:lvl2pPr>
+            <a:lvl3pPr marL="914400" indent="0">
+              <a:buNone/>
+              <a:defRPr sz="1600">
                 <a:solidFill>
                   <a:schemeClr val="tx1">
                     <a:tint val="75000"/>
                   </a:schemeClr>
                 </a:solidFill>
               </a:defRPr>
-            </a:lvl2pPr>
-            <a:lvl3pPr marL="914400" indent="0">
-              <a:buNone/>
-              <a:defRPr sz="1800">
+            </a:lvl3pPr>
+            <a:lvl4pPr marL="1371600" indent="0">
+              <a:buNone/>
+              <a:defRPr sz="1400">
                 <a:solidFill>
                   <a:schemeClr val="tx1">
                     <a:tint val="75000"/>
                   </a:schemeClr>
                 </a:solidFill>
               </a:defRPr>
-            </a:lvl3pPr>
-            <a:lvl4pPr marL="1371600" indent="0">
-              <a:buNone/>
-              <a:defRPr sz="1600">
+            </a:lvl4pPr>
+            <a:lvl5pPr marL="1828800" indent="0">
+              <a:buNone/>
+              <a:defRPr sz="1400">
                 <a:solidFill>
                   <a:schemeClr val="tx1">
                     <a:tint val="75000"/>
                   </a:schemeClr>
                 </a:solidFill>
               </a:defRPr>
-            </a:lvl4pPr>
-            <a:lvl5pPr marL="1828800" indent="0">
-              <a:buNone/>
-              <a:defRPr sz="1600">
+            </a:lvl5pPr>
+            <a:lvl6pPr marL="2286000" indent="0">
+              <a:buNone/>
+              <a:defRPr sz="1400">
                 <a:solidFill>
                   <a:schemeClr val="tx1">
                     <a:tint val="75000"/>
                   </a:schemeClr>
                 </a:solidFill>
               </a:defRPr>
-            </a:lvl5pPr>
-            <a:lvl6pPr marL="2286000" indent="0">
-              <a:buNone/>
-              <a:defRPr sz="1600">
+            </a:lvl6pPr>
+            <a:lvl7pPr marL="2743200" indent="0">
+              <a:buNone/>
+              <a:defRPr sz="1400">
                 <a:solidFill>
                   <a:schemeClr val="tx1">
                     <a:tint val="75000"/>
                   </a:schemeClr>
                 </a:solidFill>
               </a:defRPr>
-            </a:lvl6pPr>
-            <a:lvl7pPr marL="2743200" indent="0">
-              <a:buNone/>
-              <a:defRPr sz="1600">
+            </a:lvl7pPr>
+            <a:lvl8pPr marL="3200400" indent="0">
+              <a:buNone/>
+              <a:defRPr sz="1400">
                 <a:solidFill>
                   <a:schemeClr val="tx1">
                     <a:tint val="75000"/>
                   </a:schemeClr>
                 </a:solidFill>
               </a:defRPr>
-            </a:lvl7pPr>
-            <a:lvl8pPr marL="3200400" indent="0">
-              <a:buNone/>
-              <a:defRPr sz="1600">
+            </a:lvl8pPr>
+            <a:lvl9pPr marL="3657600" indent="0">
+              <a:buNone/>
+              <a:defRPr sz="1400">
                 <a:solidFill>
                   <a:schemeClr val="tx1">
                     <a:tint val="75000"/>
                   </a:schemeClr>
                 </a:solidFill>
               </a:defRPr>
-            </a:lvl8pPr>
-            <a:lvl9pPr marL="3657600" indent="0">
-              <a:buNone/>
-              <a:defRPr sz="1600">
-                <a:solidFill>
-                  <a:schemeClr val="tx1">
-                    <a:tint val="75000"/>
-                  </a:schemeClr>
-                </a:solidFill>
-              </a:defRPr>
             </a:lvl9pPr>
           </a:lstStyle>
           <a:p>
@@ -1112,13 +3570,7 @@
       </p:sp>
       <p:sp>
         <p:nvSpPr>
-          <p:cNvPr id="4" name="Дата 3">
-            <a:extLst>
-              <a:ext uri="{FF2B5EF4-FFF2-40B4-BE49-F238E27FC236}">
-                <a16:creationId xmlns:a16="http://schemas.microsoft.com/office/drawing/2014/main" id="{BB7B4AE2-6B82-4814-84DC-0AE3AFA315DF}"/>
-              </a:ext>
-            </a:extLst>
-          </p:cNvPr>
+          <p:cNvPr id="4" name="Date Placeholder 3"/>
           <p:cNvSpPr>
             <a:spLocks noGrp="1"/>
           </p:cNvSpPr>
@@ -1133,7 +3585,7 @@
           <a:p>
             <a:fld id="{46FE7FA2-437C-4797-917E-FA5D56212DDE}" type="datetimeFigureOut">
               <a:rPr lang="ru-RU" smtClean="0"/>
-              <a:t>05.01.2022</a:t>
+              <a:t>07.01.2022</a:t>
             </a:fld>
             <a:endParaRPr lang="ru-RU"/>
           </a:p>
@@ -1141,13 +3593,7 @@
       </p:sp>
       <p:sp>
         <p:nvSpPr>
-          <p:cNvPr id="5" name="Нижний колонтитул 4">
-            <a:extLst>
-              <a:ext uri="{FF2B5EF4-FFF2-40B4-BE49-F238E27FC236}">
-                <a16:creationId xmlns:a16="http://schemas.microsoft.com/office/drawing/2014/main" id="{121437C6-FE95-4BCA-83EE-6D85BB69D1D3}"/>
-              </a:ext>
-            </a:extLst>
-          </p:cNvPr>
+          <p:cNvPr id="5" name="Footer Placeholder 4"/>
           <p:cNvSpPr>
             <a:spLocks noGrp="1"/>
           </p:cNvSpPr>
@@ -1166,13 +3612,7 @@
       </p:sp>
       <p:sp>
         <p:nvSpPr>
-          <p:cNvPr id="6" name="Номер слайда 5">
-            <a:extLst>
-              <a:ext uri="{FF2B5EF4-FFF2-40B4-BE49-F238E27FC236}">
-                <a16:creationId xmlns:a16="http://schemas.microsoft.com/office/drawing/2014/main" id="{36FCCCF5-DF3A-4F81-AF14-794F7A475D9C}"/>
-              </a:ext>
-            </a:extLst>
-          </p:cNvPr>
+          <p:cNvPr id="6" name="Slide Number Placeholder 5"/>
           <p:cNvSpPr>
             <a:spLocks noGrp="1"/>
           </p:cNvSpPr>
@@ -1196,7 +3636,7 @@
     </p:spTree>
     <p:extLst>
       <p:ext uri="{BB962C8B-B14F-4D97-AF65-F5344CB8AC3E}">
-        <p14:creationId xmlns:p14="http://schemas.microsoft.com/office/powerpoint/2010/main" val="164070530"/>
+        <p14:creationId xmlns:p14="http://schemas.microsoft.com/office/powerpoint/2010/main" val="2566246995"/>
       </p:ext>
     </p:extLst>
   </p:cSld>
@@ -1223,58 +3663,79 @@
           <a:chExt cx="0" cy="0"/>
         </a:xfrm>
       </p:grpSpPr>
-      <p:sp>
-        <p:nvSpPr>
-          <p:cNvPr id="2" name="Заголовок 1">
+      <p:pic>
+        <p:nvPicPr>
+          <p:cNvPr id="8" name="Picture 7" descr="Celestia-R1---OverlayContentHD.png"/>
+          <p:cNvPicPr>
+            <a:picLocks noChangeAspect="1"/>
+          </p:cNvPicPr>
+          <p:nvPr/>
+        </p:nvPicPr>
+        <p:blipFill>
+          <a:blip r:embed="rId2">
             <a:extLst>
-              <a:ext uri="{FF2B5EF4-FFF2-40B4-BE49-F238E27FC236}">
-                <a16:creationId xmlns:a16="http://schemas.microsoft.com/office/drawing/2014/main" id="{40798311-F179-430F-8302-01DFFBD93C98}"/>
+              <a:ext uri="{28A0092B-C50C-407E-A947-70E740481C1C}">
+                <a14:useLocalDpi xmlns:a14="http://schemas.microsoft.com/office/drawing/2010/main" val="0"/>
               </a:ext>
             </a:extLst>
-          </p:cNvPr>
-          <p:cNvSpPr>
-            <a:spLocks noGrp="1"/>
-          </p:cNvSpPr>
-          <p:nvPr>
-            <p:ph type="title"/>
-          </p:nvPr>
-        </p:nvSpPr>
-        <p:spPr/>
-        <p:txBody>
-          <a:bodyPr/>
-          <a:lstStyle/>
-          <a:p>
-            <a:r>
-              <a:rPr lang="ru-RU"/>
-              <a:t>Образец заголовка</a:t>
-            </a:r>
-          </a:p>
-        </p:txBody>
-      </p:sp>
-      <p:sp>
-        <p:nvSpPr>
-          <p:cNvPr id="3" name="Объект 2">
-            <a:extLst>
-              <a:ext uri="{FF2B5EF4-FFF2-40B4-BE49-F238E27FC236}">
-                <a16:creationId xmlns:a16="http://schemas.microsoft.com/office/drawing/2014/main" id="{2A1BB122-74DB-499D-883C-4EDB9F1501B5}"/>
-              </a:ext>
-            </a:extLst>
-          </p:cNvPr>
-          <p:cNvSpPr>
-            <a:spLocks noGrp="1"/>
-          </p:cNvSpPr>
-          <p:nvPr>
-            <p:ph sz="half" idx="1"/>
-          </p:nvPr>
-        </p:nvSpPr>
+          </a:blip>
+          <a:stretch>
+            <a:fillRect/>
+          </a:stretch>
+        </p:blipFill>
         <p:spPr>
           <a:xfrm>
-            <a:off x="838200" y="1825625"/>
-            <a:ext cx="5181600" cy="4351338"/>
+            <a:off x="0" y="0"/>
+            <a:ext cx="12188825" cy="6856214"/>
+          </a:xfrm>
+          <a:prstGeom prst="rect">
+            <a:avLst/>
+          </a:prstGeom>
+        </p:spPr>
+      </p:pic>
+      <p:sp>
+        <p:nvSpPr>
+          <p:cNvPr id="2" name="Title 1"/>
+          <p:cNvSpPr>
+            <a:spLocks noGrp="1"/>
+          </p:cNvSpPr>
+          <p:nvPr>
+            <p:ph type="title"/>
+          </p:nvPr>
+        </p:nvSpPr>
+        <p:spPr/>
+        <p:txBody>
+          <a:bodyPr/>
+          <a:lstStyle/>
+          <a:p>
+            <a:r>
+              <a:rPr lang="ru-RU"/>
+              <a:t>Образец заголовка</a:t>
+            </a:r>
+            <a:endParaRPr lang="en-US" dirty="0"/>
+          </a:p>
+        </p:txBody>
+      </p:sp>
+      <p:sp>
+        <p:nvSpPr>
+          <p:cNvPr id="3" name="Content Placeholder 2"/>
+          <p:cNvSpPr>
+            <a:spLocks noGrp="1"/>
+          </p:cNvSpPr>
+          <p:nvPr>
+            <p:ph sz="half" idx="1"/>
+          </p:nvPr>
+        </p:nvSpPr>
+        <p:spPr>
+          <a:xfrm>
+            <a:off x="685802" y="2142067"/>
+            <a:ext cx="4995334" cy="3649134"/>
           </a:xfrm>
         </p:spPr>
         <p:txBody>
-          <a:bodyPr/>
+          <a:bodyPr>
+            <a:normAutofit/>
+          </a:bodyPr>
           <a:lstStyle/>
           <a:p>
             <a:pPr lvl="0"/>
@@ -1310,18 +3771,13 @@
               <a:rPr lang="ru-RU"/>
               <a:t>Пятый уровень</a:t>
             </a:r>
-          </a:p>
-        </p:txBody>
-      </p:sp>
-      <p:sp>
-        <p:nvSpPr>
-          <p:cNvPr id="4" name="Объект 3">
-            <a:extLst>
-              <a:ext uri="{FF2B5EF4-FFF2-40B4-BE49-F238E27FC236}">
-                <a16:creationId xmlns:a16="http://schemas.microsoft.com/office/drawing/2014/main" id="{2FADD0FC-BF9D-499F-B621-CF1A5AD8F1DB}"/>
-              </a:ext>
-            </a:extLst>
-          </p:cNvPr>
+            <a:endParaRPr lang="en-US" dirty="0"/>
+          </a:p>
+        </p:txBody>
+      </p:sp>
+      <p:sp>
+        <p:nvSpPr>
+          <p:cNvPr id="4" name="Content Placeholder 3"/>
           <p:cNvSpPr>
             <a:spLocks noGrp="1"/>
           </p:cNvSpPr>
@@ -1331,12 +3787,14 @@
         </p:nvSpPr>
         <p:spPr>
           <a:xfrm>
-            <a:off x="6172200" y="1825625"/>
-            <a:ext cx="5181600" cy="4351338"/>
+            <a:off x="5821895" y="2142067"/>
+            <a:ext cx="4995332" cy="3649133"/>
           </a:xfrm>
         </p:spPr>
         <p:txBody>
-          <a:bodyPr/>
+          <a:bodyPr>
+            <a:normAutofit/>
+          </a:bodyPr>
           <a:lstStyle/>
           <a:p>
             <a:pPr lvl="0"/>
@@ -1372,18 +3830,13 @@
               <a:rPr lang="ru-RU"/>
               <a:t>Пятый уровень</a:t>
             </a:r>
-          </a:p>
-        </p:txBody>
-      </p:sp>
-      <p:sp>
-        <p:nvSpPr>
-          <p:cNvPr id="5" name="Дата 4">
-            <a:extLst>
-              <a:ext uri="{FF2B5EF4-FFF2-40B4-BE49-F238E27FC236}">
-                <a16:creationId xmlns:a16="http://schemas.microsoft.com/office/drawing/2014/main" id="{C2921D4A-DA62-4FA7-8108-C0C99A5686F6}"/>
-              </a:ext>
-            </a:extLst>
-          </p:cNvPr>
+            <a:endParaRPr lang="en-US" dirty="0"/>
+          </a:p>
+        </p:txBody>
+      </p:sp>
+      <p:sp>
+        <p:nvSpPr>
+          <p:cNvPr id="5" name="Date Placeholder 4"/>
           <p:cNvSpPr>
             <a:spLocks noGrp="1"/>
           </p:cNvSpPr>
@@ -1398,7 +3851,7 @@
           <a:p>
             <a:fld id="{46FE7FA2-437C-4797-917E-FA5D56212DDE}" type="datetimeFigureOut">
               <a:rPr lang="ru-RU" smtClean="0"/>
-              <a:t>05.01.2022</a:t>
+              <a:t>07.01.2022</a:t>
             </a:fld>
             <a:endParaRPr lang="ru-RU"/>
           </a:p>
@@ -1406,13 +3859,7 @@
       </p:sp>
       <p:sp>
         <p:nvSpPr>
-          <p:cNvPr id="6" name="Нижний колонтитул 5">
-            <a:extLst>
-              <a:ext uri="{FF2B5EF4-FFF2-40B4-BE49-F238E27FC236}">
-                <a16:creationId xmlns:a16="http://schemas.microsoft.com/office/drawing/2014/main" id="{B8BE2383-1F8B-46EA-8E70-8DCDF2F89182}"/>
-              </a:ext>
-            </a:extLst>
-          </p:cNvPr>
+          <p:cNvPr id="6" name="Footer Placeholder 5"/>
           <p:cNvSpPr>
             <a:spLocks noGrp="1"/>
           </p:cNvSpPr>
@@ -1431,13 +3878,7 @@
       </p:sp>
       <p:sp>
         <p:nvSpPr>
-          <p:cNvPr id="7" name="Номер слайда 6">
-            <a:extLst>
-              <a:ext uri="{FF2B5EF4-FFF2-40B4-BE49-F238E27FC236}">
-                <a16:creationId xmlns:a16="http://schemas.microsoft.com/office/drawing/2014/main" id="{BD30AD36-EBC1-46ED-B898-6D5B061B9987}"/>
-              </a:ext>
-            </a:extLst>
-          </p:cNvPr>
+          <p:cNvPr id="7" name="Slide Number Placeholder 6"/>
           <p:cNvSpPr>
             <a:spLocks noGrp="1"/>
           </p:cNvSpPr>
@@ -1461,7 +3902,7 @@
     </p:spTree>
     <p:extLst>
       <p:ext uri="{BB962C8B-B14F-4D97-AF65-F5344CB8AC3E}">
-        <p14:creationId xmlns:p14="http://schemas.microsoft.com/office/powerpoint/2010/main" val="987677741"/>
+        <p14:creationId xmlns:p14="http://schemas.microsoft.com/office/powerpoint/2010/main" val="2020326929"/>
       </p:ext>
     </p:extLst>
   </p:cSld>
@@ -1490,65 +3931,55 @@
       </p:grpSpPr>
       <p:sp>
         <p:nvSpPr>
-          <p:cNvPr id="2" name="Заголовок 1">
-            <a:extLst>
-              <a:ext uri="{FF2B5EF4-FFF2-40B4-BE49-F238E27FC236}">
-                <a16:creationId xmlns:a16="http://schemas.microsoft.com/office/drawing/2014/main" id="{8B493641-CEAA-42AA-ABCF-48387A7EACB3}"/>
-              </a:ext>
-            </a:extLst>
-          </p:cNvPr>
+          <p:cNvPr id="2" name="Title 1"/>
           <p:cNvSpPr>
             <a:spLocks noGrp="1"/>
           </p:cNvSpPr>
           <p:nvPr>
             <p:ph type="title"/>
+          </p:nvPr>
+        </p:nvSpPr>
+        <p:spPr/>
+        <p:txBody>
+          <a:bodyPr/>
+          <a:lstStyle>
+            <a:lvl1pPr>
+              <a:defRPr/>
+            </a:lvl1pPr>
+          </a:lstStyle>
+          <a:p>
+            <a:r>
+              <a:rPr lang="ru-RU"/>
+              <a:t>Образец заголовка</a:t>
+            </a:r>
+            <a:endParaRPr lang="en-US" dirty="0"/>
+          </a:p>
+        </p:txBody>
+      </p:sp>
+      <p:sp>
+        <p:nvSpPr>
+          <p:cNvPr id="3" name="Text Placeholder 2"/>
+          <p:cNvSpPr>
+            <a:spLocks noGrp="1"/>
+          </p:cNvSpPr>
+          <p:nvPr>
+            <p:ph type="body" idx="1"/>
           </p:nvPr>
         </p:nvSpPr>
         <p:spPr>
           <a:xfrm>
-            <a:off x="839788" y="365125"/>
-            <a:ext cx="10515600" cy="1325563"/>
+            <a:off x="973670" y="2218267"/>
+            <a:ext cx="4709054" cy="576262"/>
           </a:xfrm>
         </p:spPr>
         <p:txBody>
-          <a:bodyPr/>
-          <a:lstStyle/>
-          <a:p>
-            <a:r>
-              <a:rPr lang="ru-RU"/>
-              <a:t>Образец заголовка</a:t>
-            </a:r>
-          </a:p>
-        </p:txBody>
-      </p:sp>
-      <p:sp>
-        <p:nvSpPr>
-          <p:cNvPr id="3" name="Текст 2">
-            <a:extLst>
-              <a:ext uri="{FF2B5EF4-FFF2-40B4-BE49-F238E27FC236}">
-                <a16:creationId xmlns:a16="http://schemas.microsoft.com/office/drawing/2014/main" id="{8379D730-F33E-488E-9FA9-CBA3C4EF64EA}"/>
-              </a:ext>
-            </a:extLst>
-          </p:cNvPr>
-          <p:cNvSpPr>
-            <a:spLocks noGrp="1"/>
-          </p:cNvSpPr>
-          <p:nvPr>
-            <p:ph type="body" idx="1"/>
-          </p:nvPr>
-        </p:nvSpPr>
-        <p:spPr>
-          <a:xfrm>
-            <a:off x="839788" y="1681163"/>
-            <a:ext cx="5157787" cy="823912"/>
-          </a:xfrm>
-        </p:spPr>
-        <p:txBody>
-          <a:bodyPr anchor="b"/>
+          <a:bodyPr anchor="b">
+            <a:noAutofit/>
+          </a:bodyPr>
           <a:lstStyle>
             <a:lvl1pPr marL="0" indent="0">
               <a:buNone/>
-              <a:defRPr sz="2400" b="1"/>
+              <a:defRPr sz="2800" b="0"/>
             </a:lvl1pPr>
             <a:lvl2pPr marL="457200" indent="0">
               <a:buNone/>
@@ -1594,13 +4025,7 @@
       </p:sp>
       <p:sp>
         <p:nvSpPr>
-          <p:cNvPr id="4" name="Объект 3">
-            <a:extLst>
-              <a:ext uri="{FF2B5EF4-FFF2-40B4-BE49-F238E27FC236}">
-                <a16:creationId xmlns:a16="http://schemas.microsoft.com/office/drawing/2014/main" id="{24ADFCC9-E404-4EDA-A5E3-4F9C4041D8FA}"/>
-              </a:ext>
-            </a:extLst>
-          </p:cNvPr>
+          <p:cNvPr id="4" name="Content Placeholder 3"/>
           <p:cNvSpPr>
             <a:spLocks noGrp="1"/>
           </p:cNvSpPr>
@@ -1610,12 +4035,14 @@
         </p:nvSpPr>
         <p:spPr>
           <a:xfrm>
-            <a:off x="839788" y="2505075"/>
-            <a:ext cx="5157787" cy="3684588"/>
+            <a:off x="685801" y="2870201"/>
+            <a:ext cx="4996923" cy="2920998"/>
           </a:xfrm>
         </p:spPr>
         <p:txBody>
-          <a:bodyPr/>
+          <a:bodyPr anchor="t">
+            <a:normAutofit/>
+          </a:bodyPr>
           <a:lstStyle/>
           <a:p>
             <a:pPr lvl="0"/>
@@ -1651,18 +4078,13 @@
               <a:rPr lang="ru-RU"/>
               <a:t>Пятый уровень</a:t>
             </a:r>
-          </a:p>
-        </p:txBody>
-      </p:sp>
-      <p:sp>
-        <p:nvSpPr>
-          <p:cNvPr id="5" name="Текст 4">
-            <a:extLst>
-              <a:ext uri="{FF2B5EF4-FFF2-40B4-BE49-F238E27FC236}">
-                <a16:creationId xmlns:a16="http://schemas.microsoft.com/office/drawing/2014/main" id="{B29426B8-7C06-4D52-8E6B-B423CC101543}"/>
-              </a:ext>
-            </a:extLst>
-          </p:cNvPr>
+            <a:endParaRPr lang="en-US" dirty="0"/>
+          </a:p>
+        </p:txBody>
+      </p:sp>
+      <p:sp>
+        <p:nvSpPr>
+          <p:cNvPr id="5" name="Text Placeholder 4"/>
           <p:cNvSpPr>
             <a:spLocks noGrp="1"/>
           </p:cNvSpPr>
@@ -1672,16 +4094,18 @@
         </p:nvSpPr>
         <p:spPr>
           <a:xfrm>
-            <a:off x="6172200" y="1681163"/>
-            <a:ext cx="5183188" cy="823912"/>
+            <a:off x="6096003" y="2226734"/>
+            <a:ext cx="4722813" cy="576262"/>
           </a:xfrm>
         </p:spPr>
         <p:txBody>
-          <a:bodyPr anchor="b"/>
+          <a:bodyPr anchor="b">
+            <a:noAutofit/>
+          </a:bodyPr>
           <a:lstStyle>
             <a:lvl1pPr marL="0" indent="0">
               <a:buNone/>
-              <a:defRPr sz="2400" b="1"/>
+              <a:defRPr sz="2800" b="0"/>
             </a:lvl1pPr>
             <a:lvl2pPr marL="457200" indent="0">
               <a:buNone/>
@@ -1727,13 +4151,7 @@
       </p:sp>
       <p:sp>
         <p:nvSpPr>
-          <p:cNvPr id="6" name="Объект 5">
-            <a:extLst>
-              <a:ext uri="{FF2B5EF4-FFF2-40B4-BE49-F238E27FC236}">
-                <a16:creationId xmlns:a16="http://schemas.microsoft.com/office/drawing/2014/main" id="{1F4EFE25-64E1-4CB0-9686-8D2AB9C5942B}"/>
-              </a:ext>
-            </a:extLst>
-          </p:cNvPr>
+          <p:cNvPr id="6" name="Content Placeholder 5"/>
           <p:cNvSpPr>
             <a:spLocks noGrp="1"/>
           </p:cNvSpPr>
@@ -1743,12 +4161,14 @@
         </p:nvSpPr>
         <p:spPr>
           <a:xfrm>
-            <a:off x="6172200" y="2505075"/>
-            <a:ext cx="5183188" cy="3684588"/>
+            <a:off x="5823483" y="2870201"/>
+            <a:ext cx="4995334" cy="2920998"/>
           </a:xfrm>
         </p:spPr>
         <p:txBody>
-          <a:bodyPr/>
+          <a:bodyPr anchor="t">
+            <a:normAutofit/>
+          </a:bodyPr>
           <a:lstStyle/>
           <a:p>
             <a:pPr lvl="0"/>
@@ -1784,18 +4204,13 @@
               <a:rPr lang="ru-RU"/>
               <a:t>Пятый уровень</a:t>
             </a:r>
-          </a:p>
-        </p:txBody>
-      </p:sp>
-      <p:sp>
-        <p:nvSpPr>
-          <p:cNvPr id="7" name="Дата 6">
-            <a:extLst>
-              <a:ext uri="{FF2B5EF4-FFF2-40B4-BE49-F238E27FC236}">
-                <a16:creationId xmlns:a16="http://schemas.microsoft.com/office/drawing/2014/main" id="{FDAC7D81-BF3D-47BB-8A87-FDB839131DE9}"/>
-              </a:ext>
-            </a:extLst>
-          </p:cNvPr>
+            <a:endParaRPr lang="en-US" dirty="0"/>
+          </a:p>
+        </p:txBody>
+      </p:sp>
+      <p:sp>
+        <p:nvSpPr>
+          <p:cNvPr id="7" name="Date Placeholder 6"/>
           <p:cNvSpPr>
             <a:spLocks noGrp="1"/>
           </p:cNvSpPr>
@@ -1810,7 +4225,7 @@
           <a:p>
             <a:fld id="{46FE7FA2-437C-4797-917E-FA5D56212DDE}" type="datetimeFigureOut">
               <a:rPr lang="ru-RU" smtClean="0"/>
-              <a:t>05.01.2022</a:t>
+              <a:t>07.01.2022</a:t>
             </a:fld>
             <a:endParaRPr lang="ru-RU"/>
           </a:p>
@@ -1818,13 +4233,7 @@
       </p:sp>
       <p:sp>
         <p:nvSpPr>
-          <p:cNvPr id="8" name="Нижний колонтитул 7">
-            <a:extLst>
-              <a:ext uri="{FF2B5EF4-FFF2-40B4-BE49-F238E27FC236}">
-                <a16:creationId xmlns:a16="http://schemas.microsoft.com/office/drawing/2014/main" id="{1A8A06CC-24B1-4AF4-84BD-22CD5EE3090A}"/>
-              </a:ext>
-            </a:extLst>
-          </p:cNvPr>
+          <p:cNvPr id="8" name="Footer Placeholder 7"/>
           <p:cNvSpPr>
             <a:spLocks noGrp="1"/>
           </p:cNvSpPr>
@@ -1843,13 +4252,7 @@
       </p:sp>
       <p:sp>
         <p:nvSpPr>
-          <p:cNvPr id="9" name="Номер слайда 8">
-            <a:extLst>
-              <a:ext uri="{FF2B5EF4-FFF2-40B4-BE49-F238E27FC236}">
-                <a16:creationId xmlns:a16="http://schemas.microsoft.com/office/drawing/2014/main" id="{6679ED34-3226-4D2A-A438-A2C8FAA9F404}"/>
-              </a:ext>
-            </a:extLst>
-          </p:cNvPr>
+          <p:cNvPr id="9" name="Slide Number Placeholder 8"/>
           <p:cNvSpPr>
             <a:spLocks noGrp="1"/>
           </p:cNvSpPr>
@@ -1873,7 +4276,7 @@
     </p:spTree>
     <p:extLst>
       <p:ext uri="{BB962C8B-B14F-4D97-AF65-F5344CB8AC3E}">
-        <p14:creationId xmlns:p14="http://schemas.microsoft.com/office/powerpoint/2010/main" val="1412551651"/>
+        <p14:creationId xmlns:p14="http://schemas.microsoft.com/office/powerpoint/2010/main" val="3495794624"/>
       </p:ext>
     </p:extLst>
   </p:cSld>
@@ -1900,15 +4303,39 @@
           <a:chExt cx="0" cy="0"/>
         </a:xfrm>
       </p:grpSpPr>
-      <p:sp>
-        <p:nvSpPr>
-          <p:cNvPr id="2" name="Заголовок 1">
+      <p:pic>
+        <p:nvPicPr>
+          <p:cNvPr id="6" name="Picture 5" descr="Celestia-R1---OverlayContentHD.png"/>
+          <p:cNvPicPr>
+            <a:picLocks noChangeAspect="1"/>
+          </p:cNvPicPr>
+          <p:nvPr/>
+        </p:nvPicPr>
+        <p:blipFill>
+          <a:blip r:embed="rId2">
             <a:extLst>
-              <a:ext uri="{FF2B5EF4-FFF2-40B4-BE49-F238E27FC236}">
-                <a16:creationId xmlns:a16="http://schemas.microsoft.com/office/drawing/2014/main" id="{902635BE-C9A7-416F-A265-582F74158097}"/>
+              <a:ext uri="{28A0092B-C50C-407E-A947-70E740481C1C}">
+                <a14:useLocalDpi xmlns:a14="http://schemas.microsoft.com/office/drawing/2010/main" val="0"/>
               </a:ext>
             </a:extLst>
-          </p:cNvPr>
+          </a:blip>
+          <a:stretch>
+            <a:fillRect/>
+          </a:stretch>
+        </p:blipFill>
+        <p:spPr>
+          <a:xfrm>
+            <a:off x="0" y="0"/>
+            <a:ext cx="12188825" cy="6856214"/>
+          </a:xfrm>
+          <a:prstGeom prst="rect">
+            <a:avLst/>
+          </a:prstGeom>
+        </p:spPr>
+      </p:pic>
+      <p:sp>
+        <p:nvSpPr>
+          <p:cNvPr id="2" name="Title 1"/>
           <p:cNvSpPr>
             <a:spLocks noGrp="1"/>
           </p:cNvSpPr>
@@ -1925,18 +4352,13 @@
               <a:rPr lang="ru-RU"/>
               <a:t>Образец заголовка</a:t>
             </a:r>
-          </a:p>
-        </p:txBody>
-      </p:sp>
-      <p:sp>
-        <p:nvSpPr>
-          <p:cNvPr id="3" name="Дата 2">
-            <a:extLst>
-              <a:ext uri="{FF2B5EF4-FFF2-40B4-BE49-F238E27FC236}">
-                <a16:creationId xmlns:a16="http://schemas.microsoft.com/office/drawing/2014/main" id="{E9AE7DA0-575F-4802-A5DD-9A56D86848C8}"/>
-              </a:ext>
-            </a:extLst>
-          </p:cNvPr>
+            <a:endParaRPr lang="en-US" dirty="0"/>
+          </a:p>
+        </p:txBody>
+      </p:sp>
+      <p:sp>
+        <p:nvSpPr>
+          <p:cNvPr id="3" name="Date Placeholder 2"/>
           <p:cNvSpPr>
             <a:spLocks noGrp="1"/>
           </p:cNvSpPr>
@@ -1951,7 +4373,7 @@
           <a:p>
             <a:fld id="{46FE7FA2-437C-4797-917E-FA5D56212DDE}" type="datetimeFigureOut">
               <a:rPr lang="ru-RU" smtClean="0"/>
-              <a:t>05.01.2022</a:t>
+              <a:t>07.01.2022</a:t>
             </a:fld>
             <a:endParaRPr lang="ru-RU"/>
           </a:p>
@@ -1959,13 +4381,7 @@
       </p:sp>
       <p:sp>
         <p:nvSpPr>
-          <p:cNvPr id="4" name="Нижний колонтитул 3">
-            <a:extLst>
-              <a:ext uri="{FF2B5EF4-FFF2-40B4-BE49-F238E27FC236}">
-                <a16:creationId xmlns:a16="http://schemas.microsoft.com/office/drawing/2014/main" id="{323E7864-96E3-420F-8C35-36AF1C5433E5}"/>
-              </a:ext>
-            </a:extLst>
-          </p:cNvPr>
+          <p:cNvPr id="4" name="Footer Placeholder 3"/>
           <p:cNvSpPr>
             <a:spLocks noGrp="1"/>
           </p:cNvSpPr>
@@ -1984,13 +4400,7 @@
       </p:sp>
       <p:sp>
         <p:nvSpPr>
-          <p:cNvPr id="5" name="Номер слайда 4">
-            <a:extLst>
-              <a:ext uri="{FF2B5EF4-FFF2-40B4-BE49-F238E27FC236}">
-                <a16:creationId xmlns:a16="http://schemas.microsoft.com/office/drawing/2014/main" id="{DBF0995A-2D5B-440D-B5C2-E9473C104DD7}"/>
-              </a:ext>
-            </a:extLst>
-          </p:cNvPr>
+          <p:cNvPr id="5" name="Slide Number Placeholder 4"/>
           <p:cNvSpPr>
             <a:spLocks noGrp="1"/>
           </p:cNvSpPr>
@@ -2014,7 +4424,7 @@
     </p:spTree>
     <p:extLst>
       <p:ext uri="{BB962C8B-B14F-4D97-AF65-F5344CB8AC3E}">
-        <p14:creationId xmlns:p14="http://schemas.microsoft.com/office/powerpoint/2010/main" val="410111414"/>
+        <p14:creationId xmlns:p14="http://schemas.microsoft.com/office/powerpoint/2010/main" val="1589568133"/>
       </p:ext>
     </p:extLst>
   </p:cSld>
@@ -2041,15 +4451,39 @@
           <a:chExt cx="0" cy="0"/>
         </a:xfrm>
       </p:grpSpPr>
-      <p:sp>
-        <p:nvSpPr>
-          <p:cNvPr id="2" name="Дата 1">
+      <p:pic>
+        <p:nvPicPr>
+          <p:cNvPr id="5" name="Picture 4" descr="Celestia-R1---OverlayContentHD.png"/>
+          <p:cNvPicPr>
+            <a:picLocks noChangeAspect="1"/>
+          </p:cNvPicPr>
+          <p:nvPr/>
+        </p:nvPicPr>
+        <p:blipFill>
+          <a:blip r:embed="rId2">
             <a:extLst>
-              <a:ext uri="{FF2B5EF4-FFF2-40B4-BE49-F238E27FC236}">
-                <a16:creationId xmlns:a16="http://schemas.microsoft.com/office/drawing/2014/main" id="{BB64472A-68DF-4538-8DD3-4023B255E58F}"/>
+              <a:ext uri="{28A0092B-C50C-407E-A947-70E740481C1C}">
+                <a14:useLocalDpi xmlns:a14="http://schemas.microsoft.com/office/drawing/2010/main" val="0"/>
               </a:ext>
             </a:extLst>
-          </p:cNvPr>
+          </a:blip>
+          <a:stretch>
+            <a:fillRect/>
+          </a:stretch>
+        </p:blipFill>
+        <p:spPr>
+          <a:xfrm>
+            <a:off x="0" y="0"/>
+            <a:ext cx="12188825" cy="6856214"/>
+          </a:xfrm>
+          <a:prstGeom prst="rect">
+            <a:avLst/>
+          </a:prstGeom>
+        </p:spPr>
+      </p:pic>
+      <p:sp>
+        <p:nvSpPr>
+          <p:cNvPr id="2" name="Date Placeholder 1"/>
           <p:cNvSpPr>
             <a:spLocks noGrp="1"/>
           </p:cNvSpPr>
@@ -2064,7 +4498,7 @@
           <a:p>
             <a:fld id="{46FE7FA2-437C-4797-917E-FA5D56212DDE}" type="datetimeFigureOut">
               <a:rPr lang="ru-RU" smtClean="0"/>
-              <a:t>05.01.2022</a:t>
+              <a:t>07.01.2022</a:t>
             </a:fld>
             <a:endParaRPr lang="ru-RU"/>
           </a:p>
@@ -2072,13 +4506,7 @@
       </p:sp>
       <p:sp>
         <p:nvSpPr>
-          <p:cNvPr id="3" name="Нижний колонтитул 2">
-            <a:extLst>
-              <a:ext uri="{FF2B5EF4-FFF2-40B4-BE49-F238E27FC236}">
-                <a16:creationId xmlns:a16="http://schemas.microsoft.com/office/drawing/2014/main" id="{434BDFB4-3F18-4F5C-AFC3-3094ABCB05DA}"/>
-              </a:ext>
-            </a:extLst>
-          </p:cNvPr>
+          <p:cNvPr id="3" name="Footer Placeholder 2"/>
           <p:cNvSpPr>
             <a:spLocks noGrp="1"/>
           </p:cNvSpPr>
@@ -2097,13 +4525,7 @@
       </p:sp>
       <p:sp>
         <p:nvSpPr>
-          <p:cNvPr id="4" name="Номер слайда 3">
-            <a:extLst>
-              <a:ext uri="{FF2B5EF4-FFF2-40B4-BE49-F238E27FC236}">
-                <a16:creationId xmlns:a16="http://schemas.microsoft.com/office/drawing/2014/main" id="{C27486D5-3D6C-461A-ABE8-FC2D9B6C33DC}"/>
-              </a:ext>
-            </a:extLst>
-          </p:cNvPr>
+          <p:cNvPr id="4" name="Slide Number Placeholder 3"/>
           <p:cNvSpPr>
             <a:spLocks noGrp="1"/>
           </p:cNvSpPr>
@@ -2127,7 +4549,7 @@
     </p:spTree>
     <p:extLst>
       <p:ext uri="{BB962C8B-B14F-4D97-AF65-F5344CB8AC3E}">
-        <p14:creationId xmlns:p14="http://schemas.microsoft.com/office/powerpoint/2010/main" val="2107251100"/>
+        <p14:creationId xmlns:p14="http://schemas.microsoft.com/office/powerpoint/2010/main" val="3852851715"/>
       </p:ext>
     </p:extLst>
   </p:cSld>
@@ -2154,33 +4576,59 @@
           <a:chExt cx="0" cy="0"/>
         </a:xfrm>
       </p:grpSpPr>
-      <p:sp>
-        <p:nvSpPr>
-          <p:cNvPr id="2" name="Заголовок 1">
+      <p:pic>
+        <p:nvPicPr>
+          <p:cNvPr id="8" name="Picture 7" descr="Celestia-R1---OverlayContentHD.png"/>
+          <p:cNvPicPr>
+            <a:picLocks noChangeAspect="1"/>
+          </p:cNvPicPr>
+          <p:nvPr/>
+        </p:nvPicPr>
+        <p:blipFill>
+          <a:blip r:embed="rId2">
             <a:extLst>
-              <a:ext uri="{FF2B5EF4-FFF2-40B4-BE49-F238E27FC236}">
-                <a16:creationId xmlns:a16="http://schemas.microsoft.com/office/drawing/2014/main" id="{F3C5BE79-5DCD-463E-889C-57AC30746A0B}"/>
+              <a:ext uri="{28A0092B-C50C-407E-A947-70E740481C1C}">
+                <a14:useLocalDpi xmlns:a14="http://schemas.microsoft.com/office/drawing/2010/main" val="0"/>
               </a:ext>
             </a:extLst>
-          </p:cNvPr>
-          <p:cNvSpPr>
-            <a:spLocks noGrp="1"/>
-          </p:cNvSpPr>
-          <p:nvPr>
-            <p:ph type="title"/>
-          </p:nvPr>
-        </p:nvSpPr>
+          </a:blip>
+          <a:stretch>
+            <a:fillRect/>
+          </a:stretch>
+        </p:blipFill>
         <p:spPr>
           <a:xfrm>
-            <a:off x="839788" y="457200"/>
-            <a:ext cx="3932237" cy="1600200"/>
+            <a:off x="0" y="0"/>
+            <a:ext cx="12188825" cy="6856214"/>
+          </a:xfrm>
+          <a:prstGeom prst="rect">
+            <a:avLst/>
+          </a:prstGeom>
+        </p:spPr>
+      </p:pic>
+      <p:sp>
+        <p:nvSpPr>
+          <p:cNvPr id="2" name="Title 1"/>
+          <p:cNvSpPr>
+            <a:spLocks noGrp="1"/>
+          </p:cNvSpPr>
+          <p:nvPr>
+            <p:ph type="title"/>
+          </p:nvPr>
+        </p:nvSpPr>
+        <p:spPr>
+          <a:xfrm>
+            <a:off x="685800" y="2074333"/>
+            <a:ext cx="3680885" cy="1371600"/>
           </a:xfrm>
         </p:spPr>
         <p:txBody>
-          <a:bodyPr anchor="b"/>
+          <a:bodyPr anchor="b">
+            <a:normAutofit/>
+          </a:bodyPr>
           <a:lstStyle>
-            <a:lvl1pPr>
-              <a:defRPr sz="3200"/>
+            <a:lvl1pPr algn="l">
+              <a:defRPr sz="2400" b="0"/>
             </a:lvl1pPr>
           </a:lstStyle>
           <a:p>
@@ -2188,18 +4636,13 @@
               <a:rPr lang="ru-RU"/>
               <a:t>Образец заголовка</a:t>
             </a:r>
-          </a:p>
-        </p:txBody>
-      </p:sp>
-      <p:sp>
-        <p:nvSpPr>
-          <p:cNvPr id="3" name="Объект 2">
-            <a:extLst>
-              <a:ext uri="{FF2B5EF4-FFF2-40B4-BE49-F238E27FC236}">
-                <a16:creationId xmlns:a16="http://schemas.microsoft.com/office/drawing/2014/main" id="{FD5A6F09-0883-4129-A290-C93BBF19ED3A}"/>
-              </a:ext>
-            </a:extLst>
-          </p:cNvPr>
+            <a:endParaRPr lang="en-US" dirty="0"/>
+          </a:p>
+        </p:txBody>
+      </p:sp>
+      <p:sp>
+        <p:nvSpPr>
+          <p:cNvPr id="3" name="Content Placeholder 2"/>
           <p:cNvSpPr>
             <a:spLocks noGrp="1"/>
           </p:cNvSpPr>
@@ -2209,41 +4652,15 @@
         </p:nvSpPr>
         <p:spPr>
           <a:xfrm>
-            <a:off x="5183188" y="987425"/>
-            <a:ext cx="6172200" cy="4873625"/>
+            <a:off x="4648201" y="609601"/>
+            <a:ext cx="6169026" cy="5181600"/>
           </a:xfrm>
         </p:spPr>
         <p:txBody>
-          <a:bodyPr/>
-          <a:lstStyle>
-            <a:lvl1pPr>
-              <a:defRPr sz="3200"/>
-            </a:lvl1pPr>
-            <a:lvl2pPr>
-              <a:defRPr sz="2800"/>
-            </a:lvl2pPr>
-            <a:lvl3pPr>
-              <a:defRPr sz="2400"/>
-            </a:lvl3pPr>
-            <a:lvl4pPr>
-              <a:defRPr sz="2000"/>
-            </a:lvl4pPr>
-            <a:lvl5pPr>
-              <a:defRPr sz="2000"/>
-            </a:lvl5pPr>
-            <a:lvl6pPr>
-              <a:defRPr sz="2000"/>
-            </a:lvl6pPr>
-            <a:lvl7pPr>
-              <a:defRPr sz="2000"/>
-            </a:lvl7pPr>
-            <a:lvl8pPr>
-              <a:defRPr sz="2000"/>
-            </a:lvl8pPr>
-            <a:lvl9pPr>
-              <a:defRPr sz="2000"/>
-            </a:lvl9pPr>
-          </a:lstStyle>
+          <a:bodyPr anchor="ctr">
+            <a:normAutofit/>
+          </a:bodyPr>
+          <a:lstStyle/>
           <a:p>
             <a:pPr lvl="0"/>
             <a:r>
@@ -2278,18 +4695,13 @@
               <a:rPr lang="ru-RU"/>
               <a:t>Пятый уровень</a:t>
             </a:r>
-          </a:p>
-        </p:txBody>
-      </p:sp>
-      <p:sp>
-        <p:nvSpPr>
-          <p:cNvPr id="4" name="Текст 3">
-            <a:extLst>
-              <a:ext uri="{FF2B5EF4-FFF2-40B4-BE49-F238E27FC236}">
-                <a16:creationId xmlns:a16="http://schemas.microsoft.com/office/drawing/2014/main" id="{B4720C53-1762-4DA3-9306-97B387D9A06A}"/>
-              </a:ext>
-            </a:extLst>
-          </p:cNvPr>
+            <a:endParaRPr lang="en-US" dirty="0"/>
+          </a:p>
+        </p:txBody>
+      </p:sp>
+      <p:sp>
+        <p:nvSpPr>
+          <p:cNvPr id="4" name="Text Placeholder 3"/>
           <p:cNvSpPr>
             <a:spLocks noGrp="1"/>
           </p:cNvSpPr>
@@ -2299,12 +4711,14 @@
         </p:nvSpPr>
         <p:spPr>
           <a:xfrm>
-            <a:off x="839788" y="2057400"/>
-            <a:ext cx="3932237" cy="3811588"/>
+            <a:off x="685800" y="3445933"/>
+            <a:ext cx="3680885" cy="1828800"/>
           </a:xfrm>
         </p:spPr>
         <p:txBody>
-          <a:bodyPr/>
+          <a:bodyPr anchor="t">
+            <a:normAutofit/>
+          </a:bodyPr>
           <a:lstStyle>
             <a:lvl1pPr marL="0" indent="0">
               <a:buNone/>
@@ -2312,35 +4726,35 @@
             </a:lvl1pPr>
             <a:lvl2pPr marL="457200" indent="0">
               <a:buNone/>
-              <a:defRPr sz="1400"/>
+              <a:defRPr sz="1200"/>
             </a:lvl2pPr>
             <a:lvl3pPr marL="914400" indent="0">
               <a:buNone/>
-              <a:defRPr sz="1200"/>
+              <a:defRPr sz="1000"/>
             </a:lvl3pPr>
             <a:lvl4pPr marL="1371600" indent="0">
               <a:buNone/>
-              <a:defRPr sz="1000"/>
+              <a:defRPr sz="900"/>
             </a:lvl4pPr>
             <a:lvl5pPr marL="1828800" indent="0">
               <a:buNone/>
-              <a:defRPr sz="1000"/>
+              <a:defRPr sz="900"/>
             </a:lvl5pPr>
             <a:lvl6pPr marL="2286000" indent="0">
               <a:buNone/>
-              <a:defRPr sz="1000"/>
+              <a:defRPr sz="900"/>
             </a:lvl6pPr>
             <a:lvl7pPr marL="2743200" indent="0">
               <a:buNone/>
-              <a:defRPr sz="1000"/>
+              <a:defRPr sz="900"/>
             </a:lvl7pPr>
             <a:lvl8pPr marL="3200400" indent="0">
               <a:buNone/>
-              <a:defRPr sz="1000"/>
+              <a:defRPr sz="900"/>
             </a:lvl8pPr>
             <a:lvl9pPr marL="3657600" indent="0">
               <a:buNone/>
-              <a:defRPr sz="1000"/>
+              <a:defRPr sz="900"/>
             </a:lvl9pPr>
           </a:lstStyle>
           <a:p>
@@ -2354,13 +4768,7 @@
       </p:sp>
       <p:sp>
         <p:nvSpPr>
-          <p:cNvPr id="5" name="Дата 4">
-            <a:extLst>
-              <a:ext uri="{FF2B5EF4-FFF2-40B4-BE49-F238E27FC236}">
-                <a16:creationId xmlns:a16="http://schemas.microsoft.com/office/drawing/2014/main" id="{242AFF85-9A79-424F-A99D-280C3E68AAA3}"/>
-              </a:ext>
-            </a:extLst>
-          </p:cNvPr>
+          <p:cNvPr id="5" name="Date Placeholder 4"/>
           <p:cNvSpPr>
             <a:spLocks noGrp="1"/>
           </p:cNvSpPr>
@@ -2375,7 +4783,7 @@
           <a:p>
             <a:fld id="{46FE7FA2-437C-4797-917E-FA5D56212DDE}" type="datetimeFigureOut">
               <a:rPr lang="ru-RU" smtClean="0"/>
-              <a:t>05.01.2022</a:t>
+              <a:t>07.01.2022</a:t>
             </a:fld>
             <a:endParaRPr lang="ru-RU"/>
           </a:p>
@@ -2383,13 +4791,7 @@
       </p:sp>
       <p:sp>
         <p:nvSpPr>
-          <p:cNvPr id="6" name="Нижний колонтитул 5">
-            <a:extLst>
-              <a:ext uri="{FF2B5EF4-FFF2-40B4-BE49-F238E27FC236}">
-                <a16:creationId xmlns:a16="http://schemas.microsoft.com/office/drawing/2014/main" id="{CCDD484A-FBB8-4EA8-9FCD-9BB4ECCBD890}"/>
-              </a:ext>
-            </a:extLst>
-          </p:cNvPr>
+          <p:cNvPr id="6" name="Footer Placeholder 5"/>
           <p:cNvSpPr>
             <a:spLocks noGrp="1"/>
           </p:cNvSpPr>
@@ -2408,13 +4810,7 @@
       </p:sp>
       <p:sp>
         <p:nvSpPr>
-          <p:cNvPr id="7" name="Номер слайда 6">
-            <a:extLst>
-              <a:ext uri="{FF2B5EF4-FFF2-40B4-BE49-F238E27FC236}">
-                <a16:creationId xmlns:a16="http://schemas.microsoft.com/office/drawing/2014/main" id="{58395AFA-0E58-4572-97DF-6B4475D4B635}"/>
-              </a:ext>
-            </a:extLst>
-          </p:cNvPr>
+          <p:cNvPr id="7" name="Slide Number Placeholder 6"/>
           <p:cNvSpPr>
             <a:spLocks noGrp="1"/>
           </p:cNvSpPr>
@@ -2438,7 +4834,7 @@
     </p:spTree>
     <p:extLst>
       <p:ext uri="{BB962C8B-B14F-4D97-AF65-F5344CB8AC3E}">
-        <p14:creationId xmlns:p14="http://schemas.microsoft.com/office/powerpoint/2010/main" val="2642992225"/>
+        <p14:creationId xmlns:p14="http://schemas.microsoft.com/office/powerpoint/2010/main" val="3461028194"/>
       </p:ext>
     </p:extLst>
   </p:cSld>
@@ -2465,33 +4861,59 @@
           <a:chExt cx="0" cy="0"/>
         </a:xfrm>
       </p:grpSpPr>
-      <p:sp>
-        <p:nvSpPr>
-          <p:cNvPr id="2" name="Заголовок 1">
+      <p:pic>
+        <p:nvPicPr>
+          <p:cNvPr id="8" name="Picture 7" descr="Celestia-R1---OverlayContentHD.png"/>
+          <p:cNvPicPr>
+            <a:picLocks noChangeAspect="1"/>
+          </p:cNvPicPr>
+          <p:nvPr/>
+        </p:nvPicPr>
+        <p:blipFill>
+          <a:blip r:embed="rId2">
             <a:extLst>
-              <a:ext uri="{FF2B5EF4-FFF2-40B4-BE49-F238E27FC236}">
-                <a16:creationId xmlns:a16="http://schemas.microsoft.com/office/drawing/2014/main" id="{BFDE4D5D-0F34-401D-B485-B43DC66ACDF1}"/>
+              <a:ext uri="{28A0092B-C50C-407E-A947-70E740481C1C}">
+                <a14:useLocalDpi xmlns:a14="http://schemas.microsoft.com/office/drawing/2010/main" val="0"/>
               </a:ext>
             </a:extLst>
-          </p:cNvPr>
-          <p:cNvSpPr>
-            <a:spLocks noGrp="1"/>
-          </p:cNvSpPr>
-          <p:nvPr>
-            <p:ph type="title"/>
-          </p:nvPr>
-        </p:nvSpPr>
+          </a:blip>
+          <a:stretch>
+            <a:fillRect/>
+          </a:stretch>
+        </p:blipFill>
         <p:spPr>
           <a:xfrm>
-            <a:off x="839788" y="457200"/>
-            <a:ext cx="3932237" cy="1600200"/>
+            <a:off x="0" y="0"/>
+            <a:ext cx="12188825" cy="6856214"/>
+          </a:xfrm>
+          <a:prstGeom prst="rect">
+            <a:avLst/>
+          </a:prstGeom>
+        </p:spPr>
+      </p:pic>
+      <p:sp>
+        <p:nvSpPr>
+          <p:cNvPr id="2" name="Title 1"/>
+          <p:cNvSpPr>
+            <a:spLocks noGrp="1"/>
+          </p:cNvSpPr>
+          <p:nvPr>
+            <p:ph type="title"/>
+          </p:nvPr>
+        </p:nvSpPr>
+        <p:spPr>
+          <a:xfrm>
+            <a:off x="685800" y="1600200"/>
+            <a:ext cx="6164653" cy="1371600"/>
           </a:xfrm>
         </p:spPr>
         <p:txBody>
-          <a:bodyPr anchor="b"/>
+          <a:bodyPr anchor="b">
+            <a:normAutofit/>
+          </a:bodyPr>
           <a:lstStyle>
-            <a:lvl1pPr>
-              <a:defRPr sz="3200"/>
+            <a:lvl1pPr algn="l">
+              <a:defRPr sz="2800" b="0"/>
             </a:lvl1pPr>
           </a:lstStyle>
           <a:p>
@@ -2499,20 +4921,15 @@
               <a:rPr lang="ru-RU"/>
               <a:t>Образец заголовка</a:t>
             </a:r>
-          </a:p>
-        </p:txBody>
-      </p:sp>
-      <p:sp>
-        <p:nvSpPr>
-          <p:cNvPr id="3" name="Рисунок 2">
-            <a:extLst>
-              <a:ext uri="{FF2B5EF4-FFF2-40B4-BE49-F238E27FC236}">
-                <a16:creationId xmlns:a16="http://schemas.microsoft.com/office/drawing/2014/main" id="{C494F817-856B-4215-95B6-CFA9C520048C}"/>
-              </a:ext>
-            </a:extLst>
-          </p:cNvPr>
-          <p:cNvSpPr>
-            <a:spLocks noGrp="1"/>
+            <a:endParaRPr lang="en-US" dirty="0"/>
+          </a:p>
+        </p:txBody>
+      </p:sp>
+      <p:sp>
+        <p:nvSpPr>
+          <p:cNvPr id="14" name="Picture Placeholder 2"/>
+          <p:cNvSpPr>
+            <a:spLocks noGrp="1" noChangeAspect="1"/>
           </p:cNvSpPr>
           <p:nvPr>
             <p:ph type="pic" idx="1"/>
@@ -2520,118 +4937,151 @@
         </p:nvSpPr>
         <p:spPr>
           <a:xfrm>
-            <a:off x="5183188" y="987425"/>
-            <a:ext cx="6172200" cy="4873625"/>
+            <a:off x="7536253" y="914400"/>
+            <a:ext cx="3280974" cy="4572000"/>
           </a:xfrm>
+          <a:prstGeom prst="roundRect">
+            <a:avLst>
+              <a:gd name="adj" fmla="val 4280"/>
+            </a:avLst>
+          </a:prstGeom>
+          <a:ln w="50800" cap="sq" cmpd="dbl">
+            <a:gradFill flip="none" rotWithShape="1">
+              <a:gsLst>
+                <a:gs pos="0">
+                  <a:srgbClr val="FFFFFF"/>
+                </a:gs>
+                <a:gs pos="100000">
+                  <a:schemeClr val="tx1">
+                    <a:alpha val="0"/>
+                  </a:schemeClr>
+                </a:gs>
+              </a:gsLst>
+              <a:path path="circle">
+                <a:fillToRect l="50000" t="50000" r="50000" b="50000"/>
+              </a:path>
+              <a:tileRect/>
+            </a:gradFill>
+            <a:miter lim="800000"/>
+          </a:ln>
+          <a:effectLst>
+            <a:outerShdw blurRad="254000" algn="tl" rotWithShape="0">
+              <a:srgbClr val="000000">
+                <a:alpha val="43000"/>
+              </a:srgbClr>
+            </a:outerShdw>
+          </a:effectLst>
         </p:spPr>
         <p:txBody>
-          <a:bodyPr/>
+          <a:bodyPr anchor="t">
+            <a:normAutofit/>
+          </a:bodyPr>
           <a:lstStyle>
-            <a:lvl1pPr marL="0" indent="0">
-              <a:buNone/>
-              <a:defRPr sz="3200"/>
-            </a:lvl1pPr>
-            <a:lvl2pPr marL="457200" indent="0">
-              <a:buNone/>
-              <a:defRPr sz="2800"/>
-            </a:lvl2pPr>
-            <a:lvl3pPr marL="914400" indent="0">
-              <a:buNone/>
-              <a:defRPr sz="2400"/>
-            </a:lvl3pPr>
-            <a:lvl4pPr marL="1371600" indent="0">
-              <a:buNone/>
-              <a:defRPr sz="2000"/>
-            </a:lvl4pPr>
-            <a:lvl5pPr marL="1828800" indent="0">
-              <a:buNone/>
-              <a:defRPr sz="2000"/>
-            </a:lvl5pPr>
-            <a:lvl6pPr marL="2286000" indent="0">
-              <a:buNone/>
-              <a:defRPr sz="2000"/>
-            </a:lvl6pPr>
-            <a:lvl7pPr marL="2743200" indent="0">
-              <a:buNone/>
-              <a:defRPr sz="2000"/>
-            </a:lvl7pPr>
-            <a:lvl8pPr marL="3200400" indent="0">
-              <a:buNone/>
-              <a:defRPr sz="2000"/>
-            </a:lvl8pPr>
-            <a:lvl9pPr marL="3657600" indent="0">
-              <a:buNone/>
-              <a:defRPr sz="2000"/>
-            </a:lvl9pPr>
-          </a:lstStyle>
-          <a:p>
-            <a:endParaRPr lang="ru-RU"/>
-          </a:p>
-        </p:txBody>
-      </p:sp>
-      <p:sp>
-        <p:nvSpPr>
-          <p:cNvPr id="4" name="Текст 3">
-            <a:extLst>
-              <a:ext uri="{FF2B5EF4-FFF2-40B4-BE49-F238E27FC236}">
-                <a16:creationId xmlns:a16="http://schemas.microsoft.com/office/drawing/2014/main" id="{7182FA0B-E163-41DD-A7A4-9381C04E9EF1}"/>
-              </a:ext>
-            </a:extLst>
-          </p:cNvPr>
-          <p:cNvSpPr>
-            <a:spLocks noGrp="1"/>
-          </p:cNvSpPr>
-          <p:nvPr>
-            <p:ph type="body" sz="half" idx="2"/>
-          </p:nvPr>
-        </p:nvSpPr>
-        <p:spPr>
-          <a:xfrm>
-            <a:off x="839788" y="2057400"/>
-            <a:ext cx="3932237" cy="3811588"/>
-          </a:xfrm>
-        </p:spPr>
-        <p:txBody>
-          <a:bodyPr/>
-          <a:lstStyle>
-            <a:lvl1pPr marL="0" indent="0">
+            <a:lvl1pPr marL="0" indent="0" algn="ctr">
               <a:buNone/>
               <a:defRPr sz="1600"/>
             </a:lvl1pPr>
             <a:lvl2pPr marL="457200" indent="0">
               <a:buNone/>
-              <a:defRPr sz="1400"/>
+              <a:defRPr sz="1600"/>
             </a:lvl2pPr>
             <a:lvl3pPr marL="914400" indent="0">
               <a:buNone/>
-              <a:defRPr sz="1200"/>
+              <a:defRPr sz="1600"/>
             </a:lvl3pPr>
             <a:lvl4pPr marL="1371600" indent="0">
               <a:buNone/>
-              <a:defRPr sz="1000"/>
+              <a:defRPr sz="1600"/>
             </a:lvl4pPr>
             <a:lvl5pPr marL="1828800" indent="0">
               <a:buNone/>
-              <a:defRPr sz="1000"/>
+              <a:defRPr sz="1600"/>
             </a:lvl5pPr>
             <a:lvl6pPr marL="2286000" indent="0">
               <a:buNone/>
-              <a:defRPr sz="1000"/>
+              <a:defRPr sz="1600"/>
             </a:lvl6pPr>
             <a:lvl7pPr marL="2743200" indent="0">
               <a:buNone/>
-              <a:defRPr sz="1000"/>
+              <a:defRPr sz="1600"/>
             </a:lvl7pPr>
             <a:lvl8pPr marL="3200400" indent="0">
               <a:buNone/>
-              <a:defRPr sz="1000"/>
+              <a:defRPr sz="1600"/>
             </a:lvl8pPr>
             <a:lvl9pPr marL="3657600" indent="0">
               <a:buNone/>
-              <a:defRPr sz="1000"/>
+              <a:defRPr sz="1600"/>
             </a:lvl9pPr>
           </a:lstStyle>
           <a:p>
+            <a:r>
+              <a:rPr lang="ru-RU"/>
+              <a:t>Вставка рисунка</a:t>
+            </a:r>
+            <a:endParaRPr lang="en-US" dirty="0"/>
+          </a:p>
+        </p:txBody>
+      </p:sp>
+      <p:sp>
+        <p:nvSpPr>
+          <p:cNvPr id="4" name="Text Placeholder 3"/>
+          <p:cNvSpPr>
+            <a:spLocks noGrp="1"/>
+          </p:cNvSpPr>
+          <p:nvPr>
+            <p:ph type="body" sz="half" idx="2"/>
+          </p:nvPr>
+        </p:nvSpPr>
+        <p:spPr>
+          <a:xfrm>
+            <a:off x="685800" y="2971800"/>
+            <a:ext cx="6164653" cy="1828800"/>
+          </a:xfrm>
+        </p:spPr>
+        <p:txBody>
+          <a:bodyPr anchor="t">
+            <a:normAutofit/>
+          </a:bodyPr>
+          <a:lstStyle>
+            <a:lvl1pPr marL="0" indent="0">
+              <a:buNone/>
+              <a:defRPr sz="1800"/>
+            </a:lvl1pPr>
+            <a:lvl2pPr marL="457200" indent="0">
+              <a:buNone/>
+              <a:defRPr sz="1200"/>
+            </a:lvl2pPr>
+            <a:lvl3pPr marL="914400" indent="0">
+              <a:buNone/>
+              <a:defRPr sz="1000"/>
+            </a:lvl3pPr>
+            <a:lvl4pPr marL="1371600" indent="0">
+              <a:buNone/>
+              <a:defRPr sz="900"/>
+            </a:lvl4pPr>
+            <a:lvl5pPr marL="1828800" indent="0">
+              <a:buNone/>
+              <a:defRPr sz="900"/>
+            </a:lvl5pPr>
+            <a:lvl6pPr marL="2286000" indent="0">
+              <a:buNone/>
+              <a:defRPr sz="900"/>
+            </a:lvl6pPr>
+            <a:lvl7pPr marL="2743200" indent="0">
+              <a:buNone/>
+              <a:defRPr sz="900"/>
+            </a:lvl7pPr>
+            <a:lvl8pPr marL="3200400" indent="0">
+              <a:buNone/>
+              <a:defRPr sz="900"/>
+            </a:lvl8pPr>
+            <a:lvl9pPr marL="3657600" indent="0">
+              <a:buNone/>
+              <a:defRPr sz="900"/>
+            </a:lvl9pPr>
+          </a:lstStyle>
+          <a:p>
             <a:pPr lvl="0"/>
             <a:r>
               <a:rPr lang="ru-RU"/>
@@ -2642,13 +5092,7 @@
       </p:sp>
       <p:sp>
         <p:nvSpPr>
-          <p:cNvPr id="5" name="Дата 4">
-            <a:extLst>
-              <a:ext uri="{FF2B5EF4-FFF2-40B4-BE49-F238E27FC236}">
-                <a16:creationId xmlns:a16="http://schemas.microsoft.com/office/drawing/2014/main" id="{0B48E0E6-96BD-472B-A32D-548A77CF9F0F}"/>
-              </a:ext>
-            </a:extLst>
-          </p:cNvPr>
+          <p:cNvPr id="5" name="Date Placeholder 4"/>
           <p:cNvSpPr>
             <a:spLocks noGrp="1"/>
           </p:cNvSpPr>
@@ -2663,7 +5107,7 @@
           <a:p>
             <a:fld id="{46FE7FA2-437C-4797-917E-FA5D56212DDE}" type="datetimeFigureOut">
               <a:rPr lang="ru-RU" smtClean="0"/>
-              <a:t>05.01.2022</a:t>
+              <a:t>07.01.2022</a:t>
             </a:fld>
             <a:endParaRPr lang="ru-RU"/>
           </a:p>
@@ -2671,13 +5115,7 @@
       </p:sp>
       <p:sp>
         <p:nvSpPr>
-          <p:cNvPr id="6" name="Нижний колонтитул 5">
-            <a:extLst>
-              <a:ext uri="{FF2B5EF4-FFF2-40B4-BE49-F238E27FC236}">
-                <a16:creationId xmlns:a16="http://schemas.microsoft.com/office/drawing/2014/main" id="{616CBBB8-B878-476F-9FB5-B90F97F85202}"/>
-              </a:ext>
-            </a:extLst>
-          </p:cNvPr>
+          <p:cNvPr id="6" name="Footer Placeholder 5"/>
           <p:cNvSpPr>
             <a:spLocks noGrp="1"/>
           </p:cNvSpPr>
@@ -2696,13 +5134,7 @@
       </p:sp>
       <p:sp>
         <p:nvSpPr>
-          <p:cNvPr id="7" name="Номер слайда 6">
-            <a:extLst>
-              <a:ext uri="{FF2B5EF4-FFF2-40B4-BE49-F238E27FC236}">
-                <a16:creationId xmlns:a16="http://schemas.microsoft.com/office/drawing/2014/main" id="{E5EF6C9C-4ADB-4632-928E-ABE355A70EE6}"/>
-              </a:ext>
-            </a:extLst>
-          </p:cNvPr>
+          <p:cNvPr id="7" name="Slide Number Placeholder 6"/>
           <p:cNvSpPr>
             <a:spLocks noGrp="1"/>
           </p:cNvSpPr>
@@ -2726,7 +5158,7 @@
     </p:spTree>
     <p:extLst>
       <p:ext uri="{BB962C8B-B14F-4D97-AF65-F5344CB8AC3E}">
-        <p14:creationId xmlns:p14="http://schemas.microsoft.com/office/powerpoint/2010/main" val="1188486755"/>
+        <p14:creationId xmlns:p14="http://schemas.microsoft.com/office/powerpoint/2010/main" val="1800422276"/>
       </p:ext>
     </p:extLst>
   </p:cSld>
@@ -2740,8 +5172,8 @@
 <p:sldMaster xmlns:a="http://schemas.openxmlformats.org/drawingml/2006/main" xmlns:r="http://schemas.openxmlformats.org/officeDocument/2006/relationships" xmlns:p="http://schemas.openxmlformats.org/presentationml/2006/main">
   <p:cSld>
     <p:bg>
-      <p:bgRef idx="1001">
-        <a:schemeClr val="bg1"/>
+      <p:bgRef idx="1003">
+        <a:schemeClr val="bg2"/>
       </p:bgRef>
     </p:bg>
     <p:spTree>
@@ -2760,13 +5192,7 @@
       </p:grpSpPr>
       <p:sp>
         <p:nvSpPr>
-          <p:cNvPr id="2" name="Заголовок 1">
-            <a:extLst>
-              <a:ext uri="{FF2B5EF4-FFF2-40B4-BE49-F238E27FC236}">
-                <a16:creationId xmlns:a16="http://schemas.microsoft.com/office/drawing/2014/main" id="{B4A1D200-7BAC-42CA-9862-EA3FDF26C436}"/>
-              </a:ext>
-            </a:extLst>
-          </p:cNvPr>
+          <p:cNvPr id="2" name="Title Placeholder 1"/>
           <p:cNvSpPr>
             <a:spLocks noGrp="1"/>
           </p:cNvSpPr>
@@ -2776,8 +5202,42 @@
         </p:nvSpPr>
         <p:spPr>
           <a:xfrm>
-            <a:off x="838200" y="365125"/>
-            <a:ext cx="10515600" cy="1325563"/>
+            <a:off x="685801" y="609600"/>
+            <a:ext cx="10131425" cy="1456267"/>
+          </a:xfrm>
+          <a:prstGeom prst="rect">
+            <a:avLst/>
+          </a:prstGeom>
+          <a:effectLst/>
+        </p:spPr>
+        <p:txBody>
+          <a:bodyPr vert="horz" lIns="91440" tIns="45720" rIns="91440" bIns="45720" rtlCol="0" anchor="ctr">
+            <a:normAutofit/>
+          </a:bodyPr>
+          <a:lstStyle/>
+          <a:p>
+            <a:r>
+              <a:rPr lang="ru-RU"/>
+              <a:t>Образец заголовка</a:t>
+            </a:r>
+            <a:endParaRPr lang="en-US" dirty="0"/>
+          </a:p>
+        </p:txBody>
+      </p:sp>
+      <p:sp>
+        <p:nvSpPr>
+          <p:cNvPr id="3" name="Text Placeholder 2"/>
+          <p:cNvSpPr>
+            <a:spLocks noGrp="1"/>
+          </p:cNvSpPr>
+          <p:nvPr>
+            <p:ph type="body" idx="1"/>
+          </p:nvPr>
+        </p:nvSpPr>
+        <p:spPr>
+          <a:xfrm>
+            <a:off x="685801" y="2142067"/>
+            <a:ext cx="10131425" cy="3649133"/>
           </a:xfrm>
           <a:prstGeom prst="rect">
             <a:avLst/>
@@ -2789,100 +5249,98 @@
           </a:bodyPr>
           <a:lstStyle/>
           <a:p>
-            <a:r>
-              <a:rPr lang="ru-RU"/>
-              <a:t>Образец заголовка</a:t>
-            </a:r>
-          </a:p>
-        </p:txBody>
-      </p:sp>
-      <p:sp>
-        <p:nvSpPr>
-          <p:cNvPr id="3" name="Текст 2">
-            <a:extLst>
-              <a:ext uri="{FF2B5EF4-FFF2-40B4-BE49-F238E27FC236}">
-                <a16:creationId xmlns:a16="http://schemas.microsoft.com/office/drawing/2014/main" id="{A048EC03-4FFA-4BA4-9835-03D677874935}"/>
-              </a:ext>
-            </a:extLst>
-          </p:cNvPr>
-          <p:cNvSpPr>
-            <a:spLocks noGrp="1"/>
-          </p:cNvSpPr>
-          <p:nvPr>
-            <p:ph type="body" idx="1"/>
+            <a:pPr lvl="0"/>
+            <a:r>
+              <a:rPr lang="ru-RU"/>
+              <a:t>Образец текста</a:t>
+            </a:r>
+          </a:p>
+          <a:p>
+            <a:pPr lvl="1"/>
+            <a:r>
+              <a:rPr lang="ru-RU"/>
+              <a:t>Второй уровень</a:t>
+            </a:r>
+          </a:p>
+          <a:p>
+            <a:pPr lvl="2"/>
+            <a:r>
+              <a:rPr lang="ru-RU"/>
+              <a:t>Третий уровень</a:t>
+            </a:r>
+          </a:p>
+          <a:p>
+            <a:pPr lvl="3"/>
+            <a:r>
+              <a:rPr lang="ru-RU"/>
+              <a:t>Четвертый уровень</a:t>
+            </a:r>
+          </a:p>
+          <a:p>
+            <a:pPr lvl="4"/>
+            <a:r>
+              <a:rPr lang="ru-RU"/>
+              <a:t>Пятый уровень</a:t>
+            </a:r>
+            <a:endParaRPr lang="en-US" dirty="0"/>
+          </a:p>
+        </p:txBody>
+      </p:sp>
+      <p:sp>
+        <p:nvSpPr>
+          <p:cNvPr id="4" name="Date Placeholder 3"/>
+          <p:cNvSpPr>
+            <a:spLocks noGrp="1"/>
+          </p:cNvSpPr>
+          <p:nvPr>
+            <p:ph type="dt" sz="half" idx="2"/>
           </p:nvPr>
         </p:nvSpPr>
         <p:spPr>
           <a:xfrm>
-            <a:off x="838200" y="1825625"/>
-            <a:ext cx="10515600" cy="4351338"/>
+            <a:off x="8589660" y="5870575"/>
+            <a:ext cx="1600200" cy="377825"/>
           </a:xfrm>
           <a:prstGeom prst="rect">
             <a:avLst/>
           </a:prstGeom>
         </p:spPr>
         <p:txBody>
-          <a:bodyPr vert="horz" lIns="91440" tIns="45720" rIns="91440" bIns="45720" rtlCol="0">
-            <a:normAutofit/>
-          </a:bodyPr>
-          <a:lstStyle/>
-          <a:p>
-            <a:pPr lvl="0"/>
-            <a:r>
-              <a:rPr lang="ru-RU"/>
-              <a:t>Образец текста</a:t>
-            </a:r>
-          </a:p>
-          <a:p>
-            <a:pPr lvl="1"/>
-            <a:r>
-              <a:rPr lang="ru-RU"/>
-              <a:t>Второй уровень</a:t>
-            </a:r>
-          </a:p>
-          <a:p>
-            <a:pPr lvl="2"/>
-            <a:r>
-              <a:rPr lang="ru-RU"/>
-              <a:t>Третий уровень</a:t>
-            </a:r>
-          </a:p>
-          <a:p>
-            <a:pPr lvl="3"/>
-            <a:r>
-              <a:rPr lang="ru-RU"/>
-              <a:t>Четвертый уровень</a:t>
-            </a:r>
-          </a:p>
-          <a:p>
-            <a:pPr lvl="4"/>
-            <a:r>
-              <a:rPr lang="ru-RU"/>
-              <a:t>Пятый уровень</a:t>
-            </a:r>
-          </a:p>
-        </p:txBody>
-      </p:sp>
-      <p:sp>
-        <p:nvSpPr>
-          <p:cNvPr id="4" name="Дата 3">
-            <a:extLst>
-              <a:ext uri="{FF2B5EF4-FFF2-40B4-BE49-F238E27FC236}">
-                <a16:creationId xmlns:a16="http://schemas.microsoft.com/office/drawing/2014/main" id="{9AD5226F-C600-4245-A239-1CD7830B0D16}"/>
-              </a:ext>
-            </a:extLst>
-          </p:cNvPr>
-          <p:cNvSpPr>
-            <a:spLocks noGrp="1"/>
-          </p:cNvSpPr>
-          <p:nvPr>
-            <p:ph type="dt" sz="half" idx="2"/>
+          <a:bodyPr vert="horz" lIns="91440" tIns="45720" rIns="91440" bIns="45720" rtlCol="0" anchor="ctr"/>
+          <a:lstStyle>
+            <a:lvl1pPr algn="r">
+              <a:defRPr sz="1000" b="0" i="0">
+                <a:solidFill>
+                  <a:schemeClr val="tx1"/>
+                </a:solidFill>
+                <a:effectLst/>
+                <a:latin typeface="+mn-lt"/>
+              </a:defRPr>
+            </a:lvl1pPr>
+          </a:lstStyle>
+          <a:p>
+            <a:fld id="{46FE7FA2-437C-4797-917E-FA5D56212DDE}" type="datetimeFigureOut">
+              <a:rPr lang="ru-RU" smtClean="0"/>
+              <a:t>07.01.2022</a:t>
+            </a:fld>
+            <a:endParaRPr lang="ru-RU"/>
+          </a:p>
+        </p:txBody>
+      </p:sp>
+      <p:sp>
+        <p:nvSpPr>
+          <p:cNvPr id="5" name="Footer Placeholder 4"/>
+          <p:cNvSpPr>
+            <a:spLocks noGrp="1"/>
+          </p:cNvSpPr>
+          <p:nvPr>
+            <p:ph type="ftr" sz="quarter" idx="3"/>
           </p:nvPr>
         </p:nvSpPr>
         <p:spPr>
           <a:xfrm>
-            <a:off x="838200" y="6356350"/>
-            <a:ext cx="2743200" cy="365125"/>
+            <a:off x="685800" y="5870575"/>
+            <a:ext cx="7827659" cy="377825"/>
           </a:xfrm>
           <a:prstGeom prst="rect">
             <a:avLst/>
@@ -2892,44 +5350,34 @@
           <a:bodyPr vert="horz" lIns="91440" tIns="45720" rIns="91440" bIns="45720" rtlCol="0" anchor="ctr"/>
           <a:lstStyle>
             <a:lvl1pPr algn="l">
-              <a:defRPr sz="1200">
-                <a:solidFill>
-                  <a:schemeClr val="tx1">
-                    <a:tint val="75000"/>
-                  </a:schemeClr>
-                </a:solidFill>
+              <a:defRPr sz="1000" b="0" i="0">
+                <a:solidFill>
+                  <a:schemeClr val="tx1"/>
+                </a:solidFill>
+                <a:effectLst/>
+                <a:latin typeface="+mn-lt"/>
               </a:defRPr>
             </a:lvl1pPr>
           </a:lstStyle>
           <a:p>
-            <a:fld id="{46FE7FA2-437C-4797-917E-FA5D56212DDE}" type="datetimeFigureOut">
-              <a:rPr lang="ru-RU" smtClean="0"/>
-              <a:t>05.01.2022</a:t>
-            </a:fld>
             <a:endParaRPr lang="ru-RU"/>
           </a:p>
         </p:txBody>
       </p:sp>
       <p:sp>
         <p:nvSpPr>
-          <p:cNvPr id="5" name="Нижний колонтитул 4">
-            <a:extLst>
-              <a:ext uri="{FF2B5EF4-FFF2-40B4-BE49-F238E27FC236}">
-                <a16:creationId xmlns:a16="http://schemas.microsoft.com/office/drawing/2014/main" id="{A402F9A1-1758-4089-A5CD-3CFEE573F5BE}"/>
-              </a:ext>
-            </a:extLst>
-          </p:cNvPr>
-          <p:cNvSpPr>
-            <a:spLocks noGrp="1"/>
-          </p:cNvSpPr>
-          <p:nvPr>
-            <p:ph type="ftr" sz="quarter" idx="3"/>
+          <p:cNvPr id="6" name="Slide Number Placeholder 5"/>
+          <p:cNvSpPr>
+            <a:spLocks noGrp="1"/>
+          </p:cNvSpPr>
+          <p:nvPr>
+            <p:ph type="sldNum" sz="quarter" idx="4"/>
           </p:nvPr>
         </p:nvSpPr>
         <p:spPr>
           <a:xfrm>
-            <a:off x="4038600" y="6356350"/>
-            <a:ext cx="4114800" cy="365125"/>
+            <a:off x="10266060" y="5870575"/>
+            <a:ext cx="551167" cy="377825"/>
           </a:xfrm>
           <a:prstGeom prst="rect">
             <a:avLst/>
@@ -2938,56 +5386,13 @@
         <p:txBody>
           <a:bodyPr vert="horz" lIns="91440" tIns="45720" rIns="91440" bIns="45720" rtlCol="0" anchor="ctr"/>
           <a:lstStyle>
-            <a:lvl1pPr algn="ctr">
-              <a:defRPr sz="1200">
-                <a:solidFill>
-                  <a:schemeClr val="tx1">
-                    <a:tint val="75000"/>
-                  </a:schemeClr>
-                </a:solidFill>
-              </a:defRPr>
-            </a:lvl1pPr>
-          </a:lstStyle>
-          <a:p>
-            <a:endParaRPr lang="ru-RU"/>
-          </a:p>
-        </p:txBody>
-      </p:sp>
-      <p:sp>
-        <p:nvSpPr>
-          <p:cNvPr id="6" name="Номер слайда 5">
-            <a:extLst>
-              <a:ext uri="{FF2B5EF4-FFF2-40B4-BE49-F238E27FC236}">
-                <a16:creationId xmlns:a16="http://schemas.microsoft.com/office/drawing/2014/main" id="{4436DAD1-5868-4F8E-B51B-DC7FC40DDC5A}"/>
-              </a:ext>
-            </a:extLst>
-          </p:cNvPr>
-          <p:cNvSpPr>
-            <a:spLocks noGrp="1"/>
-          </p:cNvSpPr>
-          <p:nvPr>
-            <p:ph type="sldNum" sz="quarter" idx="4"/>
-          </p:nvPr>
-        </p:nvSpPr>
-        <p:spPr>
-          <a:xfrm>
-            <a:off x="8610600" y="6356350"/>
-            <a:ext cx="2743200" cy="365125"/>
-          </a:xfrm>
-          <a:prstGeom prst="rect">
-            <a:avLst/>
-          </a:prstGeom>
-        </p:spPr>
-        <p:txBody>
-          <a:bodyPr vert="horz" lIns="91440" tIns="45720" rIns="91440" bIns="45720" rtlCol="0" anchor="ctr"/>
-          <a:lstStyle>
             <a:lvl1pPr algn="r">
-              <a:defRPr sz="1200">
-                <a:solidFill>
-                  <a:schemeClr val="tx1">
-                    <a:tint val="75000"/>
-                  </a:schemeClr>
-                </a:solidFill>
+              <a:defRPr sz="1000" b="0" i="0">
+                <a:solidFill>
+                  <a:schemeClr val="tx1"/>
+                </a:solidFill>
+                <a:effectLst/>
+                <a:latin typeface="+mn-lt"/>
               </a:defRPr>
             </a:lvl1pPr>
           </a:lstStyle>
@@ -3003,55 +5408,322 @@
     </p:spTree>
     <p:extLst>
       <p:ext uri="{BB962C8B-B14F-4D97-AF65-F5344CB8AC3E}">
-        <p14:creationId xmlns:p14="http://schemas.microsoft.com/office/powerpoint/2010/main" val="853257115"/>
+        <p14:creationId xmlns:p14="http://schemas.microsoft.com/office/powerpoint/2010/main" val="2538485023"/>
       </p:ext>
     </p:extLst>
   </p:cSld>
-  <p:clrMap bg1="lt1" tx1="dk1" bg2="lt2" tx2="dk2" accent1="accent1" accent2="accent2" accent3="accent3" accent4="accent4" accent5="accent5" accent6="accent6" hlink="hlink" folHlink="folHlink"/>
+  <p:clrMap bg1="dk1" tx1="lt1" bg2="dk2" tx2="lt2" accent1="accent1" accent2="accent2" accent3="accent3" accent4="accent4" accent5="accent5" accent6="accent6" hlink="hlink" folHlink="folHlink"/>
   <p:sldLayoutIdLst>
-    <p:sldLayoutId id="2147483649" r:id="rId1"/>
-    <p:sldLayoutId id="2147483650" r:id="rId2"/>
-    <p:sldLayoutId id="2147483651" r:id="rId3"/>
-    <p:sldLayoutId id="2147483652" r:id="rId4"/>
-    <p:sldLayoutId id="2147483653" r:id="rId5"/>
-    <p:sldLayoutId id="2147483654" r:id="rId6"/>
-    <p:sldLayoutId id="2147483655" r:id="rId7"/>
-    <p:sldLayoutId id="2147483656" r:id="rId8"/>
-    <p:sldLayoutId id="2147483657" r:id="rId9"/>
-    <p:sldLayoutId id="2147483658" r:id="rId10"/>
-    <p:sldLayoutId id="2147483659" r:id="rId11"/>
+    <p:sldLayoutId id="2147483661" r:id="rId1"/>
+    <p:sldLayoutId id="2147483662" r:id="rId2"/>
+    <p:sldLayoutId id="2147483663" r:id="rId3"/>
+    <p:sldLayoutId id="2147483664" r:id="rId4"/>
+    <p:sldLayoutId id="2147483665" r:id="rId5"/>
+    <p:sldLayoutId id="2147483666" r:id="rId6"/>
+    <p:sldLayoutId id="2147483667" r:id="rId7"/>
+    <p:sldLayoutId id="2147483668" r:id="rId8"/>
+    <p:sldLayoutId id="2147483669" r:id="rId9"/>
+    <p:sldLayoutId id="2147483670" r:id="rId10"/>
+    <p:sldLayoutId id="2147483671" r:id="rId11"/>
+    <p:sldLayoutId id="2147483672" r:id="rId12"/>
+    <p:sldLayoutId id="2147483673" r:id="rId13"/>
+    <p:sldLayoutId id="2147483674" r:id="rId14"/>
+    <p:sldLayoutId id="2147483675" r:id="rId15"/>
+    <p:sldLayoutId id="2147483676" r:id="rId16"/>
+    <p:sldLayoutId id="2147483677" r:id="rId17"/>
   </p:sldLayoutIdLst>
   <p:txStyles>
     <p:titleStyle>
-      <a:lvl1pPr algn="l" defTabSz="914400" rtl="0" eaLnBrk="1" latinLnBrk="0" hangingPunct="1">
-        <a:lnSpc>
-          <a:spcPct val="90000"/>
-        </a:lnSpc>
+      <a:lvl1pPr algn="l" defTabSz="457200" rtl="0" eaLnBrk="1" latinLnBrk="0" hangingPunct="1">
         <a:spcBef>
           <a:spcPct val="0"/>
         </a:spcBef>
         <a:buNone/>
-        <a:defRPr sz="4400" kern="1200">
+        <a:defRPr sz="3600" kern="1200" cap="all">
+          <a:ln w="3175" cmpd="sng">
+            <a:noFill/>
+          </a:ln>
           <a:solidFill>
             <a:schemeClr val="tx1"/>
           </a:solidFill>
+          <a:effectLst/>
           <a:latin typeface="+mj-lt"/>
           <a:ea typeface="+mj-ea"/>
           <a:cs typeface="+mj-cs"/>
         </a:defRPr>
       </a:lvl1pPr>
+      <a:lvl2pPr eaLnBrk="1" hangingPunct="1">
+        <a:defRPr>
+          <a:solidFill>
+            <a:schemeClr val="tx2"/>
+          </a:solidFill>
+        </a:defRPr>
+      </a:lvl2pPr>
+      <a:lvl3pPr eaLnBrk="1" hangingPunct="1">
+        <a:defRPr>
+          <a:solidFill>
+            <a:schemeClr val="tx2"/>
+          </a:solidFill>
+        </a:defRPr>
+      </a:lvl3pPr>
+      <a:lvl4pPr eaLnBrk="1" hangingPunct="1">
+        <a:defRPr>
+          <a:solidFill>
+            <a:schemeClr val="tx2"/>
+          </a:solidFill>
+        </a:defRPr>
+      </a:lvl4pPr>
+      <a:lvl5pPr eaLnBrk="1" hangingPunct="1">
+        <a:defRPr>
+          <a:solidFill>
+            <a:schemeClr val="tx2"/>
+          </a:solidFill>
+        </a:defRPr>
+      </a:lvl5pPr>
+      <a:lvl6pPr eaLnBrk="1" hangingPunct="1">
+        <a:defRPr>
+          <a:solidFill>
+            <a:schemeClr val="tx2"/>
+          </a:solidFill>
+        </a:defRPr>
+      </a:lvl6pPr>
+      <a:lvl7pPr eaLnBrk="1" hangingPunct="1">
+        <a:defRPr>
+          <a:solidFill>
+            <a:schemeClr val="tx2"/>
+          </a:solidFill>
+        </a:defRPr>
+      </a:lvl7pPr>
+      <a:lvl8pPr eaLnBrk="1" hangingPunct="1">
+        <a:defRPr>
+          <a:solidFill>
+            <a:schemeClr val="tx2"/>
+          </a:solidFill>
+        </a:defRPr>
+      </a:lvl8pPr>
+      <a:lvl9pPr eaLnBrk="1" hangingPunct="1">
+        <a:defRPr>
+          <a:solidFill>
+            <a:schemeClr val="tx2"/>
+          </a:solidFill>
+        </a:defRPr>
+      </a:lvl9pPr>
     </p:titleStyle>
     <p:bodyStyle>
-      <a:lvl1pPr marL="228600" indent="-228600" algn="l" defTabSz="914400" rtl="0" eaLnBrk="1" latinLnBrk="0" hangingPunct="1">
-        <a:lnSpc>
-          <a:spcPct val="90000"/>
-        </a:lnSpc>
+      <a:lvl1pPr marL="285750" indent="-285750" algn="l" defTabSz="457200" rtl="0" eaLnBrk="1" latinLnBrk="0" hangingPunct="1">
         <a:spcBef>
+          <a:spcPts val="0"/>
+        </a:spcBef>
+        <a:spcAft>
           <a:spcPts val="1000"/>
+        </a:spcAft>
+        <a:buClr>
+          <a:schemeClr val="tx1"/>
+        </a:buClr>
+        <a:buSzPct val="100000"/>
+        <a:buFont typeface="Arial"/>
+        <a:buChar char="•"/>
+        <a:defRPr sz="1800" kern="1200" cap="none">
+          <a:solidFill>
+            <a:schemeClr val="tx1"/>
+          </a:solidFill>
+          <a:effectLst/>
+          <a:latin typeface="+mn-lt"/>
+          <a:ea typeface="+mn-ea"/>
+          <a:cs typeface="+mn-cs"/>
+        </a:defRPr>
+      </a:lvl1pPr>
+      <a:lvl2pPr marL="742950" indent="-285750" algn="l" defTabSz="457200" rtl="0" eaLnBrk="1" latinLnBrk="0" hangingPunct="1">
+        <a:spcBef>
+          <a:spcPts val="0"/>
         </a:spcBef>
-        <a:buFont typeface="Arial" panose="020B0604020202020204" pitchFamily="34" charset="0"/>
+        <a:spcAft>
+          <a:spcPts val="1000"/>
+        </a:spcAft>
+        <a:buClr>
+          <a:schemeClr val="tx1"/>
+        </a:buClr>
+        <a:buSzPct val="100000"/>
+        <a:buFont typeface="Arial"/>
         <a:buChar char="•"/>
-        <a:defRPr sz="2800" kern="1200">
+        <a:defRPr sz="1600" kern="1200" cap="none">
+          <a:solidFill>
+            <a:schemeClr val="tx1"/>
+          </a:solidFill>
+          <a:effectLst/>
+          <a:latin typeface="+mn-lt"/>
+          <a:ea typeface="+mn-ea"/>
+          <a:cs typeface="+mn-cs"/>
+        </a:defRPr>
+      </a:lvl2pPr>
+      <a:lvl3pPr marL="1200150" indent="-285750" algn="l" defTabSz="457200" rtl="0" eaLnBrk="1" latinLnBrk="0" hangingPunct="1">
+        <a:spcBef>
+          <a:spcPts val="0"/>
+        </a:spcBef>
+        <a:spcAft>
+          <a:spcPts val="1000"/>
+        </a:spcAft>
+        <a:buClr>
+          <a:schemeClr val="tx1"/>
+        </a:buClr>
+        <a:buSzPct val="100000"/>
+        <a:buFont typeface="Arial"/>
+        <a:buChar char="•"/>
+        <a:defRPr sz="1400" kern="1200" cap="none">
+          <a:solidFill>
+            <a:schemeClr val="tx1"/>
+          </a:solidFill>
+          <a:effectLst/>
+          <a:latin typeface="+mn-lt"/>
+          <a:ea typeface="+mn-ea"/>
+          <a:cs typeface="+mn-cs"/>
+        </a:defRPr>
+      </a:lvl3pPr>
+      <a:lvl4pPr marL="1543050" indent="-171450" algn="l" defTabSz="457200" rtl="0" eaLnBrk="1" latinLnBrk="0" hangingPunct="1">
+        <a:spcBef>
+          <a:spcPts val="0"/>
+        </a:spcBef>
+        <a:spcAft>
+          <a:spcPts val="1000"/>
+        </a:spcAft>
+        <a:buClr>
+          <a:schemeClr val="tx1"/>
+        </a:buClr>
+        <a:buSzPct val="100000"/>
+        <a:buFont typeface="Arial"/>
+        <a:buChar char="•"/>
+        <a:defRPr sz="1200" kern="1200" cap="none">
+          <a:solidFill>
+            <a:schemeClr val="tx1"/>
+          </a:solidFill>
+          <a:effectLst/>
+          <a:latin typeface="+mn-lt"/>
+          <a:ea typeface="+mn-ea"/>
+          <a:cs typeface="+mn-cs"/>
+        </a:defRPr>
+      </a:lvl4pPr>
+      <a:lvl5pPr marL="2000250" indent="-171450" algn="l" defTabSz="457200" rtl="0" eaLnBrk="1" latinLnBrk="0" hangingPunct="1">
+        <a:spcBef>
+          <a:spcPts val="0"/>
+        </a:spcBef>
+        <a:spcAft>
+          <a:spcPts val="1000"/>
+        </a:spcAft>
+        <a:buClr>
+          <a:schemeClr val="tx1"/>
+        </a:buClr>
+        <a:buSzPct val="100000"/>
+        <a:buFont typeface="Arial"/>
+        <a:buChar char="•"/>
+        <a:defRPr sz="1200" kern="1200" cap="none">
+          <a:solidFill>
+            <a:schemeClr val="tx1"/>
+          </a:solidFill>
+          <a:effectLst/>
+          <a:latin typeface="+mn-lt"/>
+          <a:ea typeface="+mn-ea"/>
+          <a:cs typeface="+mn-cs"/>
+        </a:defRPr>
+      </a:lvl5pPr>
+      <a:lvl6pPr marL="2514600" indent="-228600" algn="l" defTabSz="457200" rtl="0" eaLnBrk="1" latinLnBrk="0" hangingPunct="1">
+        <a:spcBef>
+          <a:spcPts val="0"/>
+        </a:spcBef>
+        <a:spcAft>
+          <a:spcPts val="1000"/>
+        </a:spcAft>
+        <a:buClr>
+          <a:schemeClr val="tx1"/>
+        </a:buClr>
+        <a:buSzPct val="100000"/>
+        <a:buFont typeface="Arial"/>
+        <a:buChar char="•"/>
+        <a:defRPr sz="1200" kern="1200" cap="none">
+          <a:solidFill>
+            <a:schemeClr val="tx1"/>
+          </a:solidFill>
+          <a:effectLst/>
+          <a:latin typeface="+mn-lt"/>
+          <a:ea typeface="+mn-ea"/>
+          <a:cs typeface="+mn-cs"/>
+        </a:defRPr>
+      </a:lvl6pPr>
+      <a:lvl7pPr marL="2971800" indent="-228600" algn="l" defTabSz="457200" rtl="0" eaLnBrk="1" latinLnBrk="0" hangingPunct="1">
+        <a:spcBef>
+          <a:spcPts val="0"/>
+        </a:spcBef>
+        <a:spcAft>
+          <a:spcPts val="1000"/>
+        </a:spcAft>
+        <a:buClr>
+          <a:schemeClr val="tx1"/>
+        </a:buClr>
+        <a:buSzPct val="100000"/>
+        <a:buFont typeface="Arial"/>
+        <a:buChar char="•"/>
+        <a:defRPr sz="1200" kern="1200" cap="none">
+          <a:solidFill>
+            <a:schemeClr val="tx1"/>
+          </a:solidFill>
+          <a:effectLst/>
+          <a:latin typeface="+mn-lt"/>
+          <a:ea typeface="+mn-ea"/>
+          <a:cs typeface="+mn-cs"/>
+        </a:defRPr>
+      </a:lvl7pPr>
+      <a:lvl8pPr marL="3429000" indent="-228600" algn="l" defTabSz="457200" rtl="0" eaLnBrk="1" latinLnBrk="0" hangingPunct="1">
+        <a:spcBef>
+          <a:spcPts val="0"/>
+        </a:spcBef>
+        <a:spcAft>
+          <a:spcPts val="1000"/>
+        </a:spcAft>
+        <a:buClr>
+          <a:schemeClr val="tx1"/>
+        </a:buClr>
+        <a:buSzPct val="100000"/>
+        <a:buFont typeface="Arial"/>
+        <a:buChar char="•"/>
+        <a:defRPr sz="1200" kern="1200" cap="none">
+          <a:solidFill>
+            <a:schemeClr val="tx1"/>
+          </a:solidFill>
+          <a:effectLst/>
+          <a:latin typeface="+mn-lt"/>
+          <a:ea typeface="+mn-ea"/>
+          <a:cs typeface="+mn-cs"/>
+        </a:defRPr>
+      </a:lvl8pPr>
+      <a:lvl9pPr marL="3886200" indent="-228600" algn="l" defTabSz="457200" rtl="0" eaLnBrk="1" latinLnBrk="0" hangingPunct="1">
+        <a:spcBef>
+          <a:spcPts val="0"/>
+        </a:spcBef>
+        <a:spcAft>
+          <a:spcPts val="1000"/>
+        </a:spcAft>
+        <a:buClr>
+          <a:schemeClr val="tx1"/>
+        </a:buClr>
+        <a:buSzPct val="100000"/>
+        <a:buFont typeface="Arial"/>
+        <a:buChar char="•"/>
+        <a:defRPr sz="1200" kern="1200" cap="none">
+          <a:solidFill>
+            <a:schemeClr val="tx1"/>
+          </a:solidFill>
+          <a:effectLst/>
+          <a:latin typeface="+mn-lt"/>
+          <a:ea typeface="+mn-ea"/>
+          <a:cs typeface="+mn-cs"/>
+        </a:defRPr>
+      </a:lvl9pPr>
+    </p:bodyStyle>
+    <p:otherStyle>
+      <a:defPPr>
+        <a:defRPr lang="en-US"/>
+      </a:defPPr>
+      <a:lvl1pPr marL="0" algn="l" defTabSz="457200" rtl="0" eaLnBrk="1" latinLnBrk="0" hangingPunct="1">
+        <a:defRPr sz="1800" kern="1200">
           <a:solidFill>
             <a:schemeClr val="tx1"/>
           </a:solidFill>
@@ -3060,16 +5732,8 @@
           <a:cs typeface="+mn-cs"/>
         </a:defRPr>
       </a:lvl1pPr>
-      <a:lvl2pPr marL="685800" indent="-228600" algn="l" defTabSz="914400" rtl="0" eaLnBrk="1" latinLnBrk="0" hangingPunct="1">
-        <a:lnSpc>
-          <a:spcPct val="90000"/>
-        </a:lnSpc>
-        <a:spcBef>
-          <a:spcPts val="500"/>
-        </a:spcBef>
-        <a:buFont typeface="Arial" panose="020B0604020202020204" pitchFamily="34" charset="0"/>
-        <a:buChar char="•"/>
-        <a:defRPr sz="2400" kern="1200">
+      <a:lvl2pPr marL="457200" algn="l" defTabSz="457200" rtl="0" eaLnBrk="1" latinLnBrk="0" hangingPunct="1">
+        <a:defRPr sz="1800" kern="1200">
           <a:solidFill>
             <a:schemeClr val="tx1"/>
           </a:solidFill>
@@ -3078,16 +5742,8 @@
           <a:cs typeface="+mn-cs"/>
         </a:defRPr>
       </a:lvl2pPr>
-      <a:lvl3pPr marL="1143000" indent="-228600" algn="l" defTabSz="914400" rtl="0" eaLnBrk="1" latinLnBrk="0" hangingPunct="1">
-        <a:lnSpc>
-          <a:spcPct val="90000"/>
-        </a:lnSpc>
-        <a:spcBef>
-          <a:spcPts val="500"/>
-        </a:spcBef>
-        <a:buFont typeface="Arial" panose="020B0604020202020204" pitchFamily="34" charset="0"/>
-        <a:buChar char="•"/>
-        <a:defRPr sz="2000" kern="1200">
+      <a:lvl3pPr marL="914400" algn="l" defTabSz="457200" rtl="0" eaLnBrk="1" latinLnBrk="0" hangingPunct="1">
+        <a:defRPr sz="1800" kern="1200">
           <a:solidFill>
             <a:schemeClr val="tx1"/>
           </a:solidFill>
@@ -3096,15 +5752,7 @@
           <a:cs typeface="+mn-cs"/>
         </a:defRPr>
       </a:lvl3pPr>
-      <a:lvl4pPr marL="1600200" indent="-228600" algn="l" defTabSz="914400" rtl="0" eaLnBrk="1" latinLnBrk="0" hangingPunct="1">
-        <a:lnSpc>
-          <a:spcPct val="90000"/>
-        </a:lnSpc>
-        <a:spcBef>
-          <a:spcPts val="500"/>
-        </a:spcBef>
-        <a:buFont typeface="Arial" panose="020B0604020202020204" pitchFamily="34" charset="0"/>
-        <a:buChar char="•"/>
+      <a:lvl4pPr marL="1371600" algn="l" defTabSz="457200" rtl="0" eaLnBrk="1" latinLnBrk="0" hangingPunct="1">
         <a:defRPr sz="1800" kern="1200">
           <a:solidFill>
             <a:schemeClr val="tx1"/>
@@ -3114,15 +5762,7 @@
           <a:cs typeface="+mn-cs"/>
         </a:defRPr>
       </a:lvl4pPr>
-      <a:lvl5pPr marL="2057400" indent="-228600" algn="l" defTabSz="914400" rtl="0" eaLnBrk="1" latinLnBrk="0" hangingPunct="1">
-        <a:lnSpc>
-          <a:spcPct val="90000"/>
-        </a:lnSpc>
-        <a:spcBef>
-          <a:spcPts val="500"/>
-        </a:spcBef>
-        <a:buFont typeface="Arial" panose="020B0604020202020204" pitchFamily="34" charset="0"/>
-        <a:buChar char="•"/>
+      <a:lvl5pPr marL="1828800" algn="l" defTabSz="457200" rtl="0" eaLnBrk="1" latinLnBrk="0" hangingPunct="1">
         <a:defRPr sz="1800" kern="1200">
           <a:solidFill>
             <a:schemeClr val="tx1"/>
@@ -3132,15 +5772,7 @@
           <a:cs typeface="+mn-cs"/>
         </a:defRPr>
       </a:lvl5pPr>
-      <a:lvl6pPr marL="2514600" indent="-228600" algn="l" defTabSz="914400" rtl="0" eaLnBrk="1" latinLnBrk="0" hangingPunct="1">
-        <a:lnSpc>
-          <a:spcPct val="90000"/>
-        </a:lnSpc>
-        <a:spcBef>
-          <a:spcPts val="500"/>
-        </a:spcBef>
-        <a:buFont typeface="Arial" panose="020B0604020202020204" pitchFamily="34" charset="0"/>
-        <a:buChar char="•"/>
+      <a:lvl6pPr marL="2286000" algn="l" defTabSz="457200" rtl="0" eaLnBrk="1" latinLnBrk="0" hangingPunct="1">
         <a:defRPr sz="1800" kern="1200">
           <a:solidFill>
             <a:schemeClr val="tx1"/>
@@ -3150,15 +5782,7 @@
           <a:cs typeface="+mn-cs"/>
         </a:defRPr>
       </a:lvl6pPr>
-      <a:lvl7pPr marL="2971800" indent="-228600" algn="l" defTabSz="914400" rtl="0" eaLnBrk="1" latinLnBrk="0" hangingPunct="1">
-        <a:lnSpc>
-          <a:spcPct val="90000"/>
-        </a:lnSpc>
-        <a:spcBef>
-          <a:spcPts val="500"/>
-        </a:spcBef>
-        <a:buFont typeface="Arial" panose="020B0604020202020204" pitchFamily="34" charset="0"/>
-        <a:buChar char="•"/>
+      <a:lvl7pPr marL="2743200" algn="l" defTabSz="457200" rtl="0" eaLnBrk="1" latinLnBrk="0" hangingPunct="1">
         <a:defRPr sz="1800" kern="1200">
           <a:solidFill>
             <a:schemeClr val="tx1"/>
@@ -3168,15 +5792,7 @@
           <a:cs typeface="+mn-cs"/>
         </a:defRPr>
       </a:lvl7pPr>
-      <a:lvl8pPr marL="3429000" indent="-228600" algn="l" defTabSz="914400" rtl="0" eaLnBrk="1" latinLnBrk="0" hangingPunct="1">
-        <a:lnSpc>
-          <a:spcPct val="90000"/>
-        </a:lnSpc>
-        <a:spcBef>
-          <a:spcPts val="500"/>
-        </a:spcBef>
-        <a:buFont typeface="Arial" panose="020B0604020202020204" pitchFamily="34" charset="0"/>
-        <a:buChar char="•"/>
+      <a:lvl8pPr marL="3200400" algn="l" defTabSz="457200" rtl="0" eaLnBrk="1" latinLnBrk="0" hangingPunct="1">
         <a:defRPr sz="1800" kern="1200">
           <a:solidFill>
             <a:schemeClr val="tx1"/>
@@ -3186,110 +5802,7 @@
           <a:cs typeface="+mn-cs"/>
         </a:defRPr>
       </a:lvl8pPr>
-      <a:lvl9pPr marL="3886200" indent="-228600" algn="l" defTabSz="914400" rtl="0" eaLnBrk="1" latinLnBrk="0" hangingPunct="1">
-        <a:lnSpc>
-          <a:spcPct val="90000"/>
-        </a:lnSpc>
-        <a:spcBef>
-          <a:spcPts val="500"/>
-        </a:spcBef>
-        <a:buFont typeface="Arial" panose="020B0604020202020204" pitchFamily="34" charset="0"/>
-        <a:buChar char="•"/>
-        <a:defRPr sz="1800" kern="1200">
-          <a:solidFill>
-            <a:schemeClr val="tx1"/>
-          </a:solidFill>
-          <a:latin typeface="+mn-lt"/>
-          <a:ea typeface="+mn-ea"/>
-          <a:cs typeface="+mn-cs"/>
-        </a:defRPr>
-      </a:lvl9pPr>
-    </p:bodyStyle>
-    <p:otherStyle>
-      <a:defPPr>
-        <a:defRPr lang="ru-RU"/>
-      </a:defPPr>
-      <a:lvl1pPr marL="0" algn="l" defTabSz="914400" rtl="0" eaLnBrk="1" latinLnBrk="0" hangingPunct="1">
-        <a:defRPr sz="1800" kern="1200">
-          <a:solidFill>
-            <a:schemeClr val="tx1"/>
-          </a:solidFill>
-          <a:latin typeface="+mn-lt"/>
-          <a:ea typeface="+mn-ea"/>
-          <a:cs typeface="+mn-cs"/>
-        </a:defRPr>
-      </a:lvl1pPr>
-      <a:lvl2pPr marL="457200" algn="l" defTabSz="914400" rtl="0" eaLnBrk="1" latinLnBrk="0" hangingPunct="1">
-        <a:defRPr sz="1800" kern="1200">
-          <a:solidFill>
-            <a:schemeClr val="tx1"/>
-          </a:solidFill>
-          <a:latin typeface="+mn-lt"/>
-          <a:ea typeface="+mn-ea"/>
-          <a:cs typeface="+mn-cs"/>
-        </a:defRPr>
-      </a:lvl2pPr>
-      <a:lvl3pPr marL="914400" algn="l" defTabSz="914400" rtl="0" eaLnBrk="1" latinLnBrk="0" hangingPunct="1">
-        <a:defRPr sz="1800" kern="1200">
-          <a:solidFill>
-            <a:schemeClr val="tx1"/>
-          </a:solidFill>
-          <a:latin typeface="+mn-lt"/>
-          <a:ea typeface="+mn-ea"/>
-          <a:cs typeface="+mn-cs"/>
-        </a:defRPr>
-      </a:lvl3pPr>
-      <a:lvl4pPr marL="1371600" algn="l" defTabSz="914400" rtl="0" eaLnBrk="1" latinLnBrk="0" hangingPunct="1">
-        <a:defRPr sz="1800" kern="1200">
-          <a:solidFill>
-            <a:schemeClr val="tx1"/>
-          </a:solidFill>
-          <a:latin typeface="+mn-lt"/>
-          <a:ea typeface="+mn-ea"/>
-          <a:cs typeface="+mn-cs"/>
-        </a:defRPr>
-      </a:lvl4pPr>
-      <a:lvl5pPr marL="1828800" algn="l" defTabSz="914400" rtl="0" eaLnBrk="1" latinLnBrk="0" hangingPunct="1">
-        <a:defRPr sz="1800" kern="1200">
-          <a:solidFill>
-            <a:schemeClr val="tx1"/>
-          </a:solidFill>
-          <a:latin typeface="+mn-lt"/>
-          <a:ea typeface="+mn-ea"/>
-          <a:cs typeface="+mn-cs"/>
-        </a:defRPr>
-      </a:lvl5pPr>
-      <a:lvl6pPr marL="2286000" algn="l" defTabSz="914400" rtl="0" eaLnBrk="1" latinLnBrk="0" hangingPunct="1">
-        <a:defRPr sz="1800" kern="1200">
-          <a:solidFill>
-            <a:schemeClr val="tx1"/>
-          </a:solidFill>
-          <a:latin typeface="+mn-lt"/>
-          <a:ea typeface="+mn-ea"/>
-          <a:cs typeface="+mn-cs"/>
-        </a:defRPr>
-      </a:lvl6pPr>
-      <a:lvl7pPr marL="2743200" algn="l" defTabSz="914400" rtl="0" eaLnBrk="1" latinLnBrk="0" hangingPunct="1">
-        <a:defRPr sz="1800" kern="1200">
-          <a:solidFill>
-            <a:schemeClr val="tx1"/>
-          </a:solidFill>
-          <a:latin typeface="+mn-lt"/>
-          <a:ea typeface="+mn-ea"/>
-          <a:cs typeface="+mn-cs"/>
-        </a:defRPr>
-      </a:lvl7pPr>
-      <a:lvl8pPr marL="3200400" algn="l" defTabSz="914400" rtl="0" eaLnBrk="1" latinLnBrk="0" hangingPunct="1">
-        <a:defRPr sz="1800" kern="1200">
-          <a:solidFill>
-            <a:schemeClr val="tx1"/>
-          </a:solidFill>
-          <a:latin typeface="+mn-lt"/>
-          <a:ea typeface="+mn-ea"/>
-          <a:cs typeface="+mn-cs"/>
-        </a:defRPr>
-      </a:lvl8pPr>
-      <a:lvl9pPr marL="3657600" algn="l" defTabSz="914400" rtl="0" eaLnBrk="1" latinLnBrk="0" hangingPunct="1">
+      <a:lvl9pPr marL="3657600" algn="l" defTabSz="457200" rtl="0" eaLnBrk="1" latinLnBrk="0" hangingPunct="1">
         <a:defRPr sz="1800" kern="1200">
           <a:solidFill>
             <a:schemeClr val="tx1"/>
@@ -3343,9 +5856,10 @@
           <a:lstStyle/>
           <a:p>
             <a:r>
-              <a:rPr lang="ru-RU"/>
-              <a:t>Танчики</a:t>
-            </a:r>
+              <a:rPr lang="en-US" dirty="0"/>
+              <a:t>Tanks</a:t>
+            </a:r>
+            <a:endParaRPr lang="ru-RU" dirty="0"/>
           </a:p>
         </p:txBody>
       </p:sp>
@@ -3370,7 +5884,18 @@
           <a:bodyPr/>
           <a:lstStyle/>
           <a:p>
-            <a:endParaRPr lang="ru-RU"/>
+            <a:r>
+              <a:rPr lang="ru-RU" dirty="0"/>
+              <a:t>Проект подготовил Учащийся 9 класса степанцов </a:t>
+            </a:r>
+            <a:r>
+              <a:rPr lang="ru-RU" dirty="0" err="1"/>
+              <a:t>александр</a:t>
+            </a:r>
+            <a:r>
+              <a:rPr lang="ru-RU" dirty="0"/>
+              <a:t>.</a:t>
+            </a:r>
           </a:p>
         </p:txBody>
       </p:sp>
@@ -3387,10 +5912,971 @@
 </p:sld>
 </file>
 
+<file path=ppt/slides/slide2.xml><?xml version="1.0" encoding="utf-8"?>
+<p:sld xmlns:a="http://schemas.openxmlformats.org/drawingml/2006/main" xmlns:r="http://schemas.openxmlformats.org/officeDocument/2006/relationships" xmlns:p="http://schemas.openxmlformats.org/presentationml/2006/main">
+  <p:cSld>
+    <p:spTree>
+      <p:nvGrpSpPr>
+        <p:cNvPr id="1" name=""/>
+        <p:cNvGrpSpPr/>
+        <p:nvPr/>
+      </p:nvGrpSpPr>
+      <p:grpSpPr>
+        <a:xfrm>
+          <a:off x="0" y="0"/>
+          <a:ext cx="0" cy="0"/>
+          <a:chOff x="0" y="0"/>
+          <a:chExt cx="0" cy="0"/>
+        </a:xfrm>
+      </p:grpSpPr>
+      <p:sp>
+        <p:nvSpPr>
+          <p:cNvPr id="2" name="Заголовок 1">
+            <a:extLst>
+              <a:ext uri="{FF2B5EF4-FFF2-40B4-BE49-F238E27FC236}">
+                <a16:creationId xmlns:a16="http://schemas.microsoft.com/office/drawing/2014/main" id="{B43BAD6C-9816-41B1-AF1B-D513C2AC9C56}"/>
+              </a:ext>
+            </a:extLst>
+          </p:cNvPr>
+          <p:cNvSpPr>
+            <a:spLocks noGrp="1"/>
+          </p:cNvSpPr>
+          <p:nvPr>
+            <p:ph type="title"/>
+          </p:nvPr>
+        </p:nvSpPr>
+        <p:spPr>
+          <a:xfrm>
+            <a:off x="685800" y="609601"/>
+            <a:ext cx="3680885" cy="627528"/>
+          </a:xfrm>
+        </p:spPr>
+        <p:txBody>
+          <a:bodyPr/>
+          <a:lstStyle/>
+          <a:p>
+            <a:r>
+              <a:rPr lang="ru-RU" dirty="0"/>
+              <a:t>Основная информация</a:t>
+            </a:r>
+          </a:p>
+        </p:txBody>
+      </p:sp>
+      <p:pic>
+        <p:nvPicPr>
+          <p:cNvPr id="6" name="Объект 5">
+            <a:extLst>
+              <a:ext uri="{FF2B5EF4-FFF2-40B4-BE49-F238E27FC236}">
+                <a16:creationId xmlns:a16="http://schemas.microsoft.com/office/drawing/2014/main" id="{FEDE1061-3283-4726-A762-72EE3ED80B92}"/>
+              </a:ext>
+            </a:extLst>
+          </p:cNvPr>
+          <p:cNvPicPr>
+            <a:picLocks noGrp="1" noChangeAspect="1"/>
+          </p:cNvPicPr>
+          <p:nvPr>
+            <p:ph idx="1"/>
+          </p:nvPr>
+        </p:nvPicPr>
+        <p:blipFill>
+          <a:blip r:embed="rId2">
+            <a:extLst>
+              <a:ext uri="{28A0092B-C50C-407E-A947-70E740481C1C}">
+                <a14:useLocalDpi xmlns:a14="http://schemas.microsoft.com/office/drawing/2010/main" val="0"/>
+              </a:ext>
+            </a:extLst>
+          </a:blip>
+          <a:stretch>
+            <a:fillRect/>
+          </a:stretch>
+        </p:blipFill>
+        <p:spPr>
+          <a:xfrm>
+            <a:off x="4648200" y="1465362"/>
+            <a:ext cx="6169025" cy="3470076"/>
+          </a:xfrm>
+        </p:spPr>
+      </p:pic>
+      <p:sp>
+        <p:nvSpPr>
+          <p:cNvPr id="4" name="Текст 3">
+            <a:extLst>
+              <a:ext uri="{FF2B5EF4-FFF2-40B4-BE49-F238E27FC236}">
+                <a16:creationId xmlns:a16="http://schemas.microsoft.com/office/drawing/2014/main" id="{4561DB29-CBA0-4E10-9F1C-5EB70C84CA18}"/>
+              </a:ext>
+            </a:extLst>
+          </p:cNvPr>
+          <p:cNvSpPr>
+            <a:spLocks noGrp="1"/>
+          </p:cNvSpPr>
+          <p:nvPr>
+            <p:ph type="body" sz="half" idx="2"/>
+          </p:nvPr>
+        </p:nvSpPr>
+        <p:spPr>
+          <a:xfrm>
+            <a:off x="685800" y="1353671"/>
+            <a:ext cx="3680885" cy="4437530"/>
+          </a:xfrm>
+        </p:spPr>
+        <p:txBody>
+          <a:bodyPr>
+            <a:normAutofit fontScale="77500" lnSpcReduction="20000"/>
+          </a:bodyPr>
+          <a:lstStyle/>
+          <a:p>
+            <a:r>
+              <a:rPr lang="ru-RU" dirty="0"/>
+              <a:t>В моём проекта должно быть реализовано:</a:t>
+            </a:r>
+          </a:p>
+          <a:p>
+            <a:r>
+              <a:rPr lang="ru-RU" dirty="0"/>
+              <a:t>-Класс игрока и класс бота</a:t>
+            </a:r>
+          </a:p>
+          <a:p>
+            <a:r>
+              <a:rPr lang="ru-RU" dirty="0"/>
+              <a:t>-Движение танка в разных направлениях</a:t>
+            </a:r>
+          </a:p>
+          <a:p>
+            <a:r>
+              <a:rPr lang="ru-RU" dirty="0"/>
+              <a:t>-</a:t>
+            </a:r>
+            <a:r>
+              <a:rPr lang="ru-RU" dirty="0" err="1"/>
+              <a:t>Стреальба</a:t>
+            </a:r>
+            <a:r>
+              <a:rPr lang="ru-RU" dirty="0"/>
+              <a:t> и просчёт пуль.</a:t>
+            </a:r>
+          </a:p>
+          <a:p>
+            <a:r>
+              <a:rPr lang="ru-RU" dirty="0"/>
+              <a:t>-Столкновение с противниками либо с препятствиями</a:t>
+            </a:r>
+          </a:p>
+          <a:p>
+            <a:r>
+              <a:rPr lang="ru-RU" dirty="0"/>
+              <a:t>-Главное меню</a:t>
+            </a:r>
+          </a:p>
+          <a:p>
+            <a:r>
+              <a:rPr lang="ru-RU" dirty="0"/>
+              <a:t>-Меню конца игры или проигрыша</a:t>
+            </a:r>
+          </a:p>
+          <a:p>
+            <a:r>
+              <a:rPr lang="ru-RU" dirty="0"/>
+              <a:t>-Подсчёт очков</a:t>
+            </a:r>
+          </a:p>
+          <a:p>
+            <a:r>
+              <a:rPr lang="ru-RU" dirty="0"/>
+              <a:t>-Запись рекорда прохождения уровня в определённый файл</a:t>
+            </a:r>
+          </a:p>
+          <a:p>
+            <a:r>
+              <a:rPr lang="ru-RU" dirty="0"/>
+              <a:t>-Звуковое сопровождение(выстрел, смерть и т п)</a:t>
+            </a:r>
+          </a:p>
+          <a:p>
+            <a:r>
+              <a:rPr lang="ru-RU" dirty="0"/>
+              <a:t>-Реализация нескольких уровней</a:t>
+            </a:r>
+          </a:p>
+          <a:p>
+            <a:r>
+              <a:rPr lang="ru-RU" dirty="0"/>
+              <a:t>В классе бота должна быть функция вычисления кратчайшего пути для достижения игрока</a:t>
+            </a:r>
+          </a:p>
+          <a:p>
+            <a:r>
+              <a:rPr lang="ru-RU" dirty="0"/>
+              <a:t>Также должна быть реализована </a:t>
+            </a:r>
+            <a:r>
+              <a:rPr lang="ru-RU" dirty="0" err="1"/>
+              <a:t>периоличность</a:t>
+            </a:r>
+            <a:r>
+              <a:rPr lang="ru-RU" dirty="0"/>
+              <a:t> стрельбы для наращивания сложности бота</a:t>
+            </a:r>
+          </a:p>
+        </p:txBody>
+      </p:sp>
+    </p:spTree>
+    <p:extLst>
+      <p:ext uri="{BB962C8B-B14F-4D97-AF65-F5344CB8AC3E}">
+        <p14:creationId xmlns:p14="http://schemas.microsoft.com/office/powerpoint/2010/main" val="1902870200"/>
+      </p:ext>
+    </p:extLst>
+  </p:cSld>
+  <p:clrMapOvr>
+    <a:masterClrMapping/>
+  </p:clrMapOvr>
+</p:sld>
+</file>
+
+<file path=ppt/slides/slide3.xml><?xml version="1.0" encoding="utf-8"?>
+<p:sld xmlns:a="http://schemas.openxmlformats.org/drawingml/2006/main" xmlns:r="http://schemas.openxmlformats.org/officeDocument/2006/relationships" xmlns:p="http://schemas.openxmlformats.org/presentationml/2006/main">
+  <p:cSld>
+    <p:spTree>
+      <p:nvGrpSpPr>
+        <p:cNvPr id="1" name=""/>
+        <p:cNvGrpSpPr/>
+        <p:nvPr/>
+      </p:nvGrpSpPr>
+      <p:grpSpPr>
+        <a:xfrm>
+          <a:off x="0" y="0"/>
+          <a:ext cx="0" cy="0"/>
+          <a:chOff x="0" y="0"/>
+          <a:chExt cx="0" cy="0"/>
+        </a:xfrm>
+      </p:grpSpPr>
+      <p:sp>
+        <p:nvSpPr>
+          <p:cNvPr id="2" name="Заголовок 1">
+            <a:extLst>
+              <a:ext uri="{FF2B5EF4-FFF2-40B4-BE49-F238E27FC236}">
+                <a16:creationId xmlns:a16="http://schemas.microsoft.com/office/drawing/2014/main" id="{06476626-034C-43B8-A442-4FB8ED89A30A}"/>
+              </a:ext>
+            </a:extLst>
+          </p:cNvPr>
+          <p:cNvSpPr>
+            <a:spLocks noGrp="1"/>
+          </p:cNvSpPr>
+          <p:nvPr>
+            <p:ph type="title"/>
+          </p:nvPr>
+        </p:nvSpPr>
+        <p:spPr/>
+        <p:txBody>
+          <a:bodyPr/>
+          <a:lstStyle/>
+          <a:p>
+            <a:r>
+              <a:rPr lang="ru-RU" dirty="0"/>
+              <a:t>Начнём с простого</a:t>
+            </a:r>
+          </a:p>
+        </p:txBody>
+      </p:sp>
+      <p:sp>
+        <p:nvSpPr>
+          <p:cNvPr id="3" name="Рисунок 2">
+            <a:extLst>
+              <a:ext uri="{FF2B5EF4-FFF2-40B4-BE49-F238E27FC236}">
+                <a16:creationId xmlns:a16="http://schemas.microsoft.com/office/drawing/2014/main" id="{F0ECF5E5-1B8C-4525-BDA4-097BCAFC2BBB}"/>
+              </a:ext>
+            </a:extLst>
+          </p:cNvPr>
+          <p:cNvSpPr>
+            <a:spLocks noGrp="1"/>
+          </p:cNvSpPr>
+          <p:nvPr>
+            <p:ph type="pic" idx="1"/>
+          </p:nvPr>
+        </p:nvSpPr>
+        <p:spPr>
+          <a:xfrm>
+            <a:off x="6850452" y="1600200"/>
+            <a:ext cx="5117429" cy="3200400"/>
+          </a:xfrm>
+        </p:spPr>
+      </p:sp>
+      <p:sp>
+        <p:nvSpPr>
+          <p:cNvPr id="4" name="Текст 3">
+            <a:extLst>
+              <a:ext uri="{FF2B5EF4-FFF2-40B4-BE49-F238E27FC236}">
+                <a16:creationId xmlns:a16="http://schemas.microsoft.com/office/drawing/2014/main" id="{527BBAB3-2F13-40DB-B493-CF88202C7846}"/>
+              </a:ext>
+            </a:extLst>
+          </p:cNvPr>
+          <p:cNvSpPr>
+            <a:spLocks noGrp="1"/>
+          </p:cNvSpPr>
+          <p:nvPr>
+            <p:ph type="body" sz="half" idx="2"/>
+          </p:nvPr>
+        </p:nvSpPr>
+        <p:spPr/>
+        <p:txBody>
+          <a:bodyPr/>
+          <a:lstStyle/>
+          <a:p>
+            <a:r>
+              <a:rPr lang="ru-RU" dirty="0"/>
+              <a:t>Для основного поля игрока я взял в свой проект простейшую 2д сетку в которой и располагается игрок и вражеские танки. Как по мне это решение было самым оптимальным для этого проекта.</a:t>
+            </a:r>
+          </a:p>
+        </p:txBody>
+      </p:sp>
+      <p:pic>
+        <p:nvPicPr>
+          <p:cNvPr id="6" name="Рисунок 5">
+            <a:extLst>
+              <a:ext uri="{FF2B5EF4-FFF2-40B4-BE49-F238E27FC236}">
+                <a16:creationId xmlns:a16="http://schemas.microsoft.com/office/drawing/2014/main" id="{B0A9C78F-9C39-4BEA-BD95-07D9C2819740}"/>
+              </a:ext>
+            </a:extLst>
+          </p:cNvPr>
+          <p:cNvPicPr>
+            <a:picLocks noChangeAspect="1"/>
+          </p:cNvPicPr>
+          <p:nvPr/>
+        </p:nvPicPr>
+        <p:blipFill>
+          <a:blip r:embed="rId2"/>
+          <a:stretch>
+            <a:fillRect/>
+          </a:stretch>
+        </p:blipFill>
+        <p:spPr>
+          <a:xfrm>
+            <a:off x="6968500" y="1678919"/>
+            <a:ext cx="5125122" cy="3000657"/>
+          </a:xfrm>
+          <a:prstGeom prst="rect">
+            <a:avLst/>
+          </a:prstGeom>
+        </p:spPr>
+      </p:pic>
+    </p:spTree>
+    <p:extLst>
+      <p:ext uri="{BB962C8B-B14F-4D97-AF65-F5344CB8AC3E}">
+        <p14:creationId xmlns:p14="http://schemas.microsoft.com/office/powerpoint/2010/main" val="1420650508"/>
+      </p:ext>
+    </p:extLst>
+  </p:cSld>
+  <p:clrMapOvr>
+    <a:masterClrMapping/>
+  </p:clrMapOvr>
+</p:sld>
+</file>
+
+<file path=ppt/slides/slide4.xml><?xml version="1.0" encoding="utf-8"?>
+<p:sld xmlns:a="http://schemas.openxmlformats.org/drawingml/2006/main" xmlns:r="http://schemas.openxmlformats.org/officeDocument/2006/relationships" xmlns:p="http://schemas.openxmlformats.org/presentationml/2006/main">
+  <p:cSld>
+    <p:spTree>
+      <p:nvGrpSpPr>
+        <p:cNvPr id="1" name=""/>
+        <p:cNvGrpSpPr/>
+        <p:nvPr/>
+      </p:nvGrpSpPr>
+      <p:grpSpPr>
+        <a:xfrm>
+          <a:off x="0" y="0"/>
+          <a:ext cx="0" cy="0"/>
+          <a:chOff x="0" y="0"/>
+          <a:chExt cx="0" cy="0"/>
+        </a:xfrm>
+      </p:grpSpPr>
+      <p:sp>
+        <p:nvSpPr>
+          <p:cNvPr id="2" name="Заголовок 1">
+            <a:extLst>
+              <a:ext uri="{FF2B5EF4-FFF2-40B4-BE49-F238E27FC236}">
+                <a16:creationId xmlns:a16="http://schemas.microsoft.com/office/drawing/2014/main" id="{A2093393-BD3A-47D2-B832-1B771A36439B}"/>
+              </a:ext>
+            </a:extLst>
+          </p:cNvPr>
+          <p:cNvSpPr>
+            <a:spLocks noGrp="1"/>
+          </p:cNvSpPr>
+          <p:nvPr>
+            <p:ph type="title"/>
+          </p:nvPr>
+        </p:nvSpPr>
+        <p:spPr/>
+        <p:txBody>
+          <a:bodyPr/>
+          <a:lstStyle/>
+          <a:p>
+            <a:r>
+              <a:rPr lang="ru-RU" dirty="0"/>
+              <a:t>Движение игрока</a:t>
+            </a:r>
+          </a:p>
+        </p:txBody>
+      </p:sp>
+      <p:pic>
+        <p:nvPicPr>
+          <p:cNvPr id="6" name="Рисунок 5">
+            <a:extLst>
+              <a:ext uri="{FF2B5EF4-FFF2-40B4-BE49-F238E27FC236}">
+                <a16:creationId xmlns:a16="http://schemas.microsoft.com/office/drawing/2014/main" id="{3B5A3B98-39D5-421D-A840-290B1FE365F1}"/>
+              </a:ext>
+            </a:extLst>
+          </p:cNvPr>
+          <p:cNvPicPr>
+            <a:picLocks noGrp="1" noChangeAspect="1"/>
+          </p:cNvPicPr>
+          <p:nvPr>
+            <p:ph type="pic" idx="1"/>
+          </p:nvPr>
+        </p:nvPicPr>
+        <p:blipFill>
+          <a:blip r:embed="rId2">
+            <a:extLst>
+              <a:ext uri="{28A0092B-C50C-407E-A947-70E740481C1C}">
+                <a14:useLocalDpi xmlns:a14="http://schemas.microsoft.com/office/drawing/2010/main" val="0"/>
+              </a:ext>
+            </a:extLst>
+          </a:blip>
+          <a:srcRect l="32581" r="32581"/>
+          <a:stretch>
+            <a:fillRect/>
+          </a:stretch>
+        </p:blipFill>
+        <p:spPr>
+          <a:xfrm>
+            <a:off x="7100047" y="1503829"/>
+            <a:ext cx="3550024" cy="3322041"/>
+          </a:xfrm>
+          <a:prstGeom prst="rect">
+            <a:avLst/>
+          </a:prstGeom>
+          <a:ln w="38100" cap="sq">
+            <a:solidFill>
+              <a:srgbClr val="000000"/>
+            </a:solidFill>
+            <a:prstDash val="solid"/>
+            <a:miter lim="800000"/>
+          </a:ln>
+          <a:effectLst>
+            <a:outerShdw blurRad="50800" dist="38100" dir="2700000" algn="tl" rotWithShape="0">
+              <a:srgbClr val="000000">
+                <a:alpha val="43000"/>
+              </a:srgbClr>
+            </a:outerShdw>
+          </a:effectLst>
+        </p:spPr>
+      </p:pic>
+      <p:sp>
+        <p:nvSpPr>
+          <p:cNvPr id="4" name="Текст 3">
+            <a:extLst>
+              <a:ext uri="{FF2B5EF4-FFF2-40B4-BE49-F238E27FC236}">
+                <a16:creationId xmlns:a16="http://schemas.microsoft.com/office/drawing/2014/main" id="{8DAFA189-BD27-4143-9707-316789CA83DD}"/>
+              </a:ext>
+            </a:extLst>
+          </p:cNvPr>
+          <p:cNvSpPr>
+            <a:spLocks noGrp="1"/>
+          </p:cNvSpPr>
+          <p:nvPr>
+            <p:ph type="body" sz="half" idx="2"/>
+          </p:nvPr>
+        </p:nvSpPr>
+        <p:spPr/>
+        <p:txBody>
+          <a:bodyPr/>
+          <a:lstStyle/>
+          <a:p>
+            <a:r>
+              <a:rPr lang="ru-RU" dirty="0"/>
+              <a:t>	Движение игрока происходит по 4 плоскостям, с просчётом всех препятствий на карте. За препятствия можно считать  коробки и </a:t>
+            </a:r>
+            <a:r>
+              <a:rPr lang="ru-RU"/>
+              <a:t>других игроков.</a:t>
+            </a:r>
+            <a:endParaRPr lang="ru-RU" dirty="0"/>
+          </a:p>
+        </p:txBody>
+      </p:sp>
+    </p:spTree>
+    <p:extLst>
+      <p:ext uri="{BB962C8B-B14F-4D97-AF65-F5344CB8AC3E}">
+        <p14:creationId xmlns:p14="http://schemas.microsoft.com/office/powerpoint/2010/main" val="2107541731"/>
+      </p:ext>
+    </p:extLst>
+  </p:cSld>
+  <p:clrMapOvr>
+    <a:masterClrMapping/>
+  </p:clrMapOvr>
+</p:sld>
+</file>
+
+<file path=ppt/slides/slide5.xml><?xml version="1.0" encoding="utf-8"?>
+<p:sld xmlns:a="http://schemas.openxmlformats.org/drawingml/2006/main" xmlns:r="http://schemas.openxmlformats.org/officeDocument/2006/relationships" xmlns:p="http://schemas.openxmlformats.org/presentationml/2006/main">
+  <p:cSld>
+    <p:spTree>
+      <p:nvGrpSpPr>
+        <p:cNvPr id="1" name=""/>
+        <p:cNvGrpSpPr/>
+        <p:nvPr/>
+      </p:nvGrpSpPr>
+      <p:grpSpPr>
+        <a:xfrm>
+          <a:off x="0" y="0"/>
+          <a:ext cx="0" cy="0"/>
+          <a:chOff x="0" y="0"/>
+          <a:chExt cx="0" cy="0"/>
+        </a:xfrm>
+      </p:grpSpPr>
+      <p:sp>
+        <p:nvSpPr>
+          <p:cNvPr id="2" name="Заголовок 1">
+            <a:extLst>
+              <a:ext uri="{FF2B5EF4-FFF2-40B4-BE49-F238E27FC236}">
+                <a16:creationId xmlns:a16="http://schemas.microsoft.com/office/drawing/2014/main" id="{9159A53F-9F3D-48A9-826D-9F98DFAA9AA6}"/>
+              </a:ext>
+            </a:extLst>
+          </p:cNvPr>
+          <p:cNvSpPr>
+            <a:spLocks noGrp="1"/>
+          </p:cNvSpPr>
+          <p:nvPr>
+            <p:ph type="title"/>
+          </p:nvPr>
+        </p:nvSpPr>
+        <p:spPr>
+          <a:xfrm>
+            <a:off x="6338047" y="251011"/>
+            <a:ext cx="5079815" cy="1371600"/>
+          </a:xfrm>
+        </p:spPr>
+        <p:txBody>
+          <a:bodyPr/>
+          <a:lstStyle/>
+          <a:p>
+            <a:r>
+              <a:rPr lang="ru-RU" dirty="0"/>
+              <a:t>Движение бота</a:t>
+            </a:r>
+          </a:p>
+        </p:txBody>
+      </p:sp>
+      <p:sp>
+        <p:nvSpPr>
+          <p:cNvPr id="20" name="Объект 19">
+            <a:extLst>
+              <a:ext uri="{FF2B5EF4-FFF2-40B4-BE49-F238E27FC236}">
+                <a16:creationId xmlns:a16="http://schemas.microsoft.com/office/drawing/2014/main" id="{1F7EF3CD-7975-43F2-9648-9E7C78521731}"/>
+              </a:ext>
+            </a:extLst>
+          </p:cNvPr>
+          <p:cNvSpPr>
+            <a:spLocks noGrp="1"/>
+          </p:cNvSpPr>
+          <p:nvPr>
+            <p:ph idx="1"/>
+          </p:nvPr>
+        </p:nvSpPr>
+        <p:spPr>
+          <a:xfrm>
+            <a:off x="6338047" y="1622611"/>
+            <a:ext cx="5079815" cy="4168589"/>
+          </a:xfrm>
+        </p:spPr>
+        <p:txBody>
+          <a:bodyPr>
+            <a:normAutofit/>
+          </a:bodyPr>
+          <a:lstStyle/>
+          <a:p>
+            <a:pPr marL="0" indent="0">
+              <a:buNone/>
+            </a:pPr>
+            <a:r>
+              <a:rPr lang="en-US" dirty="0"/>
+              <a:t>	</a:t>
+            </a:r>
+            <a:r>
+              <a:rPr lang="ru-RU" dirty="0"/>
+              <a:t>Самый требовательный кусок кода - это движение и вычисление кратчайшего пути от бота до игрока, ибо в этот момент процессор обрабатывает и перебирает всю карту, этот процесс происходит несколько раз в секунду для каждого игрока, именно этим я ограничил скорость движения ботов, при самом процессе просчёта игрок может двигаться по карте с немного большей скоростью и текущий путь может быть не актуальным.</a:t>
+            </a:r>
+          </a:p>
+        </p:txBody>
+      </p:sp>
+      <p:pic>
+        <p:nvPicPr>
+          <p:cNvPr id="22" name="Рисунок 21">
+            <a:extLst>
+              <a:ext uri="{FF2B5EF4-FFF2-40B4-BE49-F238E27FC236}">
+                <a16:creationId xmlns:a16="http://schemas.microsoft.com/office/drawing/2014/main" id="{EE6FAAD9-B0BC-4EF8-BD15-B648C71C4C83}"/>
+              </a:ext>
+            </a:extLst>
+          </p:cNvPr>
+          <p:cNvPicPr>
+            <a:picLocks noChangeAspect="1"/>
+          </p:cNvPicPr>
+          <p:nvPr/>
+        </p:nvPicPr>
+        <p:blipFill>
+          <a:blip r:embed="rId2">
+            <a:extLst>
+              <a:ext uri="{28A0092B-C50C-407E-A947-70E740481C1C}">
+                <a14:useLocalDpi xmlns:a14="http://schemas.microsoft.com/office/drawing/2010/main" val="0"/>
+              </a:ext>
+            </a:extLst>
+          </a:blip>
+          <a:stretch>
+            <a:fillRect/>
+          </a:stretch>
+        </p:blipFill>
+        <p:spPr>
+          <a:xfrm>
+            <a:off x="399209" y="886945"/>
+            <a:ext cx="5786438" cy="3057525"/>
+          </a:xfrm>
+          <a:prstGeom prst="rect">
+            <a:avLst/>
+          </a:prstGeom>
+        </p:spPr>
+      </p:pic>
+    </p:spTree>
+    <p:extLst>
+      <p:ext uri="{BB962C8B-B14F-4D97-AF65-F5344CB8AC3E}">
+        <p14:creationId xmlns:p14="http://schemas.microsoft.com/office/powerpoint/2010/main" val="1838000178"/>
+      </p:ext>
+    </p:extLst>
+  </p:cSld>
+  <p:clrMapOvr>
+    <a:masterClrMapping/>
+  </p:clrMapOvr>
+</p:sld>
+</file>
+
+<file path=ppt/slides/slide6.xml><?xml version="1.0" encoding="utf-8"?>
+<p:sld xmlns:a="http://schemas.openxmlformats.org/drawingml/2006/main" xmlns:r="http://schemas.openxmlformats.org/officeDocument/2006/relationships" xmlns:p="http://schemas.openxmlformats.org/presentationml/2006/main">
+  <p:cSld>
+    <p:spTree>
+      <p:nvGrpSpPr>
+        <p:cNvPr id="1" name=""/>
+        <p:cNvGrpSpPr/>
+        <p:nvPr/>
+      </p:nvGrpSpPr>
+      <p:grpSpPr>
+        <a:xfrm>
+          <a:off x="0" y="0"/>
+          <a:ext cx="0" cy="0"/>
+          <a:chOff x="0" y="0"/>
+          <a:chExt cx="0" cy="0"/>
+        </a:xfrm>
+      </p:grpSpPr>
+      <p:sp>
+        <p:nvSpPr>
+          <p:cNvPr id="2" name="Заголовок 1">
+            <a:extLst>
+              <a:ext uri="{FF2B5EF4-FFF2-40B4-BE49-F238E27FC236}">
+                <a16:creationId xmlns:a16="http://schemas.microsoft.com/office/drawing/2014/main" id="{1D1020FF-2A30-4F42-B812-6F97BEE1AB57}"/>
+              </a:ext>
+            </a:extLst>
+          </p:cNvPr>
+          <p:cNvSpPr>
+            <a:spLocks noGrp="1"/>
+          </p:cNvSpPr>
+          <p:nvPr>
+            <p:ph type="title"/>
+          </p:nvPr>
+        </p:nvSpPr>
+        <p:spPr/>
+        <p:txBody>
+          <a:bodyPr/>
+          <a:lstStyle/>
+          <a:p>
+            <a:r>
+              <a:rPr lang="ru-RU" dirty="0"/>
+              <a:t>игровой процесс</a:t>
+            </a:r>
+          </a:p>
+        </p:txBody>
+      </p:sp>
+      <mc:AlternateContent xmlns:mc="http://schemas.openxmlformats.org/markup-compatibility/2006">
+        <mc:Choice xmlns:am3d="http://schemas.microsoft.com/office/drawing/2017/model3d" Requires="am3d">
+          <p:graphicFrame>
+            <p:nvGraphicFramePr>
+              <p:cNvPr id="5" name="Объект 4">
+                <a:extLst>
+                  <a:ext uri="{FF2B5EF4-FFF2-40B4-BE49-F238E27FC236}">
+                    <a16:creationId xmlns:a16="http://schemas.microsoft.com/office/drawing/2014/main" id="{983500FD-BC3E-4E98-ADAE-FB705F66A84B}"/>
+                  </a:ext>
+                </a:extLst>
+              </p:cNvPr>
+              <p:cNvGraphicFramePr>
+                <a:graphicFrameLocks noGrp="1" noChangeAspect="1"/>
+              </p:cNvGraphicFramePr>
+              <p:nvPr>
+                <p:ph idx="1"/>
+                <p:extLst>
+                  <p:ext uri="{D42A27DB-BD31-4B8C-83A1-F6EECF244321}">
+                    <p14:modId xmlns:p14="http://schemas.microsoft.com/office/powerpoint/2010/main" val="2565544674"/>
+                  </p:ext>
+                </p:extLst>
+              </p:nvPr>
+            </p:nvGraphicFramePr>
+            <p:xfrm>
+              <a:off x="5020582" y="1688174"/>
+              <a:ext cx="6299119" cy="3311320"/>
+            </p:xfrm>
+            <a:graphic>
+              <a:graphicData uri="http://schemas.microsoft.com/office/drawing/2017/model3d">
+                <am3d:model3d r:embed="rId2">
+                  <am3d:spPr>
+                    <a:xfrm>
+                      <a:off x="0" y="0"/>
+                      <a:ext cx="6299119" cy="3311320"/>
+                    </a:xfrm>
+                    <a:prstGeom prst="rect">
+                      <a:avLst/>
+                    </a:prstGeom>
+                  </am3d:spPr>
+                  <am3d:camera>
+                    <am3d:pos x="0" y="0" z="51989253"/>
+                    <am3d:up dx="0" dy="36000000" dz="0"/>
+                    <am3d:lookAt x="0" y="0" z="0"/>
+                    <am3d:perspective fov="2700000"/>
+                  </am3d:camera>
+                  <am3d:trans>
+                    <am3d:meterPerModelUnit n="100713" d="1000000"/>
+                    <am3d:preTrans dx="3" dy="-5197518" dz="-5886533"/>
+                    <am3d:scale>
+                      <am3d:sx n="1000000" d="1000000"/>
+                      <am3d:sy n="1000000" d="1000000"/>
+                      <am3d:sz n="1000000" d="1000000"/>
+                    </am3d:scale>
+                    <am3d:rot ax="3160429" ay="-2133150" az="-2239604"/>
+                    <am3d:postTrans dx="0" dy="0" dz="0"/>
+                  </am3d:trans>
+                  <am3d:raster rName="Office3DRenderer" rVer="16.0.8326">
+                    <am3d:blip r:embed="rId3"/>
+                  </am3d:raster>
+                  <am3d:objViewport viewportSz="7783504"/>
+                  <am3d:ambientLight>
+                    <am3d:clr>
+                      <a:scrgbClr r="50000" g="50000" b="50000"/>
+                    </am3d:clr>
+                    <am3d:illuminance n="500000" d="1000000"/>
+                  </am3d:ambientLight>
+                  <am3d:ptLight rad="0">
+                    <am3d:clr>
+                      <a:scrgbClr r="100000" g="75000" b="50000"/>
+                    </am3d:clr>
+                    <am3d:intensity n="9765625" d="1000000"/>
+                    <am3d:pos x="21959998" y="70920001" z="16344003"/>
+                  </am3d:ptLight>
+                  <am3d:ptLight rad="0">
+                    <am3d:clr>
+                      <a:scrgbClr r="40000" g="60000" b="95000"/>
+                    </am3d:clr>
+                    <am3d:intensity n="12250000" d="1000000"/>
+                    <am3d:pos x="-37964106" y="51130435" z="57631972"/>
+                  </am3d:ptLight>
+                  <am3d:ptLight rad="0">
+                    <am3d:clr>
+                      <a:scrgbClr r="86837" g="72700" b="100000"/>
+                    </am3d:clr>
+                    <am3d:intensity n="3125000" d="1000000"/>
+                    <am3d:pos x="-37739122" y="58056624" z="-34769649"/>
+                  </am3d:ptLight>
+                </am3d:model3d>
+              </a:graphicData>
+            </a:graphic>
+          </p:graphicFrame>
+        </mc:Choice>
+        <mc:Fallback>
+          <p:pic>
+            <p:nvPicPr>
+              <p:cNvPr id="5" name="Объект 4">
+                <a:extLst>
+                  <a:ext uri="{FF2B5EF4-FFF2-40B4-BE49-F238E27FC236}">
+                    <a16:creationId xmlns:a16="http://schemas.microsoft.com/office/drawing/2014/main" id="{983500FD-BC3E-4E98-ADAE-FB705F66A84B}"/>
+                  </a:ext>
+                </a:extLst>
+              </p:cNvPr>
+              <p:cNvPicPr>
+                <a:picLocks noGrp="1" noRot="1" noChangeAspect="1" noMove="1" noResize="1" noEditPoints="1" noAdjustHandles="1" noChangeArrowheads="1" noChangeShapeType="1" noCrop="1"/>
+              </p:cNvPicPr>
+              <p:nvPr/>
+            </p:nvPicPr>
+            <p:blipFill>
+              <a:blip r:embed="rId3"/>
+              <a:stretch>
+                <a:fillRect/>
+              </a:stretch>
+            </p:blipFill>
+            <p:spPr>
+              <a:xfrm>
+                <a:off x="5020582" y="1688174"/>
+                <a:ext cx="6299119" cy="3311320"/>
+              </a:xfrm>
+              <a:prstGeom prst="rect">
+                <a:avLst/>
+              </a:prstGeom>
+            </p:spPr>
+          </p:pic>
+        </mc:Fallback>
+      </mc:AlternateContent>
+      <p:sp>
+        <p:nvSpPr>
+          <p:cNvPr id="4" name="Текст 3">
+            <a:extLst>
+              <a:ext uri="{FF2B5EF4-FFF2-40B4-BE49-F238E27FC236}">
+                <a16:creationId xmlns:a16="http://schemas.microsoft.com/office/drawing/2014/main" id="{74A8D734-A942-435F-9959-FD9839956283}"/>
+              </a:ext>
+            </a:extLst>
+          </p:cNvPr>
+          <p:cNvSpPr>
+            <a:spLocks noGrp="1"/>
+          </p:cNvSpPr>
+          <p:nvPr>
+            <p:ph type="body" sz="half" idx="2"/>
+          </p:nvPr>
+        </p:nvSpPr>
+        <p:spPr/>
+        <p:txBody>
+          <a:bodyPr>
+            <a:normAutofit fontScale="92500" lnSpcReduction="20000"/>
+          </a:bodyPr>
+          <a:lstStyle/>
+          <a:p>
+            <a:r>
+              <a:rPr lang="en-US" dirty="0"/>
+              <a:t>	</a:t>
+            </a:r>
+            <a:r>
+              <a:rPr lang="ru-RU" dirty="0"/>
+              <a:t>Весь игровой процесс я раскинул на три уровня в которых существует разная игровая сложность. Эта сложность обусловлена размерами карты</a:t>
+            </a:r>
+            <a:r>
+              <a:rPr lang="en-US" dirty="0"/>
+              <a:t> </a:t>
+            </a:r>
+            <a:r>
+              <a:rPr lang="ru-RU" dirty="0"/>
+              <a:t>и количеством вражеских танков. Ведь чем меньше игровое пространство и чем больше количеству вражеских танков, тем человеку</a:t>
+            </a:r>
+            <a:r>
+              <a:rPr lang="en-US" dirty="0"/>
+              <a:t> </a:t>
+            </a:r>
+            <a:r>
+              <a:rPr lang="ru-RU" dirty="0"/>
+              <a:t>сложнее концентрироваться на карте.</a:t>
+            </a:r>
+          </a:p>
+        </p:txBody>
+      </p:sp>
+    </p:spTree>
+    <p:extLst>
+      <p:ext uri="{BB962C8B-B14F-4D97-AF65-F5344CB8AC3E}">
+        <p14:creationId xmlns:p14="http://schemas.microsoft.com/office/powerpoint/2010/main" val="2756506773"/>
+      </p:ext>
+    </p:extLst>
+  </p:cSld>
+  <p:clrMapOvr>
+    <a:masterClrMapping/>
+  </p:clrMapOvr>
+</p:sld>
+</file>
+
+<file path=ppt/slides/slide7.xml><?xml version="1.0" encoding="utf-8"?>
+<p:sld xmlns:a="http://schemas.openxmlformats.org/drawingml/2006/main" xmlns:r="http://schemas.openxmlformats.org/officeDocument/2006/relationships" xmlns:p="http://schemas.openxmlformats.org/presentationml/2006/main">
+  <p:cSld>
+    <p:spTree>
+      <p:nvGrpSpPr>
+        <p:cNvPr id="1" name=""/>
+        <p:cNvGrpSpPr/>
+        <p:nvPr/>
+      </p:nvGrpSpPr>
+      <p:grpSpPr>
+        <a:xfrm>
+          <a:off x="0" y="0"/>
+          <a:ext cx="0" cy="0"/>
+          <a:chOff x="0" y="0"/>
+          <a:chExt cx="0" cy="0"/>
+        </a:xfrm>
+      </p:grpSpPr>
+      <p:sp>
+        <p:nvSpPr>
+          <p:cNvPr id="2" name="Заголовок 1">
+            <a:extLst>
+              <a:ext uri="{FF2B5EF4-FFF2-40B4-BE49-F238E27FC236}">
+                <a16:creationId xmlns:a16="http://schemas.microsoft.com/office/drawing/2014/main" id="{94887B16-1FE9-4489-A732-13954B6143DE}"/>
+              </a:ext>
+            </a:extLst>
+          </p:cNvPr>
+          <p:cNvSpPr>
+            <a:spLocks noGrp="1"/>
+          </p:cNvSpPr>
+          <p:nvPr>
+            <p:ph type="title"/>
+          </p:nvPr>
+        </p:nvSpPr>
+        <p:spPr/>
+        <p:txBody>
+          <a:bodyPr/>
+          <a:lstStyle/>
+          <a:p>
+            <a:r>
+              <a:rPr lang="ru-RU" dirty="0"/>
+              <a:t>Спасибо за внимание!</a:t>
+            </a:r>
+          </a:p>
+        </p:txBody>
+      </p:sp>
+      <p:sp>
+        <p:nvSpPr>
+          <p:cNvPr id="3" name="Текст 2">
+            <a:extLst>
+              <a:ext uri="{FF2B5EF4-FFF2-40B4-BE49-F238E27FC236}">
+                <a16:creationId xmlns:a16="http://schemas.microsoft.com/office/drawing/2014/main" id="{5B4F1E9D-6221-4846-9843-DB899093165F}"/>
+              </a:ext>
+            </a:extLst>
+          </p:cNvPr>
+          <p:cNvSpPr>
+            <a:spLocks noGrp="1"/>
+          </p:cNvSpPr>
+          <p:nvPr>
+            <p:ph type="body" idx="1"/>
+          </p:nvPr>
+        </p:nvSpPr>
+        <p:spPr/>
+        <p:txBody>
+          <a:bodyPr/>
+          <a:lstStyle/>
+          <a:p>
+            <a:endParaRPr lang="ru-RU"/>
+          </a:p>
+        </p:txBody>
+      </p:sp>
+    </p:spTree>
+    <p:extLst>
+      <p:ext uri="{BB962C8B-B14F-4D97-AF65-F5344CB8AC3E}">
+        <p14:creationId xmlns:p14="http://schemas.microsoft.com/office/powerpoint/2010/main" val="3841895434"/>
+      </p:ext>
+    </p:extLst>
+  </p:cSld>
+  <p:clrMapOvr>
+    <a:masterClrMapping/>
+  </p:clrMapOvr>
+</p:sld>
+</file>
+
 <file path=ppt/theme/theme1.xml><?xml version="1.0" encoding="utf-8"?>
-<a:theme xmlns:a="http://schemas.openxmlformats.org/drawingml/2006/main" name="Тема Office">
+<a:theme xmlns:a="http://schemas.openxmlformats.org/drawingml/2006/main" name="Небесная">
   <a:themeElements>
-    <a:clrScheme name="Стандартная">
+    <a:clrScheme name="Небесная">
       <a:dk1>
         <a:sysClr val="windowText" lastClr="000000"/>
       </a:dk1>
@@ -3398,44 +6884,44 @@
         <a:sysClr val="window" lastClr="FFFFFF"/>
       </a:lt1>
       <a:dk2>
-        <a:srgbClr val="44546A"/>
+        <a:srgbClr val="18276C"/>
       </a:dk2>
       <a:lt2>
-        <a:srgbClr val="E7E6E6"/>
+        <a:srgbClr val="EBEBEB"/>
       </a:lt2>
       <a:accent1>
-        <a:srgbClr val="4472C4"/>
+        <a:srgbClr val="AC3EC1"/>
       </a:accent1>
       <a:accent2>
-        <a:srgbClr val="ED7D31"/>
+        <a:srgbClr val="477BD1"/>
       </a:accent2>
       <a:accent3>
-        <a:srgbClr val="A5A5A5"/>
+        <a:srgbClr val="46B298"/>
       </a:accent3>
       <a:accent4>
-        <a:srgbClr val="FFC000"/>
+        <a:srgbClr val="90BA4C"/>
       </a:accent4>
       <a:accent5>
-        <a:srgbClr val="5B9BD5"/>
+        <a:srgbClr val="DD9D31"/>
       </a:accent5>
       <a:accent6>
-        <a:srgbClr val="70AD47"/>
+        <a:srgbClr val="E25247"/>
       </a:accent6>
       <a:hlink>
-        <a:srgbClr val="0563C1"/>
+        <a:srgbClr val="C573D2"/>
       </a:hlink>
       <a:folHlink>
-        <a:srgbClr val="954F72"/>
+        <a:srgbClr val="CCAEE8"/>
       </a:folHlink>
     </a:clrScheme>
-    <a:fontScheme name="Стандартная">
+    <a:fontScheme name="Небесная">
       <a:majorFont>
         <a:latin typeface="Calibri Light" panose="020F0302020204030204"/>
         <a:ea typeface=""/>
         <a:cs typeface=""/>
-        <a:font script="Jpan" typeface="游ゴシック Light"/>
+        <a:font script="Jpan" typeface="ＭＳ Ｐゴシック"/>
         <a:font script="Hang" typeface="맑은 고딕"/>
-        <a:font script="Hans" typeface="等线 Light"/>
+        <a:font script="Hans" typeface="宋体"/>
         <a:font script="Hant" typeface="新細明體"/>
         <a:font script="Arab" typeface="Times New Roman"/>
         <a:font script="Hebr" typeface="Times New Roman"/>
@@ -3463,31 +6949,14 @@
         <a:font script="Viet" typeface="Times New Roman"/>
         <a:font script="Uigh" typeface="Microsoft Uighur"/>
         <a:font script="Geor" typeface="Sylfaen"/>
-        <a:font script="Armn" typeface="Arial"/>
-        <a:font script="Bugi" typeface="Leelawadee UI"/>
-        <a:font script="Bopo" typeface="Microsoft JhengHei"/>
-        <a:font script="Java" typeface="Javanese Text"/>
-        <a:font script="Lisu" typeface="Segoe UI"/>
-        <a:font script="Mymr" typeface="Myanmar Text"/>
-        <a:font script="Nkoo" typeface="Ebrima"/>
-        <a:font script="Olck" typeface="Nirmala UI"/>
-        <a:font script="Osma" typeface="Ebrima"/>
-        <a:font script="Phag" typeface="Phagspa"/>
-        <a:font script="Syrn" typeface="Estrangelo Edessa"/>
-        <a:font script="Syrj" typeface="Estrangelo Edessa"/>
-        <a:font script="Syre" typeface="Estrangelo Edessa"/>
-        <a:font script="Sora" typeface="Nirmala UI"/>
-        <a:font script="Tale" typeface="Microsoft Tai Le"/>
-        <a:font script="Talu" typeface="Microsoft New Tai Lue"/>
-        <a:font script="Tfng" typeface="Ebrima"/>
       </a:majorFont>
       <a:minorFont>
         <a:latin typeface="Calibri" panose="020F0502020204030204"/>
         <a:ea typeface=""/>
         <a:cs typeface=""/>
-        <a:font script="Jpan" typeface="游ゴシック"/>
+        <a:font script="Jpan" typeface="ＭＳ Ｐゴシック"/>
         <a:font script="Hang" typeface="맑은 고딕"/>
-        <a:font script="Hans" typeface="等线"/>
+        <a:font script="Hans" typeface="宋体"/>
         <a:font script="Hant" typeface="新細明體"/>
         <a:font script="Arab" typeface="Arial"/>
         <a:font script="Hebr" typeface="Arial"/>
@@ -3515,26 +6984,9 @@
         <a:font script="Viet" typeface="Arial"/>
         <a:font script="Uigh" typeface="Microsoft Uighur"/>
         <a:font script="Geor" typeface="Sylfaen"/>
-        <a:font script="Armn" typeface="Arial"/>
-        <a:font script="Bugi" typeface="Leelawadee UI"/>
-        <a:font script="Bopo" typeface="Microsoft JhengHei"/>
-        <a:font script="Java" typeface="Javanese Text"/>
-        <a:font script="Lisu" typeface="Segoe UI"/>
-        <a:font script="Mymr" typeface="Myanmar Text"/>
-        <a:font script="Nkoo" typeface="Ebrima"/>
-        <a:font script="Olck" typeface="Nirmala UI"/>
-        <a:font script="Osma" typeface="Ebrima"/>
-        <a:font script="Phag" typeface="Phagspa"/>
-        <a:font script="Syrn" typeface="Estrangelo Edessa"/>
-        <a:font script="Syrj" typeface="Estrangelo Edessa"/>
-        <a:font script="Syre" typeface="Estrangelo Edessa"/>
-        <a:font script="Sora" typeface="Nirmala UI"/>
-        <a:font script="Tale" typeface="Microsoft Tai Le"/>
-        <a:font script="Talu" typeface="Microsoft New Tai Lue"/>
-        <a:font script="Tfng" typeface="Ebrima"/>
       </a:minorFont>
     </a:fontScheme>
-    <a:fmtScheme name="Стандартная">
+    <a:fmtScheme name="Небесная">
       <a:fillStyleLst>
         <a:solidFill>
           <a:schemeClr val="phClr"/>
@@ -3543,23 +6995,14 @@
           <a:gsLst>
             <a:gs pos="0">
               <a:schemeClr val="phClr">
+                <a:tint val="70000"/>
                 <a:lumMod val="110000"/>
-                <a:satMod val="105000"/>
-                <a:tint val="67000"/>
-              </a:schemeClr>
-            </a:gs>
-            <a:gs pos="50000">
-              <a:schemeClr val="phClr">
-                <a:lumMod val="105000"/>
-                <a:satMod val="103000"/>
-                <a:tint val="73000"/>
               </a:schemeClr>
             </a:gs>
             <a:gs pos="100000">
               <a:schemeClr val="phClr">
-                <a:lumMod val="105000"/>
-                <a:satMod val="109000"/>
-                <a:tint val="81000"/>
+                <a:tint val="82000"/>
+                <a:alpha val="74000"/>
               </a:schemeClr>
             </a:gs>
           </a:gsLst>
@@ -3569,50 +7012,38 @@
           <a:gsLst>
             <a:gs pos="0">
               <a:schemeClr val="phClr">
-                <a:satMod val="103000"/>
-                <a:lumMod val="102000"/>
-                <a:tint val="94000"/>
-              </a:schemeClr>
-            </a:gs>
-            <a:gs pos="50000">
-              <a:schemeClr val="phClr">
-                <a:satMod val="110000"/>
+                <a:tint val="98000"/>
                 <a:lumMod val="100000"/>
-                <a:shade val="100000"/>
               </a:schemeClr>
             </a:gs>
             <a:gs pos="100000">
               <a:schemeClr val="phClr">
-                <a:lumMod val="99000"/>
-                <a:satMod val="120000"/>
-                <a:shade val="78000"/>
+                <a:shade val="88000"/>
+                <a:lumMod val="88000"/>
               </a:schemeClr>
             </a:gs>
           </a:gsLst>
-          <a:lin ang="5400000" scaled="0"/>
+          <a:lin ang="5400000" scaled="1"/>
         </a:gradFill>
       </a:fillStyleLst>
       <a:lnStyleLst>
-        <a:ln w="6350" cap="flat" cmpd="sng" algn="ctr">
+        <a:ln w="9525" cap="rnd" cmpd="sng" algn="ctr">
           <a:solidFill>
             <a:schemeClr val="phClr"/>
           </a:solidFill>
           <a:prstDash val="solid"/>
-          <a:miter lim="800000"/>
         </a:ln>
-        <a:ln w="12700" cap="flat" cmpd="sng" algn="ctr">
+        <a:ln w="19050" cap="rnd" cmpd="sng" algn="ctr">
           <a:solidFill>
             <a:schemeClr val="phClr"/>
           </a:solidFill>
           <a:prstDash val="solid"/>
-          <a:miter lim="800000"/>
         </a:ln>
-        <a:ln w="19050" cap="flat" cmpd="sng" algn="ctr">
+        <a:ln w="25400" cap="rnd" cmpd="sng" algn="ctr">
           <a:solidFill>
             <a:schemeClr val="phClr"/>
           </a:solidFill>
           <a:prstDash val="solid"/>
-          <a:miter lim="800000"/>
         </a:ln>
       </a:lnStyleLst>
       <a:effectStyleLst>
@@ -3620,55 +7051,64 @@
           <a:effectLst/>
         </a:effectStyle>
         <a:effectStyle>
-          <a:effectLst/>
+          <a:effectLst>
+            <a:outerShdw blurRad="50800" dist="38100" dir="5400000" rotWithShape="0">
+              <a:srgbClr val="000000">
+                <a:alpha val="35000"/>
+              </a:srgbClr>
+            </a:outerShdw>
+          </a:effectLst>
         </a:effectStyle>
         <a:effectStyle>
           <a:effectLst>
-            <a:outerShdw blurRad="57150" dist="19050" dir="5400000" algn="ctr" rotWithShape="0">
+            <a:outerShdw blurRad="63500" dist="38100" dir="5400000" rotWithShape="0">
               <a:srgbClr val="000000">
-                <a:alpha val="63000"/>
+                <a:alpha val="65000"/>
               </a:srgbClr>
             </a:outerShdw>
           </a:effectLst>
+          <a:scene3d>
+            <a:camera prst="orthographicFront">
+              <a:rot lat="0" lon="0" rev="0"/>
+            </a:camera>
+            <a:lightRig rig="threePt" dir="tl">
+              <a:rot lat="0" lon="0" rev="1200000"/>
+            </a:lightRig>
+          </a:scene3d>
+          <a:sp3d>
+            <a:bevelT w="38100" h="12700"/>
+          </a:sp3d>
         </a:effectStyle>
       </a:effectStyleLst>
       <a:bgFillStyleLst>
         <a:solidFill>
           <a:schemeClr val="phClr"/>
         </a:solidFill>
-        <a:solidFill>
-          <a:schemeClr val="phClr">
-            <a:tint val="95000"/>
-            <a:satMod val="170000"/>
-          </a:schemeClr>
-        </a:solidFill>
         <a:gradFill rotWithShape="1">
           <a:gsLst>
             <a:gs pos="0">
               <a:schemeClr val="phClr">
-                <a:tint val="93000"/>
-                <a:satMod val="150000"/>
-                <a:shade val="98000"/>
-                <a:lumMod val="102000"/>
-              </a:schemeClr>
-            </a:gs>
-            <a:gs pos="50000">
-              <a:schemeClr val="phClr">
-                <a:tint val="98000"/>
-                <a:satMod val="130000"/>
-                <a:shade val="90000"/>
-                <a:lumMod val="103000"/>
+                <a:tint val="90000"/>
+                <a:shade val="96000"/>
+                <a:hueMod val="100000"/>
+                <a:satMod val="180000"/>
+                <a:lumMod val="110000"/>
               </a:schemeClr>
             </a:gs>
             <a:gs pos="100000">
               <a:schemeClr val="phClr">
-                <a:shade val="63000"/>
-                <a:satMod val="120000"/>
+                <a:shade val="96000"/>
+                <a:satMod val="160000"/>
+                <a:lumMod val="100000"/>
               </a:schemeClr>
             </a:gs>
           </a:gsLst>
-          <a:lin ang="5400000" scaled="0"/>
+          <a:lin ang="4740000" scaled="1"/>
         </a:gradFill>
+        <a:blipFill>
+          <a:blip xmlns:r="http://schemas.openxmlformats.org/officeDocument/2006/relationships" r:embed="rId1"/>
+          <a:stretch/>
+        </a:blipFill>
       </a:bgFillStyleLst>
     </a:fmtScheme>
   </a:themeElements>
@@ -3676,7 +7116,7 @@
   <a:extraClrSchemeLst/>
   <a:extLst>
     <a:ext uri="{05A4C25C-085E-4340-85A3-A5531E510DB2}">
-      <thm15:themeFamily xmlns:thm15="http://schemas.microsoft.com/office/thememl/2012/main" name="Office Theme" id="{62F939B6-93AF-4DB8-9C6B-D6C7DFDC589F}" vid="{4A3C46E8-61CC-4603-A589-7422A47A8E4A}"/>
+      <thm15:themeFamily xmlns:thm15="http://schemas.microsoft.com/office/thememl/2012/main" name="Celestial" id="{C4BB2A3D-0E93-4C5F-B0D2-9D3FCE089CC5}" vid="{42E5908D-19A2-46FD-89FA-638B126129EF}"/>
     </a:ext>
   </a:extLst>
 </a:theme>

--- a/Презентация.pptx
+++ b/Презентация.pptx
@@ -347,7 +347,7 @@
           <a:p>
             <a:fld id="{46FE7FA2-437C-4797-917E-FA5D56212DDE}" type="datetimeFigureOut">
               <a:rPr lang="ru-RU" smtClean="0"/>
-              <a:t>07.01.2022</a:t>
+              <a:t>08.01.2022</a:t>
             </a:fld>
             <a:endParaRPr lang="ru-RU"/>
           </a:p>
@@ -681,7 +681,7 @@
           <a:p>
             <a:fld id="{46FE7FA2-437C-4797-917E-FA5D56212DDE}" type="datetimeFigureOut">
               <a:rPr lang="ru-RU" smtClean="0"/>
-              <a:t>07.01.2022</a:t>
+              <a:t>08.01.2022</a:t>
             </a:fld>
             <a:endParaRPr lang="ru-RU"/>
           </a:p>
@@ -959,7 +959,7 @@
           <a:p>
             <a:fld id="{46FE7FA2-437C-4797-917E-FA5D56212DDE}" type="datetimeFigureOut">
               <a:rPr lang="ru-RU" smtClean="0"/>
-              <a:t>07.01.2022</a:t>
+              <a:t>08.01.2022</a:t>
             </a:fld>
             <a:endParaRPr lang="ru-RU"/>
           </a:p>
@@ -1527,7 +1527,7 @@
           <a:p>
             <a:fld id="{46FE7FA2-437C-4797-917E-FA5D56212DDE}" type="datetimeFigureOut">
               <a:rPr lang="ru-RU" smtClean="0"/>
-              <a:t>07.01.2022</a:t>
+              <a:t>08.01.2022</a:t>
             </a:fld>
             <a:endParaRPr lang="ru-RU"/>
           </a:p>
@@ -1805,7 +1805,7 @@
           <a:p>
             <a:fld id="{46FE7FA2-437C-4797-917E-FA5D56212DDE}" type="datetimeFigureOut">
               <a:rPr lang="ru-RU" smtClean="0"/>
-              <a:t>07.01.2022</a:t>
+              <a:t>08.01.2022</a:t>
             </a:fld>
             <a:endParaRPr lang="ru-RU"/>
           </a:p>
@@ -2367,7 +2367,7 @@
           <a:p>
             <a:fld id="{46FE7FA2-437C-4797-917E-FA5D56212DDE}" type="datetimeFigureOut">
               <a:rPr lang="ru-RU" smtClean="0"/>
-              <a:t>07.01.2022</a:t>
+              <a:t>08.01.2022</a:t>
             </a:fld>
             <a:endParaRPr lang="ru-RU"/>
           </a:p>
@@ -2694,7 +2694,7 @@
           <a:p>
             <a:fld id="{46FE7FA2-437C-4797-917E-FA5D56212DDE}" type="datetimeFigureOut">
               <a:rPr lang="ru-RU" smtClean="0"/>
-              <a:t>07.01.2022</a:t>
+              <a:t>08.01.2022</a:t>
             </a:fld>
             <a:endParaRPr lang="ru-RU"/>
           </a:p>
@@ -2871,7 +2871,7 @@
           <a:p>
             <a:fld id="{46FE7FA2-437C-4797-917E-FA5D56212DDE}" type="datetimeFigureOut">
               <a:rPr lang="ru-RU" smtClean="0"/>
-              <a:t>07.01.2022</a:t>
+              <a:t>08.01.2022</a:t>
             </a:fld>
             <a:endParaRPr lang="ru-RU"/>
           </a:p>
@@ -3109,7 +3109,7 @@
           <a:p>
             <a:fld id="{46FE7FA2-437C-4797-917E-FA5D56212DDE}" type="datetimeFigureOut">
               <a:rPr lang="ru-RU" smtClean="0"/>
-              <a:t>07.01.2022</a:t>
+              <a:t>08.01.2022</a:t>
             </a:fld>
             <a:endParaRPr lang="ru-RU"/>
           </a:p>
@@ -3309,7 +3309,7 @@
           <a:p>
             <a:fld id="{46FE7FA2-437C-4797-917E-FA5D56212DDE}" type="datetimeFigureOut">
               <a:rPr lang="ru-RU" smtClean="0"/>
-              <a:t>07.01.2022</a:t>
+              <a:t>08.01.2022</a:t>
             </a:fld>
             <a:endParaRPr lang="ru-RU"/>
           </a:p>
@@ -3585,7 +3585,7 @@
           <a:p>
             <a:fld id="{46FE7FA2-437C-4797-917E-FA5D56212DDE}" type="datetimeFigureOut">
               <a:rPr lang="ru-RU" smtClean="0"/>
-              <a:t>07.01.2022</a:t>
+              <a:t>08.01.2022</a:t>
             </a:fld>
             <a:endParaRPr lang="ru-RU"/>
           </a:p>
@@ -3851,7 +3851,7 @@
           <a:p>
             <a:fld id="{46FE7FA2-437C-4797-917E-FA5D56212DDE}" type="datetimeFigureOut">
               <a:rPr lang="ru-RU" smtClean="0"/>
-              <a:t>07.01.2022</a:t>
+              <a:t>08.01.2022</a:t>
             </a:fld>
             <a:endParaRPr lang="ru-RU"/>
           </a:p>
@@ -4225,7 +4225,7 @@
           <a:p>
             <a:fld id="{46FE7FA2-437C-4797-917E-FA5D56212DDE}" type="datetimeFigureOut">
               <a:rPr lang="ru-RU" smtClean="0"/>
-              <a:t>07.01.2022</a:t>
+              <a:t>08.01.2022</a:t>
             </a:fld>
             <a:endParaRPr lang="ru-RU"/>
           </a:p>
@@ -4373,7 +4373,7 @@
           <a:p>
             <a:fld id="{46FE7FA2-437C-4797-917E-FA5D56212DDE}" type="datetimeFigureOut">
               <a:rPr lang="ru-RU" smtClean="0"/>
-              <a:t>07.01.2022</a:t>
+              <a:t>08.01.2022</a:t>
             </a:fld>
             <a:endParaRPr lang="ru-RU"/>
           </a:p>
@@ -4498,7 +4498,7 @@
           <a:p>
             <a:fld id="{46FE7FA2-437C-4797-917E-FA5D56212DDE}" type="datetimeFigureOut">
               <a:rPr lang="ru-RU" smtClean="0"/>
-              <a:t>07.01.2022</a:t>
+              <a:t>08.01.2022</a:t>
             </a:fld>
             <a:endParaRPr lang="ru-RU"/>
           </a:p>
@@ -4783,7 +4783,7 @@
           <a:p>
             <a:fld id="{46FE7FA2-437C-4797-917E-FA5D56212DDE}" type="datetimeFigureOut">
               <a:rPr lang="ru-RU" smtClean="0"/>
-              <a:t>07.01.2022</a:t>
+              <a:t>08.01.2022</a:t>
             </a:fld>
             <a:endParaRPr lang="ru-RU"/>
           </a:p>
@@ -5107,7 +5107,7 @@
           <a:p>
             <a:fld id="{46FE7FA2-437C-4797-917E-FA5D56212DDE}" type="datetimeFigureOut">
               <a:rPr lang="ru-RU" smtClean="0"/>
-              <a:t>07.01.2022</a:t>
+              <a:t>08.01.2022</a:t>
             </a:fld>
             <a:endParaRPr lang="ru-RU"/>
           </a:p>
@@ -5321,7 +5321,7 @@
           <a:p>
             <a:fld id="{46FE7FA2-437C-4797-917E-FA5D56212DDE}" type="datetimeFigureOut">
               <a:rPr lang="ru-RU" smtClean="0"/>
-              <a:t>07.01.2022</a:t>
+              <a:t>08.01.2022</a:t>
             </a:fld>
             <a:endParaRPr lang="ru-RU"/>
           </a:p>
@@ -6620,14 +6620,14 @@
                 <p:ph idx="1"/>
                 <p:extLst>
                   <p:ext uri="{D42A27DB-BD31-4B8C-83A1-F6EECF244321}">
-                    <p14:modId xmlns:p14="http://schemas.microsoft.com/office/powerpoint/2010/main" val="2565544674"/>
+                    <p14:modId xmlns:p14="http://schemas.microsoft.com/office/powerpoint/2010/main" val="1266595247"/>
                   </p:ext>
                 </p:extLst>
               </p:nvPr>
             </p:nvGraphicFramePr>
             <p:xfrm>
-              <a:off x="5020582" y="1688174"/>
-              <a:ext cx="6299119" cy="3311320"/>
+              <a:off x="5001551" y="1795044"/>
+              <a:ext cx="6337180" cy="3025861"/>
             </p:xfrm>
             <a:graphic>
               <a:graphicData uri="http://schemas.microsoft.com/office/drawing/2017/model3d">
@@ -6635,7 +6635,7 @@
                   <am3d:spPr>
                     <a:xfrm>
                       <a:off x="0" y="0"/>
-                      <a:ext cx="6299119" cy="3311320"/>
+                      <a:ext cx="6337180" cy="3025861"/>
                     </a:xfrm>
                     <a:prstGeom prst="rect">
                       <a:avLst/>
@@ -6655,13 +6655,13 @@
                       <am3d:sy n="1000000" d="1000000"/>
                       <am3d:sz n="1000000" d="1000000"/>
                     </am3d:scale>
-                    <am3d:rot ax="3160429" ay="-2133150" az="-2239604"/>
+                    <am3d:rot ax="2875427" ay="-2298176" az="-2068258"/>
                     <am3d:postTrans dx="0" dy="0" dz="0"/>
                   </am3d:trans>
                   <am3d:raster rName="Office3DRenderer" rVer="16.0.8326">
                     <am3d:blip r:embed="rId3"/>
                   </am3d:raster>
-                  <am3d:objViewport viewportSz="7783504"/>
+                  <am3d:objViewport viewportSz="7783503"/>
                   <am3d:ambientLight>
                     <am3d:clr>
                       <a:scrgbClr r="50000" g="50000" b="50000"/>
@@ -6717,8 +6717,8 @@
             </p:blipFill>
             <p:spPr>
               <a:xfrm>
-                <a:off x="5020582" y="1688174"/>
-                <a:ext cx="6299119" cy="3311320"/>
+                <a:off x="5001551" y="1795044"/>
+                <a:ext cx="6337180" cy="3025861"/>
               </a:xfrm>
               <a:prstGeom prst="rect">
                 <a:avLst/>
